--- a/Procesamiento digital de imagenes.pptx
+++ b/Procesamiento digital de imagenes.pptx
@@ -1,34 +1,40 @@
 
 <file path=ppt/presentation.xml><?xml version="1.0" encoding="utf-8"?>
-<p:presentation xmlns:a="http://schemas.openxmlformats.org/drawingml/2006/main" xmlns:r="http://schemas.openxmlformats.org/officeDocument/2006/relationships" xmlns:p="http://schemas.openxmlformats.org/presentationml/2006/main" saveSubsetFonts="1" embedTrueTypeFonts="true">
+<p:presentation xmlns:a="http://schemas.openxmlformats.org/drawingml/2006/main" xmlns:r="http://schemas.openxmlformats.org/officeDocument/2006/relationships" xmlns:p="http://schemas.openxmlformats.org/presentationml/2006/main" embedTrueTypeFonts="1" saveSubsetFonts="1">
   <p:sldMasterIdLst>
     <p:sldMasterId id="2147483648" r:id="rId1"/>
   </p:sldMasterIdLst>
+  <p:notesMasterIdLst>
+    <p:notesMasterId r:id="rId12"/>
+  </p:notesMasterIdLst>
   <p:sldIdLst>
-    <p:sldId id="256" r:id="rId6"/>
-    <p:sldId id="257" r:id="rId7"/>
-    <p:sldId id="258" r:id="rId8"/>
-    <p:sldId id="259" r:id="rId9"/>
-    <p:sldId id="260" r:id="rId10"/>
-    <p:sldId id="261" r:id="rId11"/>
-    <p:sldId id="262" r:id="rId12"/>
-    <p:sldId id="263" r:id="rId13"/>
-    <p:sldId id="264" r:id="rId14"/>
-    <p:sldId id="265" r:id="rId15"/>
+    <p:sldId id="256" r:id="rId2"/>
+    <p:sldId id="257" r:id="rId3"/>
+    <p:sldId id="258" r:id="rId4"/>
+    <p:sldId id="259" r:id="rId5"/>
+    <p:sldId id="260" r:id="rId6"/>
+    <p:sldId id="262" r:id="rId7"/>
+    <p:sldId id="261" r:id="rId8"/>
+    <p:sldId id="263" r:id="rId9"/>
+    <p:sldId id="264" r:id="rId10"/>
+    <p:sldId id="265" r:id="rId11"/>
   </p:sldIdLst>
   <p:sldSz cx="18288000" cy="10287000"/>
   <p:notesSz cx="6858000" cy="9144000"/>
   <p:embeddedFontLst>
     <p:embeddedFont>
-      <p:font typeface="League Spartan" charset="1" panose="00000800000000000000"/>
-      <p:regular r:id="rId16"/>
+      <p:font typeface="League Spartan" panose="020B0604020202020204" charset="0"/>
+      <p:regular r:id="rId13"/>
     </p:embeddedFont>
     <p:embeddedFont>
-      <p:font typeface="Poppins" charset="1" panose="00000500000000000000"/>
-      <p:regular r:id="rId17"/>
+      <p:font typeface="Poppins" panose="00000500000000000000" pitchFamily="2" charset="0"/>
+      <p:regular r:id="rId14"/>
+      <p:bold r:id="rId15"/>
+      <p:italic r:id="rId16"/>
+      <p:boldItalic r:id="rId17"/>
     </p:embeddedFont>
     <p:embeddedFont>
-      <p:font typeface="Poppins Bold" charset="1" panose="00000800000000000000"/>
+      <p:font typeface="Poppins Bold" panose="00000800000000000000" charset="0"/>
       <p:regular r:id="rId18"/>
     </p:embeddedFont>
   </p:embeddedFontLst>
@@ -127,7 +133,457 @@
       </a:defRPr>
     </a:lvl9pPr>
   </p:defaultTextStyle>
+  <p:extLst>
+    <p:ext uri="{EFAFB233-063F-42B5-8137-9DF3F51BA10A}">
+      <p15:sldGuideLst xmlns:p15="http://schemas.microsoft.com/office/powerpoint/2012/main">
+        <p15:guide id="1" orient="horz" pos="2160">
+          <p15:clr>
+            <a:srgbClr val="A4A3A4"/>
+          </p15:clr>
+        </p15:guide>
+        <p15:guide id="2" pos="2880">
+          <p15:clr>
+            <a:srgbClr val="A4A3A4"/>
+          </p15:clr>
+        </p15:guide>
+      </p15:sldGuideLst>
+    </p:ext>
+  </p:extLst>
 </p:presentation>
+</file>
+
+<file path=ppt/notesMasters/notesMaster1.xml><?xml version="1.0" encoding="utf-8"?>
+<p:notesMaster xmlns:a="http://schemas.openxmlformats.org/drawingml/2006/main" xmlns:r="http://schemas.openxmlformats.org/officeDocument/2006/relationships" xmlns:p="http://schemas.openxmlformats.org/presentationml/2006/main">
+  <p:cSld>
+    <p:bg>
+      <p:bgRef idx="1001">
+        <a:schemeClr val="bg1"/>
+      </p:bgRef>
+    </p:bg>
+    <p:spTree>
+      <p:nvGrpSpPr>
+        <p:cNvPr id="1" name=""/>
+        <p:cNvGrpSpPr/>
+        <p:nvPr/>
+      </p:nvGrpSpPr>
+      <p:grpSpPr>
+        <a:xfrm>
+          <a:off x="0" y="0"/>
+          <a:ext cx="0" cy="0"/>
+          <a:chOff x="0" y="0"/>
+          <a:chExt cx="0" cy="0"/>
+        </a:xfrm>
+      </p:grpSpPr>
+      <p:sp>
+        <p:nvSpPr>
+          <p:cNvPr id="2" name="Marcador de encabezado 1"/>
+          <p:cNvSpPr>
+            <a:spLocks noGrp="1"/>
+          </p:cNvSpPr>
+          <p:nvPr>
+            <p:ph type="hdr" sz="quarter"/>
+          </p:nvPr>
+        </p:nvSpPr>
+        <p:spPr>
+          <a:xfrm>
+            <a:off x="0" y="0"/>
+            <a:ext cx="2971800" cy="458788"/>
+          </a:xfrm>
+          <a:prstGeom prst="rect">
+            <a:avLst/>
+          </a:prstGeom>
+        </p:spPr>
+        <p:txBody>
+          <a:bodyPr vert="horz" lIns="91440" tIns="45720" rIns="91440" bIns="45720" rtlCol="0"/>
+          <a:lstStyle>
+            <a:lvl1pPr algn="l">
+              <a:defRPr sz="1200"/>
+            </a:lvl1pPr>
+          </a:lstStyle>
+          <a:p>
+            <a:endParaRPr lang="es-PY"/>
+          </a:p>
+        </p:txBody>
+      </p:sp>
+      <p:sp>
+        <p:nvSpPr>
+          <p:cNvPr id="3" name="Marcador de fecha 2"/>
+          <p:cNvSpPr>
+            <a:spLocks noGrp="1"/>
+          </p:cNvSpPr>
+          <p:nvPr>
+            <p:ph type="dt" idx="1"/>
+          </p:nvPr>
+        </p:nvSpPr>
+        <p:spPr>
+          <a:xfrm>
+            <a:off x="3884613" y="0"/>
+            <a:ext cx="2971800" cy="458788"/>
+          </a:xfrm>
+          <a:prstGeom prst="rect">
+            <a:avLst/>
+          </a:prstGeom>
+        </p:spPr>
+        <p:txBody>
+          <a:bodyPr vert="horz" lIns="91440" tIns="45720" rIns="91440" bIns="45720" rtlCol="0"/>
+          <a:lstStyle>
+            <a:lvl1pPr algn="r">
+              <a:defRPr sz="1200"/>
+            </a:lvl1pPr>
+          </a:lstStyle>
+          <a:p>
+            <a:fld id="{6A39EB92-2D38-4EA0-ADDE-D35F680CEEA5}" type="datetimeFigureOut">
+              <a:rPr lang="es-PY" smtClean="0"/>
+              <a:t>9/8/2025</a:t>
+            </a:fld>
+            <a:endParaRPr lang="es-PY"/>
+          </a:p>
+        </p:txBody>
+      </p:sp>
+      <p:sp>
+        <p:nvSpPr>
+          <p:cNvPr id="4" name="Marcador de imagen de diapositiva 3"/>
+          <p:cNvSpPr>
+            <a:spLocks noGrp="1" noRot="1" noChangeAspect="1"/>
+          </p:cNvSpPr>
+          <p:nvPr>
+            <p:ph type="sldImg" idx="2"/>
+          </p:nvPr>
+        </p:nvSpPr>
+        <p:spPr>
+          <a:xfrm>
+            <a:off x="685800" y="1143000"/>
+            <a:ext cx="5486400" cy="3086100"/>
+          </a:xfrm>
+          <a:prstGeom prst="rect">
+            <a:avLst/>
+          </a:prstGeom>
+          <a:noFill/>
+          <a:ln w="12700">
+            <a:solidFill>
+              <a:prstClr val="black"/>
+            </a:solidFill>
+          </a:ln>
+        </p:spPr>
+        <p:txBody>
+          <a:bodyPr vert="horz" lIns="91440" tIns="45720" rIns="91440" bIns="45720" rtlCol="0" anchor="ctr"/>
+          <a:lstStyle/>
+          <a:p>
+            <a:endParaRPr lang="es-PY"/>
+          </a:p>
+        </p:txBody>
+      </p:sp>
+      <p:sp>
+        <p:nvSpPr>
+          <p:cNvPr id="5" name="Marcador de notas 4"/>
+          <p:cNvSpPr>
+            <a:spLocks noGrp="1"/>
+          </p:cNvSpPr>
+          <p:nvPr>
+            <p:ph type="body" sz="quarter" idx="3"/>
+          </p:nvPr>
+        </p:nvSpPr>
+        <p:spPr>
+          <a:xfrm>
+            <a:off x="685800" y="4400550"/>
+            <a:ext cx="5486400" cy="3600450"/>
+          </a:xfrm>
+          <a:prstGeom prst="rect">
+            <a:avLst/>
+          </a:prstGeom>
+        </p:spPr>
+        <p:txBody>
+          <a:bodyPr vert="horz" lIns="91440" tIns="45720" rIns="91440" bIns="45720" rtlCol="0"/>
+          <a:lstStyle/>
+          <a:p>
+            <a:pPr lvl="0"/>
+            <a:r>
+              <a:rPr lang="es-ES"/>
+              <a:t>Haga clic para modificar los estilos de texto del patrón</a:t>
+            </a:r>
+          </a:p>
+          <a:p>
+            <a:pPr lvl="1"/>
+            <a:r>
+              <a:rPr lang="es-ES"/>
+              <a:t>Segundo nivel</a:t>
+            </a:r>
+          </a:p>
+          <a:p>
+            <a:pPr lvl="2"/>
+            <a:r>
+              <a:rPr lang="es-ES"/>
+              <a:t>Tercer nivel</a:t>
+            </a:r>
+          </a:p>
+          <a:p>
+            <a:pPr lvl="3"/>
+            <a:r>
+              <a:rPr lang="es-ES"/>
+              <a:t>Cuarto nivel</a:t>
+            </a:r>
+          </a:p>
+          <a:p>
+            <a:pPr lvl="4"/>
+            <a:r>
+              <a:rPr lang="es-ES"/>
+              <a:t>Quinto nivel</a:t>
+            </a:r>
+            <a:endParaRPr lang="es-PY"/>
+          </a:p>
+        </p:txBody>
+      </p:sp>
+      <p:sp>
+        <p:nvSpPr>
+          <p:cNvPr id="6" name="Marcador de pie de página 5"/>
+          <p:cNvSpPr>
+            <a:spLocks noGrp="1"/>
+          </p:cNvSpPr>
+          <p:nvPr>
+            <p:ph type="ftr" sz="quarter" idx="4"/>
+          </p:nvPr>
+        </p:nvSpPr>
+        <p:spPr>
+          <a:xfrm>
+            <a:off x="0" y="8685213"/>
+            <a:ext cx="2971800" cy="458787"/>
+          </a:xfrm>
+          <a:prstGeom prst="rect">
+            <a:avLst/>
+          </a:prstGeom>
+        </p:spPr>
+        <p:txBody>
+          <a:bodyPr vert="horz" lIns="91440" tIns="45720" rIns="91440" bIns="45720" rtlCol="0" anchor="b"/>
+          <a:lstStyle>
+            <a:lvl1pPr algn="l">
+              <a:defRPr sz="1200"/>
+            </a:lvl1pPr>
+          </a:lstStyle>
+          <a:p>
+            <a:endParaRPr lang="es-PY"/>
+          </a:p>
+        </p:txBody>
+      </p:sp>
+      <p:sp>
+        <p:nvSpPr>
+          <p:cNvPr id="7" name="Marcador de número de diapositiva 6"/>
+          <p:cNvSpPr>
+            <a:spLocks noGrp="1"/>
+          </p:cNvSpPr>
+          <p:nvPr>
+            <p:ph type="sldNum" sz="quarter" idx="5"/>
+          </p:nvPr>
+        </p:nvSpPr>
+        <p:spPr>
+          <a:xfrm>
+            <a:off x="3884613" y="8685213"/>
+            <a:ext cx="2971800" cy="458787"/>
+          </a:xfrm>
+          <a:prstGeom prst="rect">
+            <a:avLst/>
+          </a:prstGeom>
+        </p:spPr>
+        <p:txBody>
+          <a:bodyPr vert="horz" lIns="91440" tIns="45720" rIns="91440" bIns="45720" rtlCol="0" anchor="b"/>
+          <a:lstStyle>
+            <a:lvl1pPr algn="r">
+              <a:defRPr sz="1200"/>
+            </a:lvl1pPr>
+          </a:lstStyle>
+          <a:p>
+            <a:fld id="{C26DD3B9-11A5-4519-8C9A-980E55F5A8BE}" type="slidenum">
+              <a:rPr lang="es-PY" smtClean="0"/>
+              <a:t>‹Nº›</a:t>
+            </a:fld>
+            <a:endParaRPr lang="es-PY"/>
+          </a:p>
+        </p:txBody>
+      </p:sp>
+    </p:spTree>
+    <p:extLst>
+      <p:ext uri="{BB962C8B-B14F-4D97-AF65-F5344CB8AC3E}">
+        <p14:creationId xmlns:p14="http://schemas.microsoft.com/office/powerpoint/2010/main" val="3052995256"/>
+      </p:ext>
+    </p:extLst>
+  </p:cSld>
+  <p:clrMap bg1="lt1" tx1="dk1" bg2="lt2" tx2="dk2" accent1="accent1" accent2="accent2" accent3="accent3" accent4="accent4" accent5="accent5" accent6="accent6" hlink="hlink" folHlink="folHlink"/>
+  <p:notesStyle>
+    <a:lvl1pPr marL="0" algn="l" defTabSz="914400" rtl="0" eaLnBrk="1" latinLnBrk="0" hangingPunct="1">
+      <a:defRPr sz="1200" kern="1200">
+        <a:solidFill>
+          <a:schemeClr val="tx1"/>
+        </a:solidFill>
+        <a:latin typeface="+mn-lt"/>
+        <a:ea typeface="+mn-ea"/>
+        <a:cs typeface="+mn-cs"/>
+      </a:defRPr>
+    </a:lvl1pPr>
+    <a:lvl2pPr marL="457200" algn="l" defTabSz="914400" rtl="0" eaLnBrk="1" latinLnBrk="0" hangingPunct="1">
+      <a:defRPr sz="1200" kern="1200">
+        <a:solidFill>
+          <a:schemeClr val="tx1"/>
+        </a:solidFill>
+        <a:latin typeface="+mn-lt"/>
+        <a:ea typeface="+mn-ea"/>
+        <a:cs typeface="+mn-cs"/>
+      </a:defRPr>
+    </a:lvl2pPr>
+    <a:lvl3pPr marL="914400" algn="l" defTabSz="914400" rtl="0" eaLnBrk="1" latinLnBrk="0" hangingPunct="1">
+      <a:defRPr sz="1200" kern="1200">
+        <a:solidFill>
+          <a:schemeClr val="tx1"/>
+        </a:solidFill>
+        <a:latin typeface="+mn-lt"/>
+        <a:ea typeface="+mn-ea"/>
+        <a:cs typeface="+mn-cs"/>
+      </a:defRPr>
+    </a:lvl3pPr>
+    <a:lvl4pPr marL="1371600" algn="l" defTabSz="914400" rtl="0" eaLnBrk="1" latinLnBrk="0" hangingPunct="1">
+      <a:defRPr sz="1200" kern="1200">
+        <a:solidFill>
+          <a:schemeClr val="tx1"/>
+        </a:solidFill>
+        <a:latin typeface="+mn-lt"/>
+        <a:ea typeface="+mn-ea"/>
+        <a:cs typeface="+mn-cs"/>
+      </a:defRPr>
+    </a:lvl4pPr>
+    <a:lvl5pPr marL="1828800" algn="l" defTabSz="914400" rtl="0" eaLnBrk="1" latinLnBrk="0" hangingPunct="1">
+      <a:defRPr sz="1200" kern="1200">
+        <a:solidFill>
+          <a:schemeClr val="tx1"/>
+        </a:solidFill>
+        <a:latin typeface="+mn-lt"/>
+        <a:ea typeface="+mn-ea"/>
+        <a:cs typeface="+mn-cs"/>
+      </a:defRPr>
+    </a:lvl5pPr>
+    <a:lvl6pPr marL="2286000" algn="l" defTabSz="914400" rtl="0" eaLnBrk="1" latinLnBrk="0" hangingPunct="1">
+      <a:defRPr sz="1200" kern="1200">
+        <a:solidFill>
+          <a:schemeClr val="tx1"/>
+        </a:solidFill>
+        <a:latin typeface="+mn-lt"/>
+        <a:ea typeface="+mn-ea"/>
+        <a:cs typeface="+mn-cs"/>
+      </a:defRPr>
+    </a:lvl6pPr>
+    <a:lvl7pPr marL="2743200" algn="l" defTabSz="914400" rtl="0" eaLnBrk="1" latinLnBrk="0" hangingPunct="1">
+      <a:defRPr sz="1200" kern="1200">
+        <a:solidFill>
+          <a:schemeClr val="tx1"/>
+        </a:solidFill>
+        <a:latin typeface="+mn-lt"/>
+        <a:ea typeface="+mn-ea"/>
+        <a:cs typeface="+mn-cs"/>
+      </a:defRPr>
+    </a:lvl7pPr>
+    <a:lvl8pPr marL="3200400" algn="l" defTabSz="914400" rtl="0" eaLnBrk="1" latinLnBrk="0" hangingPunct="1">
+      <a:defRPr sz="1200" kern="1200">
+        <a:solidFill>
+          <a:schemeClr val="tx1"/>
+        </a:solidFill>
+        <a:latin typeface="+mn-lt"/>
+        <a:ea typeface="+mn-ea"/>
+        <a:cs typeface="+mn-cs"/>
+      </a:defRPr>
+    </a:lvl8pPr>
+    <a:lvl9pPr marL="3657600" algn="l" defTabSz="914400" rtl="0" eaLnBrk="1" latinLnBrk="0" hangingPunct="1">
+      <a:defRPr sz="1200" kern="1200">
+        <a:solidFill>
+          <a:schemeClr val="tx1"/>
+        </a:solidFill>
+        <a:latin typeface="+mn-lt"/>
+        <a:ea typeface="+mn-ea"/>
+        <a:cs typeface="+mn-cs"/>
+      </a:defRPr>
+    </a:lvl9pPr>
+  </p:notesStyle>
+</p:notesMaster>
+</file>
+
+<file path=ppt/notesSlides/notesSlide1.xml><?xml version="1.0" encoding="utf-8"?>
+<p:notes xmlns:a="http://schemas.openxmlformats.org/drawingml/2006/main" xmlns:r="http://schemas.openxmlformats.org/officeDocument/2006/relationships" xmlns:p="http://schemas.openxmlformats.org/presentationml/2006/main">
+  <p:cSld>
+    <p:spTree>
+      <p:nvGrpSpPr>
+        <p:cNvPr id="1" name=""/>
+        <p:cNvGrpSpPr/>
+        <p:nvPr/>
+      </p:nvGrpSpPr>
+      <p:grpSpPr>
+        <a:xfrm>
+          <a:off x="0" y="0"/>
+          <a:ext cx="0" cy="0"/>
+          <a:chOff x="0" y="0"/>
+          <a:chExt cx="0" cy="0"/>
+        </a:xfrm>
+      </p:grpSpPr>
+      <p:sp>
+        <p:nvSpPr>
+          <p:cNvPr id="2" name="Marcador de imagen de diapositiva 1"/>
+          <p:cNvSpPr>
+            <a:spLocks noGrp="1" noRot="1" noChangeAspect="1"/>
+          </p:cNvSpPr>
+          <p:nvPr>
+            <p:ph type="sldImg"/>
+          </p:nvPr>
+        </p:nvSpPr>
+        <p:spPr/>
+      </p:sp>
+      <p:sp>
+        <p:nvSpPr>
+          <p:cNvPr id="3" name="Marcador de notas 2"/>
+          <p:cNvSpPr>
+            <a:spLocks noGrp="1"/>
+          </p:cNvSpPr>
+          <p:nvPr>
+            <p:ph type="body" idx="1"/>
+          </p:nvPr>
+        </p:nvSpPr>
+        <p:spPr/>
+        <p:txBody>
+          <a:bodyPr/>
+          <a:lstStyle/>
+          <a:p>
+            <a:endParaRPr lang="es-PY" dirty="0"/>
+          </a:p>
+        </p:txBody>
+      </p:sp>
+      <p:sp>
+        <p:nvSpPr>
+          <p:cNvPr id="4" name="Marcador de número de diapositiva 3"/>
+          <p:cNvSpPr>
+            <a:spLocks noGrp="1"/>
+          </p:cNvSpPr>
+          <p:nvPr>
+            <p:ph type="sldNum" sz="quarter" idx="5"/>
+          </p:nvPr>
+        </p:nvSpPr>
+        <p:spPr/>
+        <p:txBody>
+          <a:bodyPr/>
+          <a:lstStyle/>
+          <a:p>
+            <a:fld id="{C26DD3B9-11A5-4519-8C9A-980E55F5A8BE}" type="slidenum">
+              <a:rPr lang="es-PY" smtClean="0"/>
+              <a:t>4</a:t>
+            </a:fld>
+            <a:endParaRPr lang="es-PY"/>
+          </a:p>
+        </p:txBody>
+      </p:sp>
+    </p:spTree>
+    <p:extLst>
+      <p:ext uri="{BB962C8B-B14F-4D97-AF65-F5344CB8AC3E}">
+        <p14:creationId xmlns:p14="http://schemas.microsoft.com/office/powerpoint/2010/main" val="1215614570"/>
+      </p:ext>
+    </p:extLst>
+  </p:cSld>
+  <p:clrMapOvr>
+    <a:masterClrMapping/>
+  </p:clrMapOvr>
+</p:notes>
 </file>
 
 <file path=ppt/slideLayouts/slideLayout1.xml><?xml version="1.0" encoding="utf-8"?>
@@ -168,10 +624,9 @@
           <a:lstStyle/>
           <a:p>
             <a:r>
-              <a:rPr lang="en-US" smtClean="0"/>
+              <a:rPr lang="en-US"/>
               <a:t>Click to edit Master title style</a:t>
             </a:r>
-            <a:endParaRPr lang="en-US"/>
           </a:p>
         </p:txBody>
       </p:sp>
@@ -287,10 +742,9 @@
           </a:lstStyle>
           <a:p>
             <a:r>
-              <a:rPr lang="en-US" smtClean="0"/>
+              <a:rPr lang="en-US"/>
               <a:t>Click to edit Master subtitle style</a:t>
             </a:r>
-            <a:endParaRPr lang="en-US"/>
           </a:p>
         </p:txBody>
       </p:sp>
@@ -312,7 +766,7 @@
             <a:fld id="{1D8BD707-D9CF-40AE-B4C6-C98DA3205C09}" type="datetimeFigureOut">
               <a:rPr lang="en-US" smtClean="0"/>
               <a:pPr/>
-              <a:t>8/1/2011</a:t>
+              <a:t>8/9/2025</a:t>
             </a:fld>
             <a:endParaRPr lang="en-US"/>
           </a:p>
@@ -355,7 +809,7 @@
             <a:fld id="{B6F15528-21DE-4FAA-801E-634DDDAF4B2B}" type="slidenum">
               <a:rPr lang="en-US" smtClean="0"/>
               <a:pPr/>
-              <a:t>‹#›</a:t>
+              <a:t>‹Nº›</a:t>
             </a:fld>
             <a:endParaRPr lang="en-US"/>
           </a:p>
@@ -402,10 +856,9 @@
           <a:lstStyle/>
           <a:p>
             <a:r>
-              <a:rPr lang="en-US" smtClean="0"/>
+              <a:rPr lang="en-US"/>
               <a:t>Click to edit Master title style</a:t>
             </a:r>
-            <a:endParaRPr lang="en-US"/>
           </a:p>
         </p:txBody>
       </p:sp>
@@ -426,38 +879,37 @@
           <a:p>
             <a:pPr lvl="0"/>
             <a:r>
-              <a:rPr lang="en-US" smtClean="0"/>
+              <a:rPr lang="en-US"/>
               <a:t>Click to edit Master text styles</a:t>
             </a:r>
           </a:p>
           <a:p>
             <a:pPr lvl="1"/>
             <a:r>
-              <a:rPr lang="en-US" smtClean="0"/>
+              <a:rPr lang="en-US"/>
               <a:t>Second level</a:t>
             </a:r>
           </a:p>
           <a:p>
             <a:pPr lvl="2"/>
             <a:r>
-              <a:rPr lang="en-US" smtClean="0"/>
+              <a:rPr lang="en-US"/>
               <a:t>Third level</a:t>
             </a:r>
           </a:p>
           <a:p>
             <a:pPr lvl="3"/>
             <a:r>
-              <a:rPr lang="en-US" smtClean="0"/>
+              <a:rPr lang="en-US"/>
               <a:t>Fourth level</a:t>
             </a:r>
           </a:p>
           <a:p>
             <a:pPr lvl="4"/>
             <a:r>
-              <a:rPr lang="en-US" smtClean="0"/>
+              <a:rPr lang="en-US"/>
               <a:t>Fifth level</a:t>
             </a:r>
-            <a:endParaRPr lang="en-US"/>
           </a:p>
         </p:txBody>
       </p:sp>
@@ -479,7 +931,7 @@
             <a:fld id="{1D8BD707-D9CF-40AE-B4C6-C98DA3205C09}" type="datetimeFigureOut">
               <a:rPr lang="en-US" smtClean="0"/>
               <a:pPr/>
-              <a:t>8/1/2011</a:t>
+              <a:t>8/9/2025</a:t>
             </a:fld>
             <a:endParaRPr lang="en-US"/>
           </a:p>
@@ -522,7 +974,7 @@
             <a:fld id="{B6F15528-21DE-4FAA-801E-634DDDAF4B2B}" type="slidenum">
               <a:rPr lang="en-US" smtClean="0"/>
               <a:pPr/>
-              <a:t>‹#›</a:t>
+              <a:t>‹Nº›</a:t>
             </a:fld>
             <a:endParaRPr lang="en-US"/>
           </a:p>
@@ -574,10 +1026,9 @@
           <a:lstStyle/>
           <a:p>
             <a:r>
-              <a:rPr lang="en-US" smtClean="0"/>
+              <a:rPr lang="en-US"/>
               <a:t>Click to edit Master title style</a:t>
             </a:r>
-            <a:endParaRPr lang="en-US"/>
           </a:p>
         </p:txBody>
       </p:sp>
@@ -603,38 +1054,37 @@
           <a:p>
             <a:pPr lvl="0"/>
             <a:r>
-              <a:rPr lang="en-US" smtClean="0"/>
+              <a:rPr lang="en-US"/>
               <a:t>Click to edit Master text styles</a:t>
             </a:r>
           </a:p>
           <a:p>
             <a:pPr lvl="1"/>
             <a:r>
-              <a:rPr lang="en-US" smtClean="0"/>
+              <a:rPr lang="en-US"/>
               <a:t>Second level</a:t>
             </a:r>
           </a:p>
           <a:p>
             <a:pPr lvl="2"/>
             <a:r>
-              <a:rPr lang="en-US" smtClean="0"/>
+              <a:rPr lang="en-US"/>
               <a:t>Third level</a:t>
             </a:r>
           </a:p>
           <a:p>
             <a:pPr lvl="3"/>
             <a:r>
-              <a:rPr lang="en-US" smtClean="0"/>
+              <a:rPr lang="en-US"/>
               <a:t>Fourth level</a:t>
             </a:r>
           </a:p>
           <a:p>
             <a:pPr lvl="4"/>
             <a:r>
-              <a:rPr lang="en-US" smtClean="0"/>
+              <a:rPr lang="en-US"/>
               <a:t>Fifth level</a:t>
             </a:r>
-            <a:endParaRPr lang="en-US"/>
           </a:p>
         </p:txBody>
       </p:sp>
@@ -656,7 +1106,7 @@
             <a:fld id="{1D8BD707-D9CF-40AE-B4C6-C98DA3205C09}" type="datetimeFigureOut">
               <a:rPr lang="en-US" smtClean="0"/>
               <a:pPr/>
-              <a:t>8/1/2011</a:t>
+              <a:t>8/9/2025</a:t>
             </a:fld>
             <a:endParaRPr lang="en-US"/>
           </a:p>
@@ -699,7 +1149,7 @@
             <a:fld id="{B6F15528-21DE-4FAA-801E-634DDDAF4B2B}" type="slidenum">
               <a:rPr lang="en-US" smtClean="0"/>
               <a:pPr/>
-              <a:t>‹#›</a:t>
+              <a:t>‹Nº›</a:t>
             </a:fld>
             <a:endParaRPr lang="en-US"/>
           </a:p>
@@ -746,10 +1196,9 @@
           <a:lstStyle/>
           <a:p>
             <a:r>
-              <a:rPr lang="en-US" smtClean="0"/>
+              <a:rPr lang="en-US"/>
               <a:t>Click to edit Master title style</a:t>
             </a:r>
-            <a:endParaRPr lang="en-US"/>
           </a:p>
         </p:txBody>
       </p:sp>
@@ -770,38 +1219,37 @@
           <a:p>
             <a:pPr lvl="0"/>
             <a:r>
-              <a:rPr lang="en-US" smtClean="0"/>
+              <a:rPr lang="en-US"/>
               <a:t>Click to edit Master text styles</a:t>
             </a:r>
           </a:p>
           <a:p>
             <a:pPr lvl="1"/>
             <a:r>
-              <a:rPr lang="en-US" smtClean="0"/>
+              <a:rPr lang="en-US"/>
               <a:t>Second level</a:t>
             </a:r>
           </a:p>
           <a:p>
             <a:pPr lvl="2"/>
             <a:r>
-              <a:rPr lang="en-US" smtClean="0"/>
+              <a:rPr lang="en-US"/>
               <a:t>Third level</a:t>
             </a:r>
           </a:p>
           <a:p>
             <a:pPr lvl="3"/>
             <a:r>
-              <a:rPr lang="en-US" smtClean="0"/>
+              <a:rPr lang="en-US"/>
               <a:t>Fourth level</a:t>
             </a:r>
           </a:p>
           <a:p>
             <a:pPr lvl="4"/>
             <a:r>
-              <a:rPr lang="en-US" smtClean="0"/>
+              <a:rPr lang="en-US"/>
               <a:t>Fifth level</a:t>
             </a:r>
-            <a:endParaRPr lang="en-US"/>
           </a:p>
         </p:txBody>
       </p:sp>
@@ -823,7 +1271,7 @@
             <a:fld id="{1D8BD707-D9CF-40AE-B4C6-C98DA3205C09}" type="datetimeFigureOut">
               <a:rPr lang="en-US" smtClean="0"/>
               <a:pPr/>
-              <a:t>8/1/2011</a:t>
+              <a:t>8/9/2025</a:t>
             </a:fld>
             <a:endParaRPr lang="en-US"/>
           </a:p>
@@ -866,7 +1314,7 @@
             <a:fld id="{B6F15528-21DE-4FAA-801E-634DDDAF4B2B}" type="slidenum">
               <a:rPr lang="en-US" smtClean="0"/>
               <a:pPr/>
-              <a:t>‹#›</a:t>
+              <a:t>‹Nº›</a:t>
             </a:fld>
             <a:endParaRPr lang="en-US"/>
           </a:p>
@@ -922,10 +1370,9 @@
           </a:lstStyle>
           <a:p>
             <a:r>
-              <a:rPr lang="en-US" smtClean="0"/>
+              <a:rPr lang="en-US"/>
               <a:t>Click to edit Master title style</a:t>
             </a:r>
-            <a:endParaRPr lang="en-US"/>
           </a:p>
         </p:txBody>
       </p:sp>
@@ -1042,7 +1489,7 @@
           <a:p>
             <a:pPr lvl="0"/>
             <a:r>
-              <a:rPr lang="en-US" smtClean="0"/>
+              <a:rPr lang="en-US"/>
               <a:t>Click to edit Master text styles</a:t>
             </a:r>
           </a:p>
@@ -1066,7 +1513,7 @@
             <a:fld id="{1D8BD707-D9CF-40AE-B4C6-C98DA3205C09}" type="datetimeFigureOut">
               <a:rPr lang="en-US" smtClean="0"/>
               <a:pPr/>
-              <a:t>8/1/2011</a:t>
+              <a:t>8/9/2025</a:t>
             </a:fld>
             <a:endParaRPr lang="en-US"/>
           </a:p>
@@ -1109,7 +1556,7 @@
             <a:fld id="{B6F15528-21DE-4FAA-801E-634DDDAF4B2B}" type="slidenum">
               <a:rPr lang="en-US" smtClean="0"/>
               <a:pPr/>
-              <a:t>‹#›</a:t>
+              <a:t>‹Nº›</a:t>
             </a:fld>
             <a:endParaRPr lang="en-US"/>
           </a:p>
@@ -1156,10 +1603,9 @@
           <a:lstStyle/>
           <a:p>
             <a:r>
-              <a:rPr lang="en-US" smtClean="0"/>
+              <a:rPr lang="en-US"/>
               <a:t>Click to edit Master title style</a:t>
             </a:r>
-            <a:endParaRPr lang="en-US"/>
           </a:p>
         </p:txBody>
       </p:sp>
@@ -1213,38 +1659,37 @@
           <a:p>
             <a:pPr lvl="0"/>
             <a:r>
-              <a:rPr lang="en-US" smtClean="0"/>
+              <a:rPr lang="en-US"/>
               <a:t>Click to edit Master text styles</a:t>
             </a:r>
           </a:p>
           <a:p>
             <a:pPr lvl="1"/>
             <a:r>
-              <a:rPr lang="en-US" smtClean="0"/>
+              <a:rPr lang="en-US"/>
               <a:t>Second level</a:t>
             </a:r>
           </a:p>
           <a:p>
             <a:pPr lvl="2"/>
             <a:r>
-              <a:rPr lang="en-US" smtClean="0"/>
+              <a:rPr lang="en-US"/>
               <a:t>Third level</a:t>
             </a:r>
           </a:p>
           <a:p>
             <a:pPr lvl="3"/>
             <a:r>
-              <a:rPr lang="en-US" smtClean="0"/>
+              <a:rPr lang="en-US"/>
               <a:t>Fourth level</a:t>
             </a:r>
           </a:p>
           <a:p>
             <a:pPr lvl="4"/>
             <a:r>
-              <a:rPr lang="en-US" smtClean="0"/>
+              <a:rPr lang="en-US"/>
               <a:t>Fifth level</a:t>
             </a:r>
-            <a:endParaRPr lang="en-US"/>
           </a:p>
         </p:txBody>
       </p:sp>
@@ -1298,38 +1743,37 @@
           <a:p>
             <a:pPr lvl="0"/>
             <a:r>
-              <a:rPr lang="en-US" smtClean="0"/>
+              <a:rPr lang="en-US"/>
               <a:t>Click to edit Master text styles</a:t>
             </a:r>
           </a:p>
           <a:p>
             <a:pPr lvl="1"/>
             <a:r>
-              <a:rPr lang="en-US" smtClean="0"/>
+              <a:rPr lang="en-US"/>
               <a:t>Second level</a:t>
             </a:r>
           </a:p>
           <a:p>
             <a:pPr lvl="2"/>
             <a:r>
-              <a:rPr lang="en-US" smtClean="0"/>
+              <a:rPr lang="en-US"/>
               <a:t>Third level</a:t>
             </a:r>
           </a:p>
           <a:p>
             <a:pPr lvl="3"/>
             <a:r>
-              <a:rPr lang="en-US" smtClean="0"/>
+              <a:rPr lang="en-US"/>
               <a:t>Fourth level</a:t>
             </a:r>
           </a:p>
           <a:p>
             <a:pPr lvl="4"/>
             <a:r>
-              <a:rPr lang="en-US" smtClean="0"/>
+              <a:rPr lang="en-US"/>
               <a:t>Fifth level</a:t>
             </a:r>
-            <a:endParaRPr lang="en-US"/>
           </a:p>
         </p:txBody>
       </p:sp>
@@ -1351,7 +1795,7 @@
             <a:fld id="{1D8BD707-D9CF-40AE-B4C6-C98DA3205C09}" type="datetimeFigureOut">
               <a:rPr lang="en-US" smtClean="0"/>
               <a:pPr/>
-              <a:t>8/1/2011</a:t>
+              <a:t>8/9/2025</a:t>
             </a:fld>
             <a:endParaRPr lang="en-US"/>
           </a:p>
@@ -1394,7 +1838,7 @@
             <a:fld id="{B6F15528-21DE-4FAA-801E-634DDDAF4B2B}" type="slidenum">
               <a:rPr lang="en-US" smtClean="0"/>
               <a:pPr/>
-              <a:t>‹#›</a:t>
+              <a:t>‹Nº›</a:t>
             </a:fld>
             <a:endParaRPr lang="en-US"/>
           </a:p>
@@ -1445,10 +1889,9 @@
           </a:lstStyle>
           <a:p>
             <a:r>
-              <a:rPr lang="en-US" smtClean="0"/>
+              <a:rPr lang="en-US"/>
               <a:t>Click to edit Master title style</a:t>
             </a:r>
-            <a:endParaRPr lang="en-US"/>
           </a:p>
         </p:txBody>
       </p:sp>
@@ -1511,7 +1954,7 @@
           <a:p>
             <a:pPr lvl="0"/>
             <a:r>
-              <a:rPr lang="en-US" smtClean="0"/>
+              <a:rPr lang="en-US"/>
               <a:t>Click to edit Master text styles</a:t>
             </a:r>
           </a:p>
@@ -1567,38 +2010,37 @@
           <a:p>
             <a:pPr lvl="0"/>
             <a:r>
-              <a:rPr lang="en-US" smtClean="0"/>
+              <a:rPr lang="en-US"/>
               <a:t>Click to edit Master text styles</a:t>
             </a:r>
           </a:p>
           <a:p>
             <a:pPr lvl="1"/>
             <a:r>
-              <a:rPr lang="en-US" smtClean="0"/>
+              <a:rPr lang="en-US"/>
               <a:t>Second level</a:t>
             </a:r>
           </a:p>
           <a:p>
             <a:pPr lvl="2"/>
             <a:r>
-              <a:rPr lang="en-US" smtClean="0"/>
+              <a:rPr lang="en-US"/>
               <a:t>Third level</a:t>
             </a:r>
           </a:p>
           <a:p>
             <a:pPr lvl="3"/>
             <a:r>
-              <a:rPr lang="en-US" smtClean="0"/>
+              <a:rPr lang="en-US"/>
               <a:t>Fourth level</a:t>
             </a:r>
           </a:p>
           <a:p>
             <a:pPr lvl="4"/>
             <a:r>
-              <a:rPr lang="en-US" smtClean="0"/>
+              <a:rPr lang="en-US"/>
               <a:t>Fifth level</a:t>
             </a:r>
-            <a:endParaRPr lang="en-US"/>
           </a:p>
         </p:txBody>
       </p:sp>
@@ -1661,7 +2103,7 @@
           <a:p>
             <a:pPr lvl="0"/>
             <a:r>
-              <a:rPr lang="en-US" smtClean="0"/>
+              <a:rPr lang="en-US"/>
               <a:t>Click to edit Master text styles</a:t>
             </a:r>
           </a:p>
@@ -1717,38 +2159,37 @@
           <a:p>
             <a:pPr lvl="0"/>
             <a:r>
-              <a:rPr lang="en-US" smtClean="0"/>
+              <a:rPr lang="en-US"/>
               <a:t>Click to edit Master text styles</a:t>
             </a:r>
           </a:p>
           <a:p>
             <a:pPr lvl="1"/>
             <a:r>
-              <a:rPr lang="en-US" smtClean="0"/>
+              <a:rPr lang="en-US"/>
               <a:t>Second level</a:t>
             </a:r>
           </a:p>
           <a:p>
             <a:pPr lvl="2"/>
             <a:r>
-              <a:rPr lang="en-US" smtClean="0"/>
+              <a:rPr lang="en-US"/>
               <a:t>Third level</a:t>
             </a:r>
           </a:p>
           <a:p>
             <a:pPr lvl="3"/>
             <a:r>
-              <a:rPr lang="en-US" smtClean="0"/>
+              <a:rPr lang="en-US"/>
               <a:t>Fourth level</a:t>
             </a:r>
           </a:p>
           <a:p>
             <a:pPr lvl="4"/>
             <a:r>
-              <a:rPr lang="en-US" smtClean="0"/>
+              <a:rPr lang="en-US"/>
               <a:t>Fifth level</a:t>
             </a:r>
-            <a:endParaRPr lang="en-US"/>
           </a:p>
         </p:txBody>
       </p:sp>
@@ -1770,7 +2211,7 @@
             <a:fld id="{1D8BD707-D9CF-40AE-B4C6-C98DA3205C09}" type="datetimeFigureOut">
               <a:rPr lang="en-US" smtClean="0"/>
               <a:pPr/>
-              <a:t>8/1/2011</a:t>
+              <a:t>8/9/2025</a:t>
             </a:fld>
             <a:endParaRPr lang="en-US"/>
           </a:p>
@@ -1813,7 +2254,7 @@
             <a:fld id="{B6F15528-21DE-4FAA-801E-634DDDAF4B2B}" type="slidenum">
               <a:rPr lang="en-US" smtClean="0"/>
               <a:pPr/>
-              <a:t>‹#›</a:t>
+              <a:t>‹Nº›</a:t>
             </a:fld>
             <a:endParaRPr lang="en-US"/>
           </a:p>
@@ -1860,10 +2301,9 @@
           <a:lstStyle/>
           <a:p>
             <a:r>
-              <a:rPr lang="en-US" smtClean="0"/>
+              <a:rPr lang="en-US"/>
               <a:t>Click to edit Master title style</a:t>
             </a:r>
-            <a:endParaRPr lang="en-US"/>
           </a:p>
         </p:txBody>
       </p:sp>
@@ -1885,7 +2325,7 @@
             <a:fld id="{1D8BD707-D9CF-40AE-B4C6-C98DA3205C09}" type="datetimeFigureOut">
               <a:rPr lang="en-US" smtClean="0"/>
               <a:pPr/>
-              <a:t>8/1/2011</a:t>
+              <a:t>8/9/2025</a:t>
             </a:fld>
             <a:endParaRPr lang="en-US"/>
           </a:p>
@@ -1928,7 +2368,7 @@
             <a:fld id="{B6F15528-21DE-4FAA-801E-634DDDAF4B2B}" type="slidenum">
               <a:rPr lang="en-US" smtClean="0"/>
               <a:pPr/>
-              <a:t>‹#›</a:t>
+              <a:t>‹Nº›</a:t>
             </a:fld>
             <a:endParaRPr lang="en-US"/>
           </a:p>
@@ -1977,7 +2417,7 @@
             <a:fld id="{1D8BD707-D9CF-40AE-B4C6-C98DA3205C09}" type="datetimeFigureOut">
               <a:rPr lang="en-US" smtClean="0"/>
               <a:pPr/>
-              <a:t>8/1/2011</a:t>
+              <a:t>8/9/2025</a:t>
             </a:fld>
             <a:endParaRPr lang="en-US"/>
           </a:p>
@@ -2020,7 +2460,7 @@
             <a:fld id="{B6F15528-21DE-4FAA-801E-634DDDAF4B2B}" type="slidenum">
               <a:rPr lang="en-US" smtClean="0"/>
               <a:pPr/>
-              <a:t>‹#›</a:t>
+              <a:t>‹Nº›</a:t>
             </a:fld>
             <a:endParaRPr lang="en-US"/>
           </a:p>
@@ -2076,10 +2516,9 @@
           </a:lstStyle>
           <a:p>
             <a:r>
-              <a:rPr lang="en-US" smtClean="0"/>
+              <a:rPr lang="en-US"/>
               <a:t>Click to edit Master title style</a:t>
             </a:r>
-            <a:endParaRPr lang="en-US"/>
           </a:p>
         </p:txBody>
       </p:sp>
@@ -2133,38 +2572,37 @@
           <a:p>
             <a:pPr lvl="0"/>
             <a:r>
-              <a:rPr lang="en-US" smtClean="0"/>
+              <a:rPr lang="en-US"/>
               <a:t>Click to edit Master text styles</a:t>
             </a:r>
           </a:p>
           <a:p>
             <a:pPr lvl="1"/>
             <a:r>
-              <a:rPr lang="en-US" smtClean="0"/>
+              <a:rPr lang="en-US"/>
               <a:t>Second level</a:t>
             </a:r>
           </a:p>
           <a:p>
             <a:pPr lvl="2"/>
             <a:r>
-              <a:rPr lang="en-US" smtClean="0"/>
+              <a:rPr lang="en-US"/>
               <a:t>Third level</a:t>
             </a:r>
           </a:p>
           <a:p>
             <a:pPr lvl="3"/>
             <a:r>
-              <a:rPr lang="en-US" smtClean="0"/>
+              <a:rPr lang="en-US"/>
               <a:t>Fourth level</a:t>
             </a:r>
           </a:p>
           <a:p>
             <a:pPr lvl="4"/>
             <a:r>
-              <a:rPr lang="en-US" smtClean="0"/>
+              <a:rPr lang="en-US"/>
               <a:t>Fifth level</a:t>
             </a:r>
-            <a:endParaRPr lang="en-US"/>
           </a:p>
         </p:txBody>
       </p:sp>
@@ -2227,7 +2665,7 @@
           <a:p>
             <a:pPr lvl="0"/>
             <a:r>
-              <a:rPr lang="en-US" smtClean="0"/>
+              <a:rPr lang="en-US"/>
               <a:t>Click to edit Master text styles</a:t>
             </a:r>
           </a:p>
@@ -2251,7 +2689,7 @@
             <a:fld id="{1D8BD707-D9CF-40AE-B4C6-C98DA3205C09}" type="datetimeFigureOut">
               <a:rPr lang="en-US" smtClean="0"/>
               <a:pPr/>
-              <a:t>8/1/2011</a:t>
+              <a:t>8/9/2025</a:t>
             </a:fld>
             <a:endParaRPr lang="en-US"/>
           </a:p>
@@ -2294,7 +2732,7 @@
             <a:fld id="{B6F15528-21DE-4FAA-801E-634DDDAF4B2B}" type="slidenum">
               <a:rPr lang="en-US" smtClean="0"/>
               <a:pPr/>
-              <a:t>‹#›</a:t>
+              <a:t>‹Nº›</a:t>
             </a:fld>
             <a:endParaRPr lang="en-US"/>
           </a:p>
@@ -2350,10 +2788,9 @@
           </a:lstStyle>
           <a:p>
             <a:r>
-              <a:rPr lang="en-US" smtClean="0"/>
+              <a:rPr lang="en-US"/>
               <a:t>Click to edit Master title style</a:t>
             </a:r>
-            <a:endParaRPr lang="en-US"/>
           </a:p>
         </p:txBody>
       </p:sp>
@@ -2477,7 +2914,7 @@
           <a:p>
             <a:pPr lvl="0"/>
             <a:r>
-              <a:rPr lang="en-US" smtClean="0"/>
+              <a:rPr lang="en-US"/>
               <a:t>Click to edit Master text styles</a:t>
             </a:r>
           </a:p>
@@ -2501,7 +2938,7 @@
             <a:fld id="{1D8BD707-D9CF-40AE-B4C6-C98DA3205C09}" type="datetimeFigureOut">
               <a:rPr lang="en-US" smtClean="0"/>
               <a:pPr/>
-              <a:t>8/1/2011</a:t>
+              <a:t>8/9/2025</a:t>
             </a:fld>
             <a:endParaRPr lang="en-US"/>
           </a:p>
@@ -2544,7 +2981,7 @@
             <a:fld id="{B6F15528-21DE-4FAA-801E-634DDDAF4B2B}" type="slidenum">
               <a:rPr lang="en-US" smtClean="0"/>
               <a:pPr/>
-              <a:t>‹#›</a:t>
+              <a:t>‹Nº›</a:t>
             </a:fld>
             <a:endParaRPr lang="en-US"/>
           </a:p>
@@ -2606,10 +3043,9 @@
           <a:lstStyle/>
           <a:p>
             <a:r>
-              <a:rPr lang="en-US" smtClean="0"/>
+              <a:rPr lang="en-US"/>
               <a:t>Click to edit Master title style</a:t>
             </a:r>
-            <a:endParaRPr lang="en-US"/>
           </a:p>
         </p:txBody>
       </p:sp>
@@ -2640,38 +3076,37 @@
           <a:p>
             <a:pPr lvl="0"/>
             <a:r>
-              <a:rPr lang="en-US" smtClean="0"/>
+              <a:rPr lang="en-US"/>
               <a:t>Click to edit Master text styles</a:t>
             </a:r>
           </a:p>
           <a:p>
             <a:pPr lvl="1"/>
             <a:r>
-              <a:rPr lang="en-US" smtClean="0"/>
+              <a:rPr lang="en-US"/>
               <a:t>Second level</a:t>
             </a:r>
           </a:p>
           <a:p>
             <a:pPr lvl="2"/>
             <a:r>
-              <a:rPr lang="en-US" smtClean="0"/>
+              <a:rPr lang="en-US"/>
               <a:t>Third level</a:t>
             </a:r>
           </a:p>
           <a:p>
             <a:pPr lvl="3"/>
             <a:r>
-              <a:rPr lang="en-US" smtClean="0"/>
+              <a:rPr lang="en-US"/>
               <a:t>Fourth level</a:t>
             </a:r>
           </a:p>
           <a:p>
             <a:pPr lvl="4"/>
             <a:r>
-              <a:rPr lang="en-US" smtClean="0"/>
+              <a:rPr lang="en-US"/>
               <a:t>Fifth level</a:t>
             </a:r>
-            <a:endParaRPr lang="en-US"/>
           </a:p>
         </p:txBody>
       </p:sp>
@@ -2711,7 +3146,7 @@
             <a:fld id="{1D8BD707-D9CF-40AE-B4C6-C98DA3205C09}" type="datetimeFigureOut">
               <a:rPr lang="en-US" smtClean="0"/>
               <a:pPr/>
-              <a:t>8/1/2011</a:t>
+              <a:t>8/9/2025</a:t>
             </a:fld>
             <a:endParaRPr lang="en-US"/>
           </a:p>
@@ -2790,7 +3225,7 @@
             <a:fld id="{B6F15528-21DE-4FAA-801E-634DDDAF4B2B}" type="slidenum">
               <a:rPr lang="en-US" smtClean="0"/>
               <a:pPr/>
-              <a:t>‹#›</a:t>
+              <a:t>‹Nº›</a:t>
             </a:fld>
             <a:endParaRPr lang="en-US"/>
           </a:p>
@@ -3066,13 +3501,14 @@
 </file>
 
 <file path=ppt/slides/slide1.xml><?xml version="1.0" encoding="utf-8"?>
-<p:sld xmlns:p="http://schemas.openxmlformats.org/presentationml/2006/main" xmlns:a="http://schemas.openxmlformats.org/drawingml/2006/main">
+<p:sld xmlns:a="http://schemas.openxmlformats.org/drawingml/2006/main" xmlns:r="http://schemas.openxmlformats.org/officeDocument/2006/relationships" xmlns:p="http://schemas.openxmlformats.org/presentationml/2006/main">
   <p:cSld>
     <p:bg>
       <p:bgPr>
         <a:solidFill>
           <a:srgbClr val="E8F6EC"/>
         </a:solidFill>
+        <a:effectLst/>
       </p:bgPr>
     </p:bg>
     <p:spTree>
@@ -3091,12 +3527,12 @@
       </p:grpSpPr>
       <p:grpSp>
         <p:nvGrpSpPr>
-          <p:cNvPr name="Group 2" id="2"/>
+          <p:cNvPr id="2" name="Group 2"/>
           <p:cNvGrpSpPr/>
           <p:nvPr/>
         </p:nvGrpSpPr>
         <p:grpSpPr>
-          <a:xfrm rot="0">
+          <a:xfrm>
             <a:off x="15595010" y="-659811"/>
             <a:ext cx="2296553" cy="4676961"/>
             <a:chOff x="0" y="0"/>
@@ -3105,12 +3541,12 @@
         </p:grpSpPr>
         <p:grpSp>
           <p:nvGrpSpPr>
-            <p:cNvPr name="Group 3" id="3"/>
+            <p:cNvPr id="3" name="Group 3"/>
             <p:cNvGrpSpPr/>
             <p:nvPr/>
           </p:nvGrpSpPr>
           <p:grpSpPr>
-            <a:xfrm rot="0">
+            <a:xfrm>
               <a:off x="0" y="0"/>
               <a:ext cx="2282923" cy="5465809"/>
               <a:chOff x="0" y="0"/>
@@ -3119,12 +3555,12 @@
           </p:grpSpPr>
           <p:sp>
             <p:nvSpPr>
-              <p:cNvPr name="Freeform 4" id="4"/>
+              <p:cNvPr id="4" name="Freeform 4"/>
               <p:cNvSpPr/>
               <p:nvPr/>
             </p:nvSpPr>
             <p:spPr>
-              <a:xfrm flipH="false" flipV="false" rot="0">
+              <a:xfrm>
                 <a:off x="0" y="0"/>
                 <a:ext cx="450948" cy="1079666"/>
               </a:xfrm>
@@ -3133,9 +3569,9 @@
                 <a:gdLst/>
                 <a:ahLst/>
                 <a:cxnLst/>
-                <a:rect r="r" b="b" t="t" l="l"/>
+                <a:rect l="l" t="t" r="r" b="b"/>
                 <a:pathLst>
-                  <a:path h="1079666" w="450948">
+                  <a:path w="450948" h="1079666">
                     <a:moveTo>
                       <a:pt x="0" y="0"/>
                     </a:moveTo>
@@ -3156,11 +3592,18 @@
                 <a:srgbClr val="1D7A66"/>
               </a:solidFill>
             </p:spPr>
+            <p:txBody>
+              <a:bodyPr/>
+              <a:lstStyle/>
+              <a:p>
+                <a:endParaRPr lang="es-PY"/>
+              </a:p>
+            </p:txBody>
           </p:sp>
           <p:sp>
             <p:nvSpPr>
-              <p:cNvPr name="TextBox 5" id="5"/>
-              <p:cNvSpPr txBox="true"/>
+              <p:cNvPr id="5" name="TextBox 5"/>
+              <p:cNvSpPr txBox="1"/>
               <p:nvPr/>
             </p:nvSpPr>
             <p:spPr>
@@ -3173,7 +3616,7 @@
               </a:prstGeom>
             </p:spPr>
             <p:txBody>
-              <a:bodyPr anchor="ctr" rtlCol="false" tIns="50800" lIns="50800" bIns="50800" rIns="50800"/>
+              <a:bodyPr lIns="50800" tIns="50800" rIns="50800" bIns="50800" rtlCol="0" anchor="ctr"/>
               <a:lstStyle/>
               <a:p>
                 <a:pPr algn="ctr">
@@ -3181,18 +3624,19 @@
                     <a:spcPts val="2659"/>
                   </a:lnSpc>
                 </a:pPr>
+                <a:endParaRPr/>
               </a:p>
             </p:txBody>
           </p:sp>
         </p:grpSp>
         <p:grpSp>
           <p:nvGrpSpPr>
-            <p:cNvPr name="Group 6" id="6"/>
+            <p:cNvPr id="6" name="Group 6"/>
             <p:cNvGrpSpPr/>
             <p:nvPr/>
           </p:nvGrpSpPr>
           <p:grpSpPr>
-            <a:xfrm rot="0">
+            <a:xfrm>
               <a:off x="779147" y="770139"/>
               <a:ext cx="2282923" cy="5465809"/>
               <a:chOff x="0" y="0"/>
@@ -3201,12 +3645,12 @@
           </p:grpSpPr>
           <p:sp>
             <p:nvSpPr>
-              <p:cNvPr name="Freeform 7" id="7"/>
+              <p:cNvPr id="7" name="Freeform 7"/>
               <p:cNvSpPr/>
               <p:nvPr/>
             </p:nvSpPr>
             <p:spPr>
-              <a:xfrm flipH="false" flipV="false" rot="0">
+              <a:xfrm>
                 <a:off x="0" y="0"/>
                 <a:ext cx="450948" cy="1079666"/>
               </a:xfrm>
@@ -3215,9 +3659,9 @@
                 <a:gdLst/>
                 <a:ahLst/>
                 <a:cxnLst/>
-                <a:rect r="r" b="b" t="t" l="l"/>
+                <a:rect l="l" t="t" r="r" b="b"/>
                 <a:pathLst>
-                  <a:path h="1079666" w="450948">
+                  <a:path w="450948" h="1079666">
                     <a:moveTo>
                       <a:pt x="0" y="0"/>
                     </a:moveTo>
@@ -3238,11 +3682,18 @@
                 <a:srgbClr val="55BD9B"/>
               </a:solidFill>
             </p:spPr>
+            <p:txBody>
+              <a:bodyPr/>
+              <a:lstStyle/>
+              <a:p>
+                <a:endParaRPr lang="es-PY"/>
+              </a:p>
+            </p:txBody>
           </p:sp>
           <p:sp>
             <p:nvSpPr>
-              <p:cNvPr name="TextBox 8" id="8"/>
-              <p:cNvSpPr txBox="true"/>
+              <p:cNvPr id="8" name="TextBox 8"/>
+              <p:cNvSpPr txBox="1"/>
               <p:nvPr/>
             </p:nvSpPr>
             <p:spPr>
@@ -3255,7 +3706,7 @@
               </a:prstGeom>
             </p:spPr>
             <p:txBody>
-              <a:bodyPr anchor="ctr" rtlCol="false" tIns="50800" lIns="50800" bIns="50800" rIns="50800"/>
+              <a:bodyPr lIns="50800" tIns="50800" rIns="50800" bIns="50800" rtlCol="0" anchor="ctr"/>
               <a:lstStyle/>
               <a:p>
                 <a:pPr algn="ctr">
@@ -3263,6 +3714,7 @@
                     <a:spcPts val="2659"/>
                   </a:lnSpc>
                 </a:pPr>
+                <a:endParaRPr/>
               </a:p>
             </p:txBody>
           </p:sp>
@@ -3270,7 +3722,7 @@
       </p:grpSp>
       <p:grpSp>
         <p:nvGrpSpPr>
-          <p:cNvPr name="Group 9" id="9"/>
+          <p:cNvPr id="9" name="Group 9"/>
           <p:cNvGrpSpPr/>
           <p:nvPr/>
         </p:nvGrpSpPr>
@@ -3284,12 +3736,12 @@
         </p:grpSpPr>
         <p:grpSp>
           <p:nvGrpSpPr>
-            <p:cNvPr name="Group 10" id="10"/>
+            <p:cNvPr id="10" name="Group 10"/>
             <p:cNvGrpSpPr/>
             <p:nvPr/>
           </p:nvGrpSpPr>
           <p:grpSpPr>
-            <a:xfrm rot="0">
+            <a:xfrm>
               <a:off x="0" y="0"/>
               <a:ext cx="2862420" cy="7281052"/>
               <a:chOff x="0" y="0"/>
@@ -3298,12 +3750,12 @@
           </p:grpSpPr>
           <p:sp>
             <p:nvSpPr>
-              <p:cNvPr name="Freeform 11" id="11"/>
+              <p:cNvPr id="11" name="Freeform 11"/>
               <p:cNvSpPr/>
               <p:nvPr/>
             </p:nvSpPr>
             <p:spPr>
-              <a:xfrm flipH="false" flipV="false" rot="0">
+              <a:xfrm>
                 <a:off x="0" y="0"/>
                 <a:ext cx="424452" cy="1079666"/>
               </a:xfrm>
@@ -3312,9 +3764,9 @@
                 <a:gdLst/>
                 <a:ahLst/>
                 <a:cxnLst/>
-                <a:rect r="r" b="b" t="t" l="l"/>
+                <a:rect l="l" t="t" r="r" b="b"/>
                 <a:pathLst>
-                  <a:path h="1079666" w="424452">
+                  <a:path w="424452" h="1079666">
                     <a:moveTo>
                       <a:pt x="0" y="0"/>
                     </a:moveTo>
@@ -3335,11 +3787,18 @@
                 <a:srgbClr val="B3D6C9"/>
               </a:solidFill>
             </p:spPr>
+            <p:txBody>
+              <a:bodyPr/>
+              <a:lstStyle/>
+              <a:p>
+                <a:endParaRPr lang="es-PY"/>
+              </a:p>
+            </p:txBody>
           </p:sp>
           <p:sp>
             <p:nvSpPr>
-              <p:cNvPr name="TextBox 12" id="12"/>
-              <p:cNvSpPr txBox="true"/>
+              <p:cNvPr id="12" name="TextBox 12"/>
+              <p:cNvSpPr txBox="1"/>
               <p:nvPr/>
             </p:nvSpPr>
             <p:spPr>
@@ -3352,7 +3811,7 @@
               </a:prstGeom>
             </p:spPr>
             <p:txBody>
-              <a:bodyPr anchor="ctr" rtlCol="false" tIns="50800" lIns="50800" bIns="50800" rIns="50800"/>
+              <a:bodyPr lIns="50800" tIns="50800" rIns="50800" bIns="50800" rtlCol="0" anchor="ctr"/>
               <a:lstStyle/>
               <a:p>
                 <a:pPr algn="ctr">
@@ -3360,18 +3819,19 @@
                     <a:spcPts val="2659"/>
                   </a:lnSpc>
                 </a:pPr>
+                <a:endParaRPr/>
               </a:p>
             </p:txBody>
           </p:sp>
         </p:grpSp>
         <p:grpSp>
           <p:nvGrpSpPr>
-            <p:cNvPr name="Group 13" id="13"/>
+            <p:cNvPr id="13" name="Group 13"/>
             <p:cNvGrpSpPr/>
             <p:nvPr/>
           </p:nvGrpSpPr>
           <p:grpSpPr>
-            <a:xfrm rot="0">
+            <a:xfrm>
               <a:off x="976926" y="1025909"/>
               <a:ext cx="2862420" cy="7281052"/>
               <a:chOff x="0" y="0"/>
@@ -3380,12 +3840,12 @@
           </p:grpSpPr>
           <p:sp>
             <p:nvSpPr>
-              <p:cNvPr name="Freeform 14" id="14"/>
+              <p:cNvPr id="14" name="Freeform 14"/>
               <p:cNvSpPr/>
               <p:nvPr/>
             </p:nvSpPr>
             <p:spPr>
-              <a:xfrm flipH="false" flipV="false" rot="0">
+              <a:xfrm>
                 <a:off x="0" y="0"/>
                 <a:ext cx="424452" cy="1079666"/>
               </a:xfrm>
@@ -3394,9 +3854,9 @@
                 <a:gdLst/>
                 <a:ahLst/>
                 <a:cxnLst/>
-                <a:rect r="r" b="b" t="t" l="l"/>
+                <a:rect l="l" t="t" r="r" b="b"/>
                 <a:pathLst>
-                  <a:path h="1079666" w="424452">
+                  <a:path w="424452" h="1079666">
                     <a:moveTo>
                       <a:pt x="0" y="0"/>
                     </a:moveTo>
@@ -3417,11 +3877,18 @@
                 <a:srgbClr val="C2E7D7"/>
               </a:solidFill>
             </p:spPr>
+            <p:txBody>
+              <a:bodyPr/>
+              <a:lstStyle/>
+              <a:p>
+                <a:endParaRPr lang="es-PY"/>
+              </a:p>
+            </p:txBody>
           </p:sp>
           <p:sp>
             <p:nvSpPr>
-              <p:cNvPr name="TextBox 15" id="15"/>
-              <p:cNvSpPr txBox="true"/>
+              <p:cNvPr id="15" name="TextBox 15"/>
+              <p:cNvSpPr txBox="1"/>
               <p:nvPr/>
             </p:nvSpPr>
             <p:spPr>
@@ -3434,7 +3901,7 @@
               </a:prstGeom>
             </p:spPr>
             <p:txBody>
-              <a:bodyPr anchor="ctr" rtlCol="false" tIns="50800" lIns="50800" bIns="50800" rIns="50800"/>
+              <a:bodyPr lIns="50800" tIns="50800" rIns="50800" bIns="50800" rtlCol="0" anchor="ctr"/>
               <a:lstStyle/>
               <a:p>
                 <a:pPr algn="ctr">
@@ -3442,6 +3909,7 @@
                     <a:spcPts val="2659"/>
                   </a:lnSpc>
                 </a:pPr>
+                <a:endParaRPr/>
               </a:p>
             </p:txBody>
           </p:sp>
@@ -3449,7 +3917,7 @@
       </p:grpSp>
       <p:grpSp>
         <p:nvGrpSpPr>
-          <p:cNvPr name="Group 16" id="16"/>
+          <p:cNvPr id="16" name="Group 16"/>
           <p:cNvGrpSpPr/>
           <p:nvPr/>
         </p:nvGrpSpPr>
@@ -3463,12 +3931,12 @@
         </p:grpSpPr>
         <p:grpSp>
           <p:nvGrpSpPr>
-            <p:cNvPr name="Group 17" id="17"/>
+            <p:cNvPr id="17" name="Group 17"/>
             <p:cNvGrpSpPr/>
             <p:nvPr/>
           </p:nvGrpSpPr>
           <p:grpSpPr>
-            <a:xfrm rot="0">
+            <a:xfrm>
               <a:off x="0" y="0"/>
               <a:ext cx="2282923" cy="5465809"/>
               <a:chOff x="0" y="0"/>
@@ -3477,12 +3945,12 @@
           </p:grpSpPr>
           <p:sp>
             <p:nvSpPr>
-              <p:cNvPr name="Freeform 18" id="18"/>
+              <p:cNvPr id="18" name="Freeform 18"/>
               <p:cNvSpPr/>
               <p:nvPr/>
             </p:nvSpPr>
             <p:spPr>
-              <a:xfrm flipH="false" flipV="false" rot="0">
+              <a:xfrm>
                 <a:off x="0" y="0"/>
                 <a:ext cx="450948" cy="1079666"/>
               </a:xfrm>
@@ -3491,9 +3959,9 @@
                 <a:gdLst/>
                 <a:ahLst/>
                 <a:cxnLst/>
-                <a:rect r="r" b="b" t="t" l="l"/>
+                <a:rect l="l" t="t" r="r" b="b"/>
                 <a:pathLst>
-                  <a:path h="1079666" w="450948">
+                  <a:path w="450948" h="1079666">
                     <a:moveTo>
                       <a:pt x="0" y="0"/>
                     </a:moveTo>
@@ -3514,11 +3982,18 @@
                 <a:srgbClr val="1D7A66"/>
               </a:solidFill>
             </p:spPr>
+            <p:txBody>
+              <a:bodyPr/>
+              <a:lstStyle/>
+              <a:p>
+                <a:endParaRPr lang="es-PY"/>
+              </a:p>
+            </p:txBody>
           </p:sp>
           <p:sp>
             <p:nvSpPr>
-              <p:cNvPr name="TextBox 19" id="19"/>
-              <p:cNvSpPr txBox="true"/>
+              <p:cNvPr id="19" name="TextBox 19"/>
+              <p:cNvSpPr txBox="1"/>
               <p:nvPr/>
             </p:nvSpPr>
             <p:spPr>
@@ -3531,7 +4006,7 @@
               </a:prstGeom>
             </p:spPr>
             <p:txBody>
-              <a:bodyPr anchor="ctr" rtlCol="false" tIns="50800" lIns="50800" bIns="50800" rIns="50800"/>
+              <a:bodyPr lIns="50800" tIns="50800" rIns="50800" bIns="50800" rtlCol="0" anchor="ctr"/>
               <a:lstStyle/>
               <a:p>
                 <a:pPr algn="ctr">
@@ -3539,18 +4014,19 @@
                     <a:spcPts val="2659"/>
                   </a:lnSpc>
                 </a:pPr>
+                <a:endParaRPr/>
               </a:p>
             </p:txBody>
           </p:sp>
         </p:grpSp>
         <p:grpSp>
           <p:nvGrpSpPr>
-            <p:cNvPr name="Group 20" id="20"/>
+            <p:cNvPr id="20" name="Group 20"/>
             <p:cNvGrpSpPr/>
             <p:nvPr/>
           </p:nvGrpSpPr>
           <p:grpSpPr>
-            <a:xfrm rot="0">
+            <a:xfrm>
               <a:off x="779147" y="770139"/>
               <a:ext cx="2282923" cy="5465809"/>
               <a:chOff x="0" y="0"/>
@@ -3559,12 +4035,12 @@
           </p:grpSpPr>
           <p:sp>
             <p:nvSpPr>
-              <p:cNvPr name="Freeform 21" id="21"/>
+              <p:cNvPr id="21" name="Freeform 21"/>
               <p:cNvSpPr/>
               <p:nvPr/>
             </p:nvSpPr>
             <p:spPr>
-              <a:xfrm flipH="false" flipV="false" rot="0">
+              <a:xfrm>
                 <a:off x="0" y="0"/>
                 <a:ext cx="450948" cy="1079666"/>
               </a:xfrm>
@@ -3573,9 +4049,9 @@
                 <a:gdLst/>
                 <a:ahLst/>
                 <a:cxnLst/>
-                <a:rect r="r" b="b" t="t" l="l"/>
+                <a:rect l="l" t="t" r="r" b="b"/>
                 <a:pathLst>
-                  <a:path h="1079666" w="450948">
+                  <a:path w="450948" h="1079666">
                     <a:moveTo>
                       <a:pt x="0" y="0"/>
                     </a:moveTo>
@@ -3596,11 +4072,18 @@
                 <a:srgbClr val="55BD9B"/>
               </a:solidFill>
             </p:spPr>
+            <p:txBody>
+              <a:bodyPr/>
+              <a:lstStyle/>
+              <a:p>
+                <a:endParaRPr lang="es-PY"/>
+              </a:p>
+            </p:txBody>
           </p:sp>
           <p:sp>
             <p:nvSpPr>
-              <p:cNvPr name="TextBox 22" id="22"/>
-              <p:cNvSpPr txBox="true"/>
+              <p:cNvPr id="22" name="TextBox 22"/>
+              <p:cNvSpPr txBox="1"/>
               <p:nvPr/>
             </p:nvSpPr>
             <p:spPr>
@@ -3613,7 +4096,7 @@
               </a:prstGeom>
             </p:spPr>
             <p:txBody>
-              <a:bodyPr anchor="ctr" rtlCol="false" tIns="50800" lIns="50800" bIns="50800" rIns="50800"/>
+              <a:bodyPr lIns="50800" tIns="50800" rIns="50800" bIns="50800" rtlCol="0" anchor="ctr"/>
               <a:lstStyle/>
               <a:p>
                 <a:pPr algn="ctr">
@@ -3621,6 +4104,7 @@
                     <a:spcPts val="2659"/>
                   </a:lnSpc>
                 </a:pPr>
+                <a:endParaRPr/>
               </a:p>
             </p:txBody>
           </p:sp>
@@ -3628,12 +4112,12 @@
       </p:grpSp>
       <p:grpSp>
         <p:nvGrpSpPr>
-          <p:cNvPr name="Group 23" id="23"/>
+          <p:cNvPr id="23" name="Group 23"/>
           <p:cNvGrpSpPr/>
           <p:nvPr/>
         </p:nvGrpSpPr>
         <p:grpSpPr>
-          <a:xfrm rot="0">
+          <a:xfrm>
             <a:off x="1028700" y="2771140"/>
             <a:ext cx="14258025" cy="5955839"/>
             <a:chOff x="0" y="0"/>
@@ -3642,12 +4126,12 @@
         </p:grpSpPr>
         <p:sp>
           <p:nvSpPr>
-            <p:cNvPr name="TextBox 24" id="24"/>
-            <p:cNvSpPr txBox="true"/>
+            <p:cNvPr id="24" name="TextBox 24"/>
+            <p:cNvSpPr txBox="1"/>
             <p:nvPr/>
           </p:nvSpPr>
           <p:spPr>
-            <a:xfrm rot="0">
+            <a:xfrm>
               <a:off x="0" y="0"/>
               <a:ext cx="19010700" cy="5994400"/>
             </a:xfrm>
@@ -3656,7 +4140,7 @@
             </a:prstGeom>
           </p:spPr>
           <p:txBody>
-            <a:bodyPr anchor="t" rtlCol="false" tIns="0" lIns="0" bIns="0" rIns="0">
+            <a:bodyPr lIns="0" tIns="0" rIns="0" bIns="0" rtlCol="0" anchor="t">
               <a:spAutoFit/>
             </a:bodyPr>
             <a:lstStyle/>
@@ -3683,12 +4167,12 @@
         </p:sp>
         <p:sp>
           <p:nvSpPr>
-            <p:cNvPr name="TextBox 25" id="25"/>
-            <p:cNvSpPr txBox="true"/>
+            <p:cNvPr id="25" name="TextBox 25"/>
+            <p:cNvSpPr txBox="1"/>
             <p:nvPr/>
           </p:nvSpPr>
           <p:spPr>
-            <a:xfrm rot="0">
+            <a:xfrm>
               <a:off x="0" y="6267893"/>
               <a:ext cx="19010700" cy="1673225"/>
             </a:xfrm>
@@ -3697,7 +4181,7 @@
             </a:prstGeom>
           </p:spPr>
           <p:txBody>
-            <a:bodyPr anchor="t" rtlCol="false" tIns="0" lIns="0" bIns="0" rIns="0">
+            <a:bodyPr lIns="0" tIns="0" rIns="0" bIns="0" rtlCol="0" anchor="t">
               <a:spAutoFit/>
             </a:bodyPr>
             <a:lstStyle/>
@@ -3725,12 +4209,12 @@
       </p:grpSp>
       <p:sp>
         <p:nvSpPr>
-          <p:cNvPr name="TextBox 26" id="26"/>
-          <p:cNvSpPr txBox="true"/>
+          <p:cNvPr id="26" name="TextBox 26"/>
+          <p:cNvSpPr txBox="1"/>
           <p:nvPr/>
         </p:nvSpPr>
         <p:spPr>
-          <a:xfrm rot="0">
+          <a:xfrm>
             <a:off x="5922052" y="1000125"/>
             <a:ext cx="9364673" cy="447675"/>
           </a:xfrm>
@@ -3739,7 +4223,7 @@
           </a:prstGeom>
         </p:spPr>
         <p:txBody>
-          <a:bodyPr anchor="t" rtlCol="false" tIns="0" lIns="0" bIns="0" rIns="0">
+          <a:bodyPr lIns="0" tIns="0" rIns="0" bIns="0" rtlCol="0" anchor="t">
             <a:spAutoFit/>
           </a:bodyPr>
           <a:lstStyle/>
@@ -3773,13 +4257,14 @@
 </file>
 
 <file path=ppt/slides/slide10.xml><?xml version="1.0" encoding="utf-8"?>
-<p:sld xmlns:p="http://schemas.openxmlformats.org/presentationml/2006/main" xmlns:a="http://schemas.openxmlformats.org/drawingml/2006/main">
+<p:sld xmlns:a="http://schemas.openxmlformats.org/drawingml/2006/main" xmlns:r="http://schemas.openxmlformats.org/officeDocument/2006/relationships" xmlns:p="http://schemas.openxmlformats.org/presentationml/2006/main">
   <p:cSld>
     <p:bg>
       <p:bgPr>
         <a:solidFill>
           <a:srgbClr val="1D7A66"/>
         </a:solidFill>
+        <a:effectLst/>
       </p:bgPr>
     </p:bg>
     <p:spTree>
@@ -3798,7 +4283,7 @@
       </p:grpSpPr>
       <p:grpSp>
         <p:nvGrpSpPr>
-          <p:cNvPr name="Group 2" id="2"/>
+          <p:cNvPr id="2" name="Group 2"/>
           <p:cNvGrpSpPr/>
           <p:nvPr/>
         </p:nvGrpSpPr>
@@ -3812,12 +4297,12 @@
         </p:grpSpPr>
         <p:grpSp>
           <p:nvGrpSpPr>
-            <p:cNvPr name="Group 3" id="3"/>
+            <p:cNvPr id="3" name="Group 3"/>
             <p:cNvGrpSpPr/>
             <p:nvPr/>
           </p:nvGrpSpPr>
           <p:grpSpPr>
-            <a:xfrm rot="0">
+            <a:xfrm>
               <a:off x="0" y="0"/>
               <a:ext cx="2282923" cy="5465809"/>
               <a:chOff x="0" y="0"/>
@@ -3826,12 +4311,12 @@
           </p:grpSpPr>
           <p:sp>
             <p:nvSpPr>
-              <p:cNvPr name="Freeform 4" id="4"/>
+              <p:cNvPr id="4" name="Freeform 4"/>
               <p:cNvSpPr/>
               <p:nvPr/>
             </p:nvSpPr>
             <p:spPr>
-              <a:xfrm flipH="false" flipV="false" rot="0">
+              <a:xfrm>
                 <a:off x="0" y="0"/>
                 <a:ext cx="450948" cy="1079666"/>
               </a:xfrm>
@@ -3840,9 +4325,9 @@
                 <a:gdLst/>
                 <a:ahLst/>
                 <a:cxnLst/>
-                <a:rect r="r" b="b" t="t" l="l"/>
+                <a:rect l="l" t="t" r="r" b="b"/>
                 <a:pathLst>
-                  <a:path h="1079666" w="450948">
+                  <a:path w="450948" h="1079666">
                     <a:moveTo>
                       <a:pt x="0" y="0"/>
                     </a:moveTo>
@@ -3863,11 +4348,18 @@
                 <a:srgbClr val="389A7F"/>
               </a:solidFill>
             </p:spPr>
+            <p:txBody>
+              <a:bodyPr/>
+              <a:lstStyle/>
+              <a:p>
+                <a:endParaRPr lang="es-PY"/>
+              </a:p>
+            </p:txBody>
           </p:sp>
           <p:sp>
             <p:nvSpPr>
-              <p:cNvPr name="TextBox 5" id="5"/>
-              <p:cNvSpPr txBox="true"/>
+              <p:cNvPr id="5" name="TextBox 5"/>
+              <p:cNvSpPr txBox="1"/>
               <p:nvPr/>
             </p:nvSpPr>
             <p:spPr>
@@ -3880,7 +4372,7 @@
               </a:prstGeom>
             </p:spPr>
             <p:txBody>
-              <a:bodyPr anchor="ctr" rtlCol="false" tIns="50800" lIns="50800" bIns="50800" rIns="50800"/>
+              <a:bodyPr lIns="50800" tIns="50800" rIns="50800" bIns="50800" rtlCol="0" anchor="ctr"/>
               <a:lstStyle/>
               <a:p>
                 <a:pPr algn="ctr">
@@ -3888,18 +4380,19 @@
                     <a:spcPts val="2659"/>
                   </a:lnSpc>
                 </a:pPr>
+                <a:endParaRPr/>
               </a:p>
             </p:txBody>
           </p:sp>
         </p:grpSp>
         <p:grpSp>
           <p:nvGrpSpPr>
-            <p:cNvPr name="Group 6" id="6"/>
+            <p:cNvPr id="6" name="Group 6"/>
             <p:cNvGrpSpPr/>
             <p:nvPr/>
           </p:nvGrpSpPr>
           <p:grpSpPr>
-            <a:xfrm rot="0">
+            <a:xfrm>
               <a:off x="779147" y="770139"/>
               <a:ext cx="2282923" cy="5465809"/>
               <a:chOff x="0" y="0"/>
@@ -3908,12 +4401,12 @@
           </p:grpSpPr>
           <p:sp>
             <p:nvSpPr>
-              <p:cNvPr name="Freeform 7" id="7"/>
+              <p:cNvPr id="7" name="Freeform 7"/>
               <p:cNvSpPr/>
               <p:nvPr/>
             </p:nvSpPr>
             <p:spPr>
-              <a:xfrm flipH="false" flipV="false" rot="0">
+              <a:xfrm>
                 <a:off x="0" y="0"/>
                 <a:ext cx="450948" cy="1079666"/>
               </a:xfrm>
@@ -3922,9 +4415,9 @@
                 <a:gdLst/>
                 <a:ahLst/>
                 <a:cxnLst/>
-                <a:rect r="r" b="b" t="t" l="l"/>
+                <a:rect l="l" t="t" r="r" b="b"/>
                 <a:pathLst>
-                  <a:path h="1079666" w="450948">
+                  <a:path w="450948" h="1079666">
                     <a:moveTo>
                       <a:pt x="0" y="0"/>
                     </a:moveTo>
@@ -3945,11 +4438,18 @@
                 <a:srgbClr val="2A846B"/>
               </a:solidFill>
             </p:spPr>
+            <p:txBody>
+              <a:bodyPr/>
+              <a:lstStyle/>
+              <a:p>
+                <a:endParaRPr lang="es-PY"/>
+              </a:p>
+            </p:txBody>
           </p:sp>
           <p:sp>
             <p:nvSpPr>
-              <p:cNvPr name="TextBox 8" id="8"/>
-              <p:cNvSpPr txBox="true"/>
+              <p:cNvPr id="8" name="TextBox 8"/>
+              <p:cNvSpPr txBox="1"/>
               <p:nvPr/>
             </p:nvSpPr>
             <p:spPr>
@@ -3962,7 +4462,7 @@
               </a:prstGeom>
             </p:spPr>
             <p:txBody>
-              <a:bodyPr anchor="ctr" rtlCol="false" tIns="50800" lIns="50800" bIns="50800" rIns="50800"/>
+              <a:bodyPr lIns="50800" tIns="50800" rIns="50800" bIns="50800" rtlCol="0" anchor="ctr"/>
               <a:lstStyle/>
               <a:p>
                 <a:pPr algn="ctr">
@@ -3970,6 +4470,7 @@
                     <a:spcPts val="2659"/>
                   </a:lnSpc>
                 </a:pPr>
+                <a:endParaRPr/>
               </a:p>
             </p:txBody>
           </p:sp>
@@ -3977,7 +4478,7 @@
       </p:grpSp>
       <p:grpSp>
         <p:nvGrpSpPr>
-          <p:cNvPr name="Group 9" id="9"/>
+          <p:cNvPr id="9" name="Group 9"/>
           <p:cNvGrpSpPr/>
           <p:nvPr/>
         </p:nvGrpSpPr>
@@ -3991,12 +4492,12 @@
         </p:grpSpPr>
         <p:grpSp>
           <p:nvGrpSpPr>
-            <p:cNvPr name="Group 10" id="10"/>
+            <p:cNvPr id="10" name="Group 10"/>
             <p:cNvGrpSpPr/>
             <p:nvPr/>
           </p:nvGrpSpPr>
           <p:grpSpPr>
-            <a:xfrm rot="0">
+            <a:xfrm>
               <a:off x="0" y="0"/>
               <a:ext cx="2282923" cy="13885581"/>
               <a:chOff x="0" y="0"/>
@@ -4005,12 +4506,12 @@
           </p:grpSpPr>
           <p:sp>
             <p:nvSpPr>
-              <p:cNvPr name="Freeform 11" id="11"/>
+              <p:cNvPr id="11" name="Freeform 11"/>
               <p:cNvSpPr/>
               <p:nvPr/>
             </p:nvSpPr>
             <p:spPr>
-              <a:xfrm flipH="false" flipV="false" rot="0">
+              <a:xfrm>
                 <a:off x="0" y="0"/>
                 <a:ext cx="450948" cy="2742831"/>
               </a:xfrm>
@@ -4019,9 +4520,9 @@
                 <a:gdLst/>
                 <a:ahLst/>
                 <a:cxnLst/>
-                <a:rect r="r" b="b" t="t" l="l"/>
+                <a:rect l="l" t="t" r="r" b="b"/>
                 <a:pathLst>
-                  <a:path h="2742831" w="450948">
+                  <a:path w="450948" h="2742831">
                     <a:moveTo>
                       <a:pt x="0" y="0"/>
                     </a:moveTo>
@@ -4042,11 +4543,18 @@
                 <a:srgbClr val="389A7F"/>
               </a:solidFill>
             </p:spPr>
+            <p:txBody>
+              <a:bodyPr/>
+              <a:lstStyle/>
+              <a:p>
+                <a:endParaRPr lang="es-PY"/>
+              </a:p>
+            </p:txBody>
           </p:sp>
           <p:sp>
             <p:nvSpPr>
-              <p:cNvPr name="TextBox 12" id="12"/>
-              <p:cNvSpPr txBox="true"/>
+              <p:cNvPr id="12" name="TextBox 12"/>
+              <p:cNvSpPr txBox="1"/>
               <p:nvPr/>
             </p:nvSpPr>
             <p:spPr>
@@ -4059,7 +4567,7 @@
               </a:prstGeom>
             </p:spPr>
             <p:txBody>
-              <a:bodyPr anchor="ctr" rtlCol="false" tIns="50800" lIns="50800" bIns="50800" rIns="50800"/>
+              <a:bodyPr lIns="50800" tIns="50800" rIns="50800" bIns="50800" rtlCol="0" anchor="ctr"/>
               <a:lstStyle/>
               <a:p>
                 <a:pPr algn="ctr">
@@ -4067,18 +4575,19 @@
                     <a:spcPts val="2659"/>
                   </a:lnSpc>
                 </a:pPr>
+                <a:endParaRPr/>
               </a:p>
             </p:txBody>
           </p:sp>
         </p:grpSp>
         <p:grpSp>
           <p:nvGrpSpPr>
-            <p:cNvPr name="Group 13" id="13"/>
+            <p:cNvPr id="13" name="Group 13"/>
             <p:cNvGrpSpPr/>
             <p:nvPr/>
           </p:nvGrpSpPr>
           <p:grpSpPr>
-            <a:xfrm rot="0">
+            <a:xfrm>
               <a:off x="779147" y="1956495"/>
               <a:ext cx="2282923" cy="13885581"/>
               <a:chOff x="0" y="0"/>
@@ -4087,12 +4596,12 @@
           </p:grpSpPr>
           <p:sp>
             <p:nvSpPr>
-              <p:cNvPr name="Freeform 14" id="14"/>
+              <p:cNvPr id="14" name="Freeform 14"/>
               <p:cNvSpPr/>
               <p:nvPr/>
             </p:nvSpPr>
             <p:spPr>
-              <a:xfrm flipH="false" flipV="false" rot="0">
+              <a:xfrm>
                 <a:off x="0" y="0"/>
                 <a:ext cx="450948" cy="2742831"/>
               </a:xfrm>
@@ -4101,9 +4610,9 @@
                 <a:gdLst/>
                 <a:ahLst/>
                 <a:cxnLst/>
-                <a:rect r="r" b="b" t="t" l="l"/>
+                <a:rect l="l" t="t" r="r" b="b"/>
                 <a:pathLst>
-                  <a:path h="2742831" w="450948">
+                  <a:path w="450948" h="2742831">
                     <a:moveTo>
                       <a:pt x="0" y="0"/>
                     </a:moveTo>
@@ -4124,11 +4633,18 @@
                 <a:srgbClr val="2A846B"/>
               </a:solidFill>
             </p:spPr>
+            <p:txBody>
+              <a:bodyPr/>
+              <a:lstStyle/>
+              <a:p>
+                <a:endParaRPr lang="es-PY"/>
+              </a:p>
+            </p:txBody>
           </p:sp>
           <p:sp>
             <p:nvSpPr>
-              <p:cNvPr name="TextBox 15" id="15"/>
-              <p:cNvSpPr txBox="true"/>
+              <p:cNvPr id="15" name="TextBox 15"/>
+              <p:cNvSpPr txBox="1"/>
               <p:nvPr/>
             </p:nvSpPr>
             <p:spPr>
@@ -4141,7 +4657,7 @@
               </a:prstGeom>
             </p:spPr>
             <p:txBody>
-              <a:bodyPr anchor="ctr" rtlCol="false" tIns="50800" lIns="50800" bIns="50800" rIns="50800"/>
+              <a:bodyPr lIns="50800" tIns="50800" rIns="50800" bIns="50800" rtlCol="0" anchor="ctr"/>
               <a:lstStyle/>
               <a:p>
                 <a:pPr algn="ctr">
@@ -4149,6 +4665,7 @@
                     <a:spcPts val="2659"/>
                   </a:lnSpc>
                 </a:pPr>
+                <a:endParaRPr/>
               </a:p>
             </p:txBody>
           </p:sp>
@@ -4156,12 +4673,12 @@
       </p:grpSp>
       <p:grpSp>
         <p:nvGrpSpPr>
-          <p:cNvPr name="Group 16" id="16"/>
+          <p:cNvPr id="16" name="Group 16"/>
           <p:cNvGrpSpPr/>
           <p:nvPr/>
         </p:nvGrpSpPr>
         <p:grpSpPr>
-          <a:xfrm rot="0">
+          <a:xfrm>
             <a:off x="3053401" y="4246152"/>
             <a:ext cx="12181197" cy="1939464"/>
             <a:chOff x="0" y="0"/>
@@ -4170,12 +4687,12 @@
         </p:grpSpPr>
         <p:sp>
           <p:nvSpPr>
-            <p:cNvPr name="TextBox 17" id="17"/>
-            <p:cNvSpPr txBox="true"/>
+            <p:cNvPr id="17" name="TextBox 17"/>
+            <p:cNvSpPr txBox="1"/>
             <p:nvPr/>
           </p:nvSpPr>
           <p:spPr>
-            <a:xfrm rot="0">
+            <a:xfrm>
               <a:off x="0" y="0"/>
               <a:ext cx="16241597" cy="1536700"/>
             </a:xfrm>
@@ -4184,7 +4701,7 @@
             </a:prstGeom>
           </p:spPr>
           <p:txBody>
-            <a:bodyPr anchor="t" rtlCol="false" tIns="0" lIns="0" bIns="0" rIns="0">
+            <a:bodyPr lIns="0" tIns="0" rIns="0" bIns="0" rtlCol="0" anchor="t">
               <a:spAutoFit/>
             </a:bodyPr>
             <a:lstStyle/>
@@ -4195,7 +4712,7 @@
                 </a:lnSpc>
               </a:pPr>
               <a:r>
-                <a:rPr lang="en-US" b="true" sz="7599" i="true" spc="-455">
+                <a:rPr lang="en-US" sz="7599" b="1" i="1" spc="-455">
                   <a:solidFill>
                     <a:srgbClr val="C2E7D7"/>
                   </a:solidFill>
@@ -4211,12 +4728,12 @@
         </p:sp>
         <p:sp>
           <p:nvSpPr>
-            <p:cNvPr name="TextBox 18" id="18"/>
-            <p:cNvSpPr txBox="true"/>
+            <p:cNvPr id="18" name="TextBox 18"/>
+            <p:cNvSpPr txBox="1"/>
             <p:nvPr/>
           </p:nvSpPr>
           <p:spPr>
-            <a:xfrm rot="0">
+            <a:xfrm>
               <a:off x="0" y="1823951"/>
               <a:ext cx="16241597" cy="762000"/>
             </a:xfrm>
@@ -4225,7 +4742,7 @@
             </a:prstGeom>
           </p:spPr>
           <p:txBody>
-            <a:bodyPr anchor="t" rtlCol="false" tIns="0" lIns="0" bIns="0" rIns="0">
+            <a:bodyPr lIns="0" tIns="0" rIns="0" bIns="0" rtlCol="0" anchor="t">
               <a:spAutoFit/>
             </a:bodyPr>
             <a:lstStyle/>
@@ -4235,6 +4752,7 @@
                   <a:spcPts val="4320"/>
                 </a:lnSpc>
               </a:pPr>
+              <a:endParaRPr/>
             </a:p>
           </p:txBody>
         </p:sp>
@@ -4248,13 +4766,14 @@
 </file>
 
 <file path=ppt/slides/slide2.xml><?xml version="1.0" encoding="utf-8"?>
-<p:sld xmlns:p="http://schemas.openxmlformats.org/presentationml/2006/main" xmlns:a="http://schemas.openxmlformats.org/drawingml/2006/main">
+<p:sld xmlns:a="http://schemas.openxmlformats.org/drawingml/2006/main" xmlns:r="http://schemas.openxmlformats.org/officeDocument/2006/relationships" xmlns:p="http://schemas.openxmlformats.org/presentationml/2006/main">
   <p:cSld>
     <p:bg>
       <p:bgPr>
         <a:solidFill>
           <a:srgbClr val="E8F6EC"/>
         </a:solidFill>
+        <a:effectLst/>
       </p:bgPr>
     </p:bg>
     <p:spTree>
@@ -4273,7 +4792,7 @@
       </p:grpSpPr>
       <p:grpSp>
         <p:nvGrpSpPr>
-          <p:cNvPr name="Group 2" id="2"/>
+          <p:cNvPr id="2" name="Group 2"/>
           <p:cNvGrpSpPr/>
           <p:nvPr/>
         </p:nvGrpSpPr>
@@ -4287,12 +4806,12 @@
         </p:grpSpPr>
         <p:grpSp>
           <p:nvGrpSpPr>
-            <p:cNvPr name="Group 3" id="3"/>
+            <p:cNvPr id="3" name="Group 3"/>
             <p:cNvGrpSpPr/>
             <p:nvPr/>
           </p:nvGrpSpPr>
           <p:grpSpPr>
-            <a:xfrm rot="0">
+            <a:xfrm>
               <a:off x="0" y="0"/>
               <a:ext cx="2282923" cy="5465809"/>
               <a:chOff x="0" y="0"/>
@@ -4301,12 +4820,12 @@
           </p:grpSpPr>
           <p:sp>
             <p:nvSpPr>
-              <p:cNvPr name="Freeform 4" id="4"/>
+              <p:cNvPr id="4" name="Freeform 4"/>
               <p:cNvSpPr/>
               <p:nvPr/>
             </p:nvSpPr>
             <p:spPr>
-              <a:xfrm flipH="false" flipV="false" rot="0">
+              <a:xfrm>
                 <a:off x="0" y="0"/>
                 <a:ext cx="450948" cy="1079666"/>
               </a:xfrm>
@@ -4315,9 +4834,9 @@
                 <a:gdLst/>
                 <a:ahLst/>
                 <a:cxnLst/>
-                <a:rect r="r" b="b" t="t" l="l"/>
+                <a:rect l="l" t="t" r="r" b="b"/>
                 <a:pathLst>
-                  <a:path h="1079666" w="450948">
+                  <a:path w="450948" h="1079666">
                     <a:moveTo>
                       <a:pt x="0" y="0"/>
                     </a:moveTo>
@@ -4338,11 +4857,18 @@
                 <a:srgbClr val="1D7A66"/>
               </a:solidFill>
             </p:spPr>
+            <p:txBody>
+              <a:bodyPr/>
+              <a:lstStyle/>
+              <a:p>
+                <a:endParaRPr lang="es-PY"/>
+              </a:p>
+            </p:txBody>
           </p:sp>
           <p:sp>
             <p:nvSpPr>
-              <p:cNvPr name="TextBox 5" id="5"/>
-              <p:cNvSpPr txBox="true"/>
+              <p:cNvPr id="5" name="TextBox 5"/>
+              <p:cNvSpPr txBox="1"/>
               <p:nvPr/>
             </p:nvSpPr>
             <p:spPr>
@@ -4355,7 +4881,7 @@
               </a:prstGeom>
             </p:spPr>
             <p:txBody>
-              <a:bodyPr anchor="ctr" rtlCol="false" tIns="50800" lIns="50800" bIns="50800" rIns="50800"/>
+              <a:bodyPr lIns="50800" tIns="50800" rIns="50800" bIns="50800" rtlCol="0" anchor="ctr"/>
               <a:lstStyle/>
               <a:p>
                 <a:pPr algn="ctr">
@@ -4363,18 +4889,19 @@
                     <a:spcPts val="2659"/>
                   </a:lnSpc>
                 </a:pPr>
+                <a:endParaRPr/>
               </a:p>
             </p:txBody>
           </p:sp>
         </p:grpSp>
         <p:grpSp>
           <p:nvGrpSpPr>
-            <p:cNvPr name="Group 6" id="6"/>
+            <p:cNvPr id="6" name="Group 6"/>
             <p:cNvGrpSpPr/>
             <p:nvPr/>
           </p:nvGrpSpPr>
           <p:grpSpPr>
-            <a:xfrm rot="0">
+            <a:xfrm>
               <a:off x="779147" y="770139"/>
               <a:ext cx="2282923" cy="5465809"/>
               <a:chOff x="0" y="0"/>
@@ -4383,12 +4910,12 @@
           </p:grpSpPr>
           <p:sp>
             <p:nvSpPr>
-              <p:cNvPr name="Freeform 7" id="7"/>
+              <p:cNvPr id="7" name="Freeform 7"/>
               <p:cNvSpPr/>
               <p:nvPr/>
             </p:nvSpPr>
             <p:spPr>
-              <a:xfrm flipH="false" flipV="false" rot="0">
+              <a:xfrm>
                 <a:off x="0" y="0"/>
                 <a:ext cx="450948" cy="1079666"/>
               </a:xfrm>
@@ -4397,9 +4924,9 @@
                 <a:gdLst/>
                 <a:ahLst/>
                 <a:cxnLst/>
-                <a:rect r="r" b="b" t="t" l="l"/>
+                <a:rect l="l" t="t" r="r" b="b"/>
                 <a:pathLst>
-                  <a:path h="1079666" w="450948">
+                  <a:path w="450948" h="1079666">
                     <a:moveTo>
                       <a:pt x="0" y="0"/>
                     </a:moveTo>
@@ -4420,11 +4947,18 @@
                 <a:srgbClr val="55BD9B"/>
               </a:solidFill>
             </p:spPr>
+            <p:txBody>
+              <a:bodyPr/>
+              <a:lstStyle/>
+              <a:p>
+                <a:endParaRPr lang="es-PY"/>
+              </a:p>
+            </p:txBody>
           </p:sp>
           <p:sp>
             <p:nvSpPr>
-              <p:cNvPr name="TextBox 8" id="8"/>
-              <p:cNvSpPr txBox="true"/>
+              <p:cNvPr id="8" name="TextBox 8"/>
+              <p:cNvSpPr txBox="1"/>
               <p:nvPr/>
             </p:nvSpPr>
             <p:spPr>
@@ -4437,7 +4971,7 @@
               </a:prstGeom>
             </p:spPr>
             <p:txBody>
-              <a:bodyPr anchor="ctr" rtlCol="false" tIns="50800" lIns="50800" bIns="50800" rIns="50800"/>
+              <a:bodyPr lIns="50800" tIns="50800" rIns="50800" bIns="50800" rtlCol="0" anchor="ctr"/>
               <a:lstStyle/>
               <a:p>
                 <a:pPr algn="ctr">
@@ -4445,6 +4979,7 @@
                     <a:spcPts val="2659"/>
                   </a:lnSpc>
                 </a:pPr>
+                <a:endParaRPr/>
               </a:p>
             </p:txBody>
           </p:sp>
@@ -4452,7 +4987,7 @@
       </p:grpSp>
       <p:grpSp>
         <p:nvGrpSpPr>
-          <p:cNvPr name="Group 9" id="9"/>
+          <p:cNvPr id="9" name="Group 9"/>
           <p:cNvGrpSpPr/>
           <p:nvPr/>
         </p:nvGrpSpPr>
@@ -4466,12 +5001,12 @@
         </p:grpSpPr>
         <p:grpSp>
           <p:nvGrpSpPr>
-            <p:cNvPr name="Group 10" id="10"/>
+            <p:cNvPr id="10" name="Group 10"/>
             <p:cNvGrpSpPr/>
             <p:nvPr/>
           </p:nvGrpSpPr>
           <p:grpSpPr>
-            <a:xfrm rot="0">
+            <a:xfrm>
               <a:off x="0" y="0"/>
               <a:ext cx="2282923" cy="5465809"/>
               <a:chOff x="0" y="0"/>
@@ -4480,12 +5015,12 @@
           </p:grpSpPr>
           <p:sp>
             <p:nvSpPr>
-              <p:cNvPr name="Freeform 11" id="11"/>
+              <p:cNvPr id="11" name="Freeform 11"/>
               <p:cNvSpPr/>
               <p:nvPr/>
             </p:nvSpPr>
             <p:spPr>
-              <a:xfrm flipH="false" flipV="false" rot="0">
+              <a:xfrm>
                 <a:off x="0" y="0"/>
                 <a:ext cx="450948" cy="1079666"/>
               </a:xfrm>
@@ -4494,9 +5029,9 @@
                 <a:gdLst/>
                 <a:ahLst/>
                 <a:cxnLst/>
-                <a:rect r="r" b="b" t="t" l="l"/>
+                <a:rect l="l" t="t" r="r" b="b"/>
                 <a:pathLst>
-                  <a:path h="1079666" w="450948">
+                  <a:path w="450948" h="1079666">
                     <a:moveTo>
                       <a:pt x="0" y="0"/>
                     </a:moveTo>
@@ -4517,11 +5052,18 @@
                 <a:srgbClr val="1D7A66"/>
               </a:solidFill>
             </p:spPr>
+            <p:txBody>
+              <a:bodyPr/>
+              <a:lstStyle/>
+              <a:p>
+                <a:endParaRPr lang="es-PY"/>
+              </a:p>
+            </p:txBody>
           </p:sp>
           <p:sp>
             <p:nvSpPr>
-              <p:cNvPr name="TextBox 12" id="12"/>
-              <p:cNvSpPr txBox="true"/>
+              <p:cNvPr id="12" name="TextBox 12"/>
+              <p:cNvSpPr txBox="1"/>
               <p:nvPr/>
             </p:nvSpPr>
             <p:spPr>
@@ -4534,7 +5076,7 @@
               </a:prstGeom>
             </p:spPr>
             <p:txBody>
-              <a:bodyPr anchor="ctr" rtlCol="false" tIns="50800" lIns="50800" bIns="50800" rIns="50800"/>
+              <a:bodyPr lIns="50800" tIns="50800" rIns="50800" bIns="50800" rtlCol="0" anchor="ctr"/>
               <a:lstStyle/>
               <a:p>
                 <a:pPr algn="ctr">
@@ -4542,18 +5084,19 @@
                     <a:spcPts val="2659"/>
                   </a:lnSpc>
                 </a:pPr>
+                <a:endParaRPr/>
               </a:p>
             </p:txBody>
           </p:sp>
         </p:grpSp>
         <p:grpSp>
           <p:nvGrpSpPr>
-            <p:cNvPr name="Group 13" id="13"/>
+            <p:cNvPr id="13" name="Group 13"/>
             <p:cNvGrpSpPr/>
             <p:nvPr/>
           </p:nvGrpSpPr>
           <p:grpSpPr>
-            <a:xfrm rot="0">
+            <a:xfrm>
               <a:off x="779147" y="770139"/>
               <a:ext cx="2282923" cy="5465809"/>
               <a:chOff x="0" y="0"/>
@@ -4562,12 +5105,12 @@
           </p:grpSpPr>
           <p:sp>
             <p:nvSpPr>
-              <p:cNvPr name="Freeform 14" id="14"/>
+              <p:cNvPr id="14" name="Freeform 14"/>
               <p:cNvSpPr/>
               <p:nvPr/>
             </p:nvSpPr>
             <p:spPr>
-              <a:xfrm flipH="false" flipV="false" rot="0">
+              <a:xfrm>
                 <a:off x="0" y="0"/>
                 <a:ext cx="450948" cy="1079666"/>
               </a:xfrm>
@@ -4576,9 +5119,9 @@
                 <a:gdLst/>
                 <a:ahLst/>
                 <a:cxnLst/>
-                <a:rect r="r" b="b" t="t" l="l"/>
+                <a:rect l="l" t="t" r="r" b="b"/>
                 <a:pathLst>
-                  <a:path h="1079666" w="450948">
+                  <a:path w="450948" h="1079666">
                     <a:moveTo>
                       <a:pt x="0" y="0"/>
                     </a:moveTo>
@@ -4599,11 +5142,18 @@
                 <a:srgbClr val="55BD9B"/>
               </a:solidFill>
             </p:spPr>
+            <p:txBody>
+              <a:bodyPr/>
+              <a:lstStyle/>
+              <a:p>
+                <a:endParaRPr lang="es-PY"/>
+              </a:p>
+            </p:txBody>
           </p:sp>
           <p:sp>
             <p:nvSpPr>
-              <p:cNvPr name="TextBox 15" id="15"/>
-              <p:cNvSpPr txBox="true"/>
+              <p:cNvPr id="15" name="TextBox 15"/>
+              <p:cNvSpPr txBox="1"/>
               <p:nvPr/>
             </p:nvSpPr>
             <p:spPr>
@@ -4616,7 +5166,7 @@
               </a:prstGeom>
             </p:spPr>
             <p:txBody>
-              <a:bodyPr anchor="ctr" rtlCol="false" tIns="50800" lIns="50800" bIns="50800" rIns="50800"/>
+              <a:bodyPr lIns="50800" tIns="50800" rIns="50800" bIns="50800" rtlCol="0" anchor="ctr"/>
               <a:lstStyle/>
               <a:p>
                 <a:pPr algn="ctr">
@@ -4624,6 +5174,7 @@
                     <a:spcPts val="2659"/>
                   </a:lnSpc>
                 </a:pPr>
+                <a:endParaRPr/>
               </a:p>
             </p:txBody>
           </p:sp>
@@ -4631,12 +5182,12 @@
       </p:grpSp>
       <p:grpSp>
         <p:nvGrpSpPr>
-          <p:cNvPr name="Group 16" id="16"/>
+          <p:cNvPr id="16" name="Group 16"/>
           <p:cNvGrpSpPr/>
           <p:nvPr/>
         </p:nvGrpSpPr>
         <p:grpSpPr>
-          <a:xfrm rot="0">
+          <a:xfrm>
             <a:off x="3698025" y="3719513"/>
             <a:ext cx="10891951" cy="2847975"/>
             <a:chOff x="0" y="0"/>
@@ -4645,12 +5196,12 @@
         </p:grpSpPr>
         <p:sp>
           <p:nvSpPr>
-            <p:cNvPr name="TextBox 17" id="17"/>
-            <p:cNvSpPr txBox="true"/>
+            <p:cNvPr id="17" name="TextBox 17"/>
+            <p:cNvSpPr txBox="1"/>
             <p:nvPr/>
           </p:nvSpPr>
           <p:spPr>
-            <a:xfrm rot="0">
+            <a:xfrm>
               <a:off x="0" y="-9525"/>
               <a:ext cx="14522601" cy="2879725"/>
             </a:xfrm>
@@ -4659,7 +5210,7 @@
             </a:prstGeom>
           </p:spPr>
           <p:txBody>
-            <a:bodyPr anchor="t" rtlCol="false" tIns="0" lIns="0" bIns="0" rIns="0">
+            <a:bodyPr lIns="0" tIns="0" rIns="0" bIns="0" rtlCol="0" anchor="t">
               <a:spAutoFit/>
             </a:bodyPr>
             <a:lstStyle/>
@@ -4670,7 +5221,7 @@
                 </a:lnSpc>
               </a:pPr>
               <a:r>
-                <a:rPr lang="en-US" b="true" sz="7100" i="true" spc="-426">
+                <a:rPr lang="en-US" sz="7100" b="1" i="1" spc="-426" dirty="0">
                   <a:solidFill>
                     <a:srgbClr val="1D7A66"/>
                   </a:solidFill>
@@ -4686,12 +5237,12 @@
         </p:sp>
         <p:sp>
           <p:nvSpPr>
-            <p:cNvPr name="TextBox 18" id="18"/>
-            <p:cNvSpPr txBox="true"/>
+            <p:cNvPr id="18" name="TextBox 18"/>
+            <p:cNvSpPr txBox="1"/>
             <p:nvPr/>
           </p:nvSpPr>
           <p:spPr>
-            <a:xfrm rot="0">
+            <a:xfrm>
               <a:off x="0" y="2908300"/>
               <a:ext cx="14522601" cy="889000"/>
             </a:xfrm>
@@ -4700,7 +5251,7 @@
             </a:prstGeom>
           </p:spPr>
           <p:txBody>
-            <a:bodyPr anchor="t" rtlCol="false" tIns="0" lIns="0" bIns="0" rIns="0">
+            <a:bodyPr lIns="0" tIns="0" rIns="0" bIns="0" rtlCol="0" anchor="t">
               <a:spAutoFit/>
             </a:bodyPr>
             <a:lstStyle/>
@@ -4710,6 +5261,7 @@
                   <a:spcPts val="5046"/>
                 </a:lnSpc>
               </a:pPr>
+              <a:endParaRPr/>
             </a:p>
           </p:txBody>
         </p:sp>
@@ -4723,13 +5275,14 @@
 </file>
 
 <file path=ppt/slides/slide3.xml><?xml version="1.0" encoding="utf-8"?>
-<p:sld xmlns:p="http://schemas.openxmlformats.org/presentationml/2006/main" xmlns:a="http://schemas.openxmlformats.org/drawingml/2006/main" xmlns:r="http://schemas.openxmlformats.org/officeDocument/2006/relationships">
+<p:sld xmlns:a="http://schemas.openxmlformats.org/drawingml/2006/main" xmlns:r="http://schemas.openxmlformats.org/officeDocument/2006/relationships" xmlns:p="http://schemas.openxmlformats.org/presentationml/2006/main">
   <p:cSld>
     <p:bg>
       <p:bgPr>
         <a:solidFill>
           <a:srgbClr val="1D7A66"/>
         </a:solidFill>
+        <a:effectLst/>
       </p:bgPr>
     </p:bg>
     <p:spTree>
@@ -4748,7 +5301,7 @@
       </p:grpSpPr>
       <p:grpSp>
         <p:nvGrpSpPr>
-          <p:cNvPr name="Group 2" id="2"/>
+          <p:cNvPr id="2" name="Group 2"/>
           <p:cNvGrpSpPr/>
           <p:nvPr/>
         </p:nvGrpSpPr>
@@ -4762,12 +5315,12 @@
         </p:grpSpPr>
         <p:grpSp>
           <p:nvGrpSpPr>
-            <p:cNvPr name="Group 3" id="3"/>
+            <p:cNvPr id="3" name="Group 3"/>
             <p:cNvGrpSpPr/>
             <p:nvPr/>
           </p:nvGrpSpPr>
           <p:grpSpPr>
-            <a:xfrm rot="0">
+            <a:xfrm>
               <a:off x="0" y="0"/>
               <a:ext cx="2282923" cy="5465809"/>
               <a:chOff x="0" y="0"/>
@@ -4776,12 +5329,12 @@
           </p:grpSpPr>
           <p:sp>
             <p:nvSpPr>
-              <p:cNvPr name="Freeform 4" id="4"/>
+              <p:cNvPr id="4" name="Freeform 4"/>
               <p:cNvSpPr/>
               <p:nvPr/>
             </p:nvSpPr>
             <p:spPr>
-              <a:xfrm flipH="false" flipV="false" rot="0">
+              <a:xfrm>
                 <a:off x="0" y="0"/>
                 <a:ext cx="450948" cy="1079666"/>
               </a:xfrm>
@@ -4790,9 +5343,9 @@
                 <a:gdLst/>
                 <a:ahLst/>
                 <a:cxnLst/>
-                <a:rect r="r" b="b" t="t" l="l"/>
+                <a:rect l="l" t="t" r="r" b="b"/>
                 <a:pathLst>
-                  <a:path h="1079666" w="450948">
+                  <a:path w="450948" h="1079666">
                     <a:moveTo>
                       <a:pt x="0" y="0"/>
                     </a:moveTo>
@@ -4813,11 +5366,18 @@
                 <a:srgbClr val="389A7F"/>
               </a:solidFill>
             </p:spPr>
+            <p:txBody>
+              <a:bodyPr/>
+              <a:lstStyle/>
+              <a:p>
+                <a:endParaRPr lang="es-PY"/>
+              </a:p>
+            </p:txBody>
           </p:sp>
           <p:sp>
             <p:nvSpPr>
-              <p:cNvPr name="TextBox 5" id="5"/>
-              <p:cNvSpPr txBox="true"/>
+              <p:cNvPr id="5" name="TextBox 5"/>
+              <p:cNvSpPr txBox="1"/>
               <p:nvPr/>
             </p:nvSpPr>
             <p:spPr>
@@ -4830,7 +5390,7 @@
               </a:prstGeom>
             </p:spPr>
             <p:txBody>
-              <a:bodyPr anchor="ctr" rtlCol="false" tIns="50800" lIns="50800" bIns="50800" rIns="50800"/>
+              <a:bodyPr lIns="50800" tIns="50800" rIns="50800" bIns="50800" rtlCol="0" anchor="ctr"/>
               <a:lstStyle/>
               <a:p>
                 <a:pPr algn="ctr">
@@ -4838,18 +5398,19 @@
                     <a:spcPts val="2659"/>
                   </a:lnSpc>
                 </a:pPr>
+                <a:endParaRPr/>
               </a:p>
             </p:txBody>
           </p:sp>
         </p:grpSp>
         <p:grpSp>
           <p:nvGrpSpPr>
-            <p:cNvPr name="Group 6" id="6"/>
+            <p:cNvPr id="6" name="Group 6"/>
             <p:cNvGrpSpPr/>
             <p:nvPr/>
           </p:nvGrpSpPr>
           <p:grpSpPr>
-            <a:xfrm rot="0">
+            <a:xfrm>
               <a:off x="779147" y="770139"/>
               <a:ext cx="2282923" cy="5465809"/>
               <a:chOff x="0" y="0"/>
@@ -4858,12 +5419,12 @@
           </p:grpSpPr>
           <p:sp>
             <p:nvSpPr>
-              <p:cNvPr name="Freeform 7" id="7"/>
+              <p:cNvPr id="7" name="Freeform 7"/>
               <p:cNvSpPr/>
               <p:nvPr/>
             </p:nvSpPr>
             <p:spPr>
-              <a:xfrm flipH="false" flipV="false" rot="0">
+              <a:xfrm>
                 <a:off x="0" y="0"/>
                 <a:ext cx="450948" cy="1079666"/>
               </a:xfrm>
@@ -4872,9 +5433,9 @@
                 <a:gdLst/>
                 <a:ahLst/>
                 <a:cxnLst/>
-                <a:rect r="r" b="b" t="t" l="l"/>
+                <a:rect l="l" t="t" r="r" b="b"/>
                 <a:pathLst>
-                  <a:path h="1079666" w="450948">
+                  <a:path w="450948" h="1079666">
                     <a:moveTo>
                       <a:pt x="0" y="0"/>
                     </a:moveTo>
@@ -4895,11 +5456,18 @@
                 <a:srgbClr val="2A846B"/>
               </a:solidFill>
             </p:spPr>
+            <p:txBody>
+              <a:bodyPr/>
+              <a:lstStyle/>
+              <a:p>
+                <a:endParaRPr lang="es-PY"/>
+              </a:p>
+            </p:txBody>
           </p:sp>
           <p:sp>
             <p:nvSpPr>
-              <p:cNvPr name="TextBox 8" id="8"/>
-              <p:cNvSpPr txBox="true"/>
+              <p:cNvPr id="8" name="TextBox 8"/>
+              <p:cNvSpPr txBox="1"/>
               <p:nvPr/>
             </p:nvSpPr>
             <p:spPr>
@@ -4912,7 +5480,7 @@
               </a:prstGeom>
             </p:spPr>
             <p:txBody>
-              <a:bodyPr anchor="ctr" rtlCol="false" tIns="50800" lIns="50800" bIns="50800" rIns="50800"/>
+              <a:bodyPr lIns="50800" tIns="50800" rIns="50800" bIns="50800" rtlCol="0" anchor="ctr"/>
               <a:lstStyle/>
               <a:p>
                 <a:pPr algn="ctr">
@@ -4920,6 +5488,7 @@
                     <a:spcPts val="2659"/>
                   </a:lnSpc>
                 </a:pPr>
+                <a:endParaRPr/>
               </a:p>
             </p:txBody>
           </p:sp>
@@ -4927,7 +5496,7 @@
       </p:grpSp>
       <p:grpSp>
         <p:nvGrpSpPr>
-          <p:cNvPr name="Group 9" id="9"/>
+          <p:cNvPr id="9" name="Group 9"/>
           <p:cNvGrpSpPr/>
           <p:nvPr/>
         </p:nvGrpSpPr>
@@ -4941,12 +5510,12 @@
         </p:grpSpPr>
         <p:grpSp>
           <p:nvGrpSpPr>
-            <p:cNvPr name="Group 10" id="10"/>
+            <p:cNvPr id="10" name="Group 10"/>
             <p:cNvGrpSpPr/>
             <p:nvPr/>
           </p:nvGrpSpPr>
           <p:grpSpPr>
-            <a:xfrm rot="0">
+            <a:xfrm>
               <a:off x="0" y="0"/>
               <a:ext cx="2282923" cy="13885581"/>
               <a:chOff x="0" y="0"/>
@@ -4955,12 +5524,12 @@
           </p:grpSpPr>
           <p:sp>
             <p:nvSpPr>
-              <p:cNvPr name="Freeform 11" id="11"/>
+              <p:cNvPr id="11" name="Freeform 11"/>
               <p:cNvSpPr/>
               <p:nvPr/>
             </p:nvSpPr>
             <p:spPr>
-              <a:xfrm flipH="false" flipV="false" rot="0">
+              <a:xfrm>
                 <a:off x="0" y="0"/>
                 <a:ext cx="450948" cy="2742831"/>
               </a:xfrm>
@@ -4969,9 +5538,9 @@
                 <a:gdLst/>
                 <a:ahLst/>
                 <a:cxnLst/>
-                <a:rect r="r" b="b" t="t" l="l"/>
+                <a:rect l="l" t="t" r="r" b="b"/>
                 <a:pathLst>
-                  <a:path h="2742831" w="450948">
+                  <a:path w="450948" h="2742831">
                     <a:moveTo>
                       <a:pt x="0" y="0"/>
                     </a:moveTo>
@@ -4992,11 +5561,18 @@
                 <a:srgbClr val="389A7F"/>
               </a:solidFill>
             </p:spPr>
+            <p:txBody>
+              <a:bodyPr/>
+              <a:lstStyle/>
+              <a:p>
+                <a:endParaRPr lang="es-PY"/>
+              </a:p>
+            </p:txBody>
           </p:sp>
           <p:sp>
             <p:nvSpPr>
-              <p:cNvPr name="TextBox 12" id="12"/>
-              <p:cNvSpPr txBox="true"/>
+              <p:cNvPr id="12" name="TextBox 12"/>
+              <p:cNvSpPr txBox="1"/>
               <p:nvPr/>
             </p:nvSpPr>
             <p:spPr>
@@ -5009,7 +5585,7 @@
               </a:prstGeom>
             </p:spPr>
             <p:txBody>
-              <a:bodyPr anchor="ctr" rtlCol="false" tIns="50800" lIns="50800" bIns="50800" rIns="50800"/>
+              <a:bodyPr lIns="50800" tIns="50800" rIns="50800" bIns="50800" rtlCol="0" anchor="ctr"/>
               <a:lstStyle/>
               <a:p>
                 <a:pPr algn="ctr">
@@ -5017,18 +5593,19 @@
                     <a:spcPts val="2659"/>
                   </a:lnSpc>
                 </a:pPr>
+                <a:endParaRPr/>
               </a:p>
             </p:txBody>
           </p:sp>
         </p:grpSp>
         <p:grpSp>
           <p:nvGrpSpPr>
-            <p:cNvPr name="Group 13" id="13"/>
+            <p:cNvPr id="13" name="Group 13"/>
             <p:cNvGrpSpPr/>
             <p:nvPr/>
           </p:nvGrpSpPr>
           <p:grpSpPr>
-            <a:xfrm rot="0">
+            <a:xfrm>
               <a:off x="779147" y="1956495"/>
               <a:ext cx="2282923" cy="13885581"/>
               <a:chOff x="0" y="0"/>
@@ -5037,12 +5614,12 @@
           </p:grpSpPr>
           <p:sp>
             <p:nvSpPr>
-              <p:cNvPr name="Freeform 14" id="14"/>
+              <p:cNvPr id="14" name="Freeform 14"/>
               <p:cNvSpPr/>
               <p:nvPr/>
             </p:nvSpPr>
             <p:spPr>
-              <a:xfrm flipH="false" flipV="false" rot="0">
+              <a:xfrm>
                 <a:off x="0" y="0"/>
                 <a:ext cx="450948" cy="2742831"/>
               </a:xfrm>
@@ -5051,9 +5628,9 @@
                 <a:gdLst/>
                 <a:ahLst/>
                 <a:cxnLst/>
-                <a:rect r="r" b="b" t="t" l="l"/>
+                <a:rect l="l" t="t" r="r" b="b"/>
                 <a:pathLst>
-                  <a:path h="2742831" w="450948">
+                  <a:path w="450948" h="2742831">
                     <a:moveTo>
                       <a:pt x="0" y="0"/>
                     </a:moveTo>
@@ -5074,11 +5651,18 @@
                 <a:srgbClr val="2A846B"/>
               </a:solidFill>
             </p:spPr>
+            <p:txBody>
+              <a:bodyPr/>
+              <a:lstStyle/>
+              <a:p>
+                <a:endParaRPr lang="es-PY"/>
+              </a:p>
+            </p:txBody>
           </p:sp>
           <p:sp>
             <p:nvSpPr>
-              <p:cNvPr name="TextBox 15" id="15"/>
-              <p:cNvSpPr txBox="true"/>
+              <p:cNvPr id="15" name="TextBox 15"/>
+              <p:cNvSpPr txBox="1"/>
               <p:nvPr/>
             </p:nvSpPr>
             <p:spPr>
@@ -5091,7 +5675,7 @@
               </a:prstGeom>
             </p:spPr>
             <p:txBody>
-              <a:bodyPr anchor="ctr" rtlCol="false" tIns="50800" lIns="50800" bIns="50800" rIns="50800"/>
+              <a:bodyPr lIns="50800" tIns="50800" rIns="50800" bIns="50800" rtlCol="0" anchor="ctr"/>
               <a:lstStyle/>
               <a:p>
                 <a:pPr algn="ctr">
@@ -5099,6 +5683,7 @@
                     <a:spcPts val="2659"/>
                   </a:lnSpc>
                 </a:pPr>
+                <a:endParaRPr/>
               </a:p>
             </p:txBody>
           </p:sp>
@@ -5106,12 +5691,12 @@
       </p:grpSp>
       <p:sp>
         <p:nvSpPr>
-          <p:cNvPr name="Freeform 16" id="16"/>
+          <p:cNvPr id="16" name="Freeform 16"/>
           <p:cNvSpPr/>
           <p:nvPr/>
         </p:nvSpPr>
         <p:spPr>
-          <a:xfrm flipH="false" flipV="false" rot="0">
+          <a:xfrm>
             <a:off x="1421074" y="1829703"/>
             <a:ext cx="4107614" cy="3766666"/>
           </a:xfrm>
@@ -5120,9 +5705,9 @@
             <a:gdLst/>
             <a:ahLst/>
             <a:cxnLst/>
-            <a:rect r="r" b="b" t="t" l="l"/>
+            <a:rect l="l" t="t" r="r" b="b"/>
             <a:pathLst>
-              <a:path h="3766666" w="4107614">
+              <a:path w="4107614" h="3766666">
                 <a:moveTo>
                   <a:pt x="0" y="0"/>
                 </a:moveTo>
@@ -5145,19 +5730,26 @@
           <a:blipFill>
             <a:blip r:embed="rId2"/>
             <a:stretch>
-              <a:fillRect l="0" t="0" r="0" b="0"/>
+              <a:fillRect/>
             </a:stretch>
           </a:blipFill>
         </p:spPr>
+        <p:txBody>
+          <a:bodyPr/>
+          <a:lstStyle/>
+          <a:p>
+            <a:endParaRPr lang="es-PY"/>
+          </a:p>
+        </p:txBody>
       </p:sp>
       <p:sp>
         <p:nvSpPr>
-          <p:cNvPr name="Freeform 17" id="17"/>
+          <p:cNvPr id="17" name="Freeform 17"/>
           <p:cNvSpPr/>
           <p:nvPr/>
         </p:nvSpPr>
         <p:spPr>
-          <a:xfrm flipH="false" flipV="false" rot="0">
+          <a:xfrm>
             <a:off x="6372271" y="1829703"/>
             <a:ext cx="4330837" cy="3766666"/>
           </a:xfrm>
@@ -5166,9 +5758,9 @@
             <a:gdLst/>
             <a:ahLst/>
             <a:cxnLst/>
-            <a:rect r="r" b="b" t="t" l="l"/>
+            <a:rect l="l" t="t" r="r" b="b"/>
             <a:pathLst>
-              <a:path h="3766666" w="4330837">
+              <a:path w="4330837" h="3766666">
                 <a:moveTo>
                   <a:pt x="0" y="0"/>
                 </a:moveTo>
@@ -5191,19 +5783,26 @@
           <a:blipFill>
             <a:blip r:embed="rId3"/>
             <a:stretch>
-              <a:fillRect l="0" t="0" r="0" b="0"/>
+              <a:fillRect/>
             </a:stretch>
           </a:blipFill>
         </p:spPr>
+        <p:txBody>
+          <a:bodyPr/>
+          <a:lstStyle/>
+          <a:p>
+            <a:endParaRPr lang="es-PY"/>
+          </a:p>
+        </p:txBody>
       </p:sp>
       <p:sp>
         <p:nvSpPr>
-          <p:cNvPr name="Freeform 18" id="18"/>
+          <p:cNvPr id="18" name="Freeform 18"/>
           <p:cNvSpPr/>
           <p:nvPr/>
         </p:nvSpPr>
         <p:spPr>
-          <a:xfrm flipH="false" flipV="false" rot="0">
+          <a:xfrm>
             <a:off x="6929328" y="6190966"/>
             <a:ext cx="4662410" cy="3789238"/>
           </a:xfrm>
@@ -5212,9 +5811,9 @@
             <a:gdLst/>
             <a:ahLst/>
             <a:cxnLst/>
-            <a:rect r="r" b="b" t="t" l="l"/>
+            <a:rect l="l" t="t" r="r" b="b"/>
             <a:pathLst>
-              <a:path h="3789238" w="4662410">
+              <a:path w="4662410" h="3789238">
                 <a:moveTo>
                   <a:pt x="0" y="0"/>
                 </a:moveTo>
@@ -5237,19 +5836,26 @@
           <a:blipFill>
             <a:blip r:embed="rId4"/>
             <a:stretch>
-              <a:fillRect l="0" t="0" r="0" b="0"/>
+              <a:fillRect/>
             </a:stretch>
           </a:blipFill>
         </p:spPr>
+        <p:txBody>
+          <a:bodyPr/>
+          <a:lstStyle/>
+          <a:p>
+            <a:endParaRPr lang="es-PY"/>
+          </a:p>
+        </p:txBody>
       </p:sp>
       <p:sp>
         <p:nvSpPr>
-          <p:cNvPr name="Freeform 19" id="19"/>
+          <p:cNvPr id="19" name="Freeform 19"/>
           <p:cNvSpPr/>
           <p:nvPr/>
         </p:nvSpPr>
         <p:spPr>
-          <a:xfrm flipH="false" flipV="false" rot="0">
+          <a:xfrm>
             <a:off x="12411437" y="6190966"/>
             <a:ext cx="4589551" cy="3789238"/>
           </a:xfrm>
@@ -5258,9 +5864,9 @@
             <a:gdLst/>
             <a:ahLst/>
             <a:cxnLst/>
-            <a:rect r="r" b="b" t="t" l="l"/>
+            <a:rect l="l" t="t" r="r" b="b"/>
             <a:pathLst>
-              <a:path h="3789238" w="4589551">
+              <a:path w="4589551" h="3789238">
                 <a:moveTo>
                   <a:pt x="0" y="0"/>
                 </a:moveTo>
@@ -5283,19 +5889,26 @@
           <a:blipFill>
             <a:blip r:embed="rId5"/>
             <a:stretch>
-              <a:fillRect l="0" t="0" r="0" b="0"/>
+              <a:fillRect/>
             </a:stretch>
           </a:blipFill>
         </p:spPr>
+        <p:txBody>
+          <a:bodyPr/>
+          <a:lstStyle/>
+          <a:p>
+            <a:endParaRPr lang="es-PY"/>
+          </a:p>
+        </p:txBody>
       </p:sp>
       <p:grpSp>
         <p:nvGrpSpPr>
-          <p:cNvPr name="Group 20" id="20"/>
+          <p:cNvPr id="20" name="Group 20"/>
           <p:cNvGrpSpPr/>
           <p:nvPr/>
         </p:nvGrpSpPr>
         <p:grpSpPr>
-          <a:xfrm rot="0">
+          <a:xfrm>
             <a:off x="5931894" y="546347"/>
             <a:ext cx="11936734" cy="1701339"/>
             <a:chOff x="0" y="0"/>
@@ -5304,12 +5917,12 @@
         </p:grpSpPr>
         <p:sp>
           <p:nvSpPr>
-            <p:cNvPr name="TextBox 21" id="21"/>
-            <p:cNvSpPr txBox="true"/>
+            <p:cNvPr id="21" name="TextBox 21"/>
+            <p:cNvSpPr txBox="1"/>
             <p:nvPr/>
           </p:nvSpPr>
           <p:spPr>
-            <a:xfrm rot="0">
+            <a:xfrm>
               <a:off x="0" y="-9525"/>
               <a:ext cx="15915646" cy="1228725"/>
             </a:xfrm>
@@ -5318,7 +5931,7 @@
             </a:prstGeom>
           </p:spPr>
           <p:txBody>
-            <a:bodyPr anchor="t" rtlCol="false" tIns="0" lIns="0" bIns="0" rIns="0">
+            <a:bodyPr lIns="0" tIns="0" rIns="0" bIns="0" rtlCol="0" anchor="t">
               <a:spAutoFit/>
             </a:bodyPr>
             <a:lstStyle/>
@@ -5329,7 +5942,7 @@
                 </a:lnSpc>
               </a:pPr>
               <a:r>
-                <a:rPr lang="en-US" b="true" sz="6000" i="true" spc="-359">
+                <a:rPr lang="en-US" sz="6000" b="1" i="1" spc="-359">
                   <a:solidFill>
                     <a:srgbClr val="C2E7D7"/>
                   </a:solidFill>
@@ -5345,12 +5958,12 @@
         </p:sp>
         <p:sp>
           <p:nvSpPr>
-            <p:cNvPr name="TextBox 22" id="22"/>
-            <p:cNvSpPr txBox="true"/>
+            <p:cNvPr id="22" name="TextBox 22"/>
+            <p:cNvSpPr txBox="1"/>
             <p:nvPr/>
           </p:nvSpPr>
           <p:spPr>
-            <a:xfrm rot="0">
+            <a:xfrm>
               <a:off x="0" y="1506451"/>
               <a:ext cx="15915646" cy="762000"/>
             </a:xfrm>
@@ -5359,7 +5972,7 @@
             </a:prstGeom>
           </p:spPr>
           <p:txBody>
-            <a:bodyPr anchor="t" rtlCol="false" tIns="0" lIns="0" bIns="0" rIns="0">
+            <a:bodyPr lIns="0" tIns="0" rIns="0" bIns="0" rtlCol="0" anchor="t">
               <a:spAutoFit/>
             </a:bodyPr>
             <a:lstStyle/>
@@ -5369,10 +5982,50 @@
                   <a:spcPts val="4320"/>
                 </a:lnSpc>
               </a:pPr>
+              <a:endParaRPr/>
             </a:p>
           </p:txBody>
         </p:sp>
       </p:grpSp>
+      <p:sp>
+        <p:nvSpPr>
+          <p:cNvPr id="24" name="CuadroTexto 23">
+            <a:extLst>
+              <a:ext uri="{FF2B5EF4-FFF2-40B4-BE49-F238E27FC236}">
+                <a16:creationId xmlns:a16="http://schemas.microsoft.com/office/drawing/2014/main" id="{AF55AA99-8363-5BBF-E605-D88AE84C23EC}"/>
+              </a:ext>
+            </a:extLst>
+          </p:cNvPr>
+          <p:cNvSpPr txBox="1"/>
+          <p:nvPr/>
+        </p:nvSpPr>
+        <p:spPr>
+          <a:xfrm>
+            <a:off x="11010192" y="2782791"/>
+            <a:ext cx="6858436" cy="1200329"/>
+          </a:xfrm>
+          <a:prstGeom prst="rect">
+            <a:avLst/>
+          </a:prstGeom>
+          <a:noFill/>
+        </p:spPr>
+        <p:txBody>
+          <a:bodyPr wrap="square">
+            <a:spAutoFit/>
+          </a:bodyPr>
+          <a:lstStyle/>
+          <a:p>
+            <a:r>
+              <a:rPr lang="es-PY" sz="2400" dirty="0">
+                <a:solidFill>
+                  <a:schemeClr val="bg1"/>
+                </a:solidFill>
+              </a:rPr>
+              <a:t>Redistribución de la intensidad de los píxeles de las imágenes para que el histograma resultante sea lo más uniforme posible.</a:t>
+            </a:r>
+          </a:p>
+        </p:txBody>
+      </p:sp>
     </p:spTree>
   </p:cSld>
   <p:clrMapOvr>
@@ -5382,13 +6035,14 @@
 </file>
 
 <file path=ppt/slides/slide4.xml><?xml version="1.0" encoding="utf-8"?>
-<p:sld xmlns:p="http://schemas.openxmlformats.org/presentationml/2006/main" xmlns:a="http://schemas.openxmlformats.org/drawingml/2006/main" xmlns:r="http://schemas.openxmlformats.org/officeDocument/2006/relationships">
+<p:sld xmlns:a="http://schemas.openxmlformats.org/drawingml/2006/main" xmlns:r="http://schemas.openxmlformats.org/officeDocument/2006/relationships" xmlns:p="http://schemas.openxmlformats.org/presentationml/2006/main">
   <p:cSld>
     <p:bg>
       <p:bgPr>
         <a:solidFill>
           <a:srgbClr val="E8F6EC"/>
         </a:solidFill>
+        <a:effectLst/>
       </p:bgPr>
     </p:bg>
     <p:spTree>
@@ -5407,7 +6061,7 @@
       </p:grpSpPr>
       <p:grpSp>
         <p:nvGrpSpPr>
-          <p:cNvPr name="Group 2" id="2"/>
+          <p:cNvPr id="2" name="Group 2"/>
           <p:cNvGrpSpPr/>
           <p:nvPr/>
         </p:nvGrpSpPr>
@@ -5421,12 +6075,12 @@
         </p:grpSpPr>
         <p:grpSp>
           <p:nvGrpSpPr>
-            <p:cNvPr name="Group 3" id="3"/>
+            <p:cNvPr id="3" name="Group 3"/>
             <p:cNvGrpSpPr/>
             <p:nvPr/>
           </p:nvGrpSpPr>
           <p:grpSpPr>
-            <a:xfrm rot="0">
+            <a:xfrm>
               <a:off x="0" y="0"/>
               <a:ext cx="1335433" cy="3197313"/>
               <a:chOff x="0" y="0"/>
@@ -5435,12 +6089,12 @@
           </p:grpSpPr>
           <p:sp>
             <p:nvSpPr>
-              <p:cNvPr name="Freeform 4" id="4"/>
+              <p:cNvPr id="4" name="Freeform 4"/>
               <p:cNvSpPr/>
               <p:nvPr/>
             </p:nvSpPr>
             <p:spPr>
-              <a:xfrm flipH="false" flipV="false" rot="0">
+              <a:xfrm>
                 <a:off x="0" y="0"/>
                 <a:ext cx="450948" cy="1079666"/>
               </a:xfrm>
@@ -5449,9 +6103,9 @@
                 <a:gdLst/>
                 <a:ahLst/>
                 <a:cxnLst/>
-                <a:rect r="r" b="b" t="t" l="l"/>
+                <a:rect l="l" t="t" r="r" b="b"/>
                 <a:pathLst>
-                  <a:path h="1079666" w="450948">
+                  <a:path w="450948" h="1079666">
                     <a:moveTo>
                       <a:pt x="0" y="0"/>
                     </a:moveTo>
@@ -5472,11 +6126,18 @@
                 <a:srgbClr val="1D7A66"/>
               </a:solidFill>
             </p:spPr>
+            <p:txBody>
+              <a:bodyPr/>
+              <a:lstStyle/>
+              <a:p>
+                <a:endParaRPr lang="es-PY"/>
+              </a:p>
+            </p:txBody>
           </p:sp>
           <p:sp>
             <p:nvSpPr>
-              <p:cNvPr name="TextBox 5" id="5"/>
-              <p:cNvSpPr txBox="true"/>
+              <p:cNvPr id="5" name="TextBox 5"/>
+              <p:cNvSpPr txBox="1"/>
               <p:nvPr/>
             </p:nvSpPr>
             <p:spPr>
@@ -5489,7 +6150,7 @@
               </a:prstGeom>
             </p:spPr>
             <p:txBody>
-              <a:bodyPr anchor="ctr" rtlCol="false" tIns="50800" lIns="50800" bIns="50800" rIns="50800"/>
+              <a:bodyPr lIns="50800" tIns="50800" rIns="50800" bIns="50800" rtlCol="0" anchor="ctr"/>
               <a:lstStyle/>
               <a:p>
                 <a:pPr algn="ctr">
@@ -5497,18 +6158,19 @@
                     <a:spcPts val="2659"/>
                   </a:lnSpc>
                 </a:pPr>
+                <a:endParaRPr/>
               </a:p>
             </p:txBody>
           </p:sp>
         </p:grpSp>
         <p:grpSp>
           <p:nvGrpSpPr>
-            <p:cNvPr name="Group 6" id="6"/>
+            <p:cNvPr id="6" name="Group 6"/>
             <p:cNvGrpSpPr/>
             <p:nvPr/>
           </p:nvGrpSpPr>
           <p:grpSpPr>
-            <a:xfrm rot="0">
+            <a:xfrm>
               <a:off x="455775" y="450505"/>
               <a:ext cx="1335433" cy="3197313"/>
               <a:chOff x="0" y="0"/>
@@ -5517,12 +6179,12 @@
           </p:grpSpPr>
           <p:sp>
             <p:nvSpPr>
-              <p:cNvPr name="Freeform 7" id="7"/>
+              <p:cNvPr id="7" name="Freeform 7"/>
               <p:cNvSpPr/>
               <p:nvPr/>
             </p:nvSpPr>
             <p:spPr>
-              <a:xfrm flipH="false" flipV="false" rot="0">
+              <a:xfrm>
                 <a:off x="0" y="0"/>
                 <a:ext cx="450948" cy="1079666"/>
               </a:xfrm>
@@ -5531,9 +6193,9 @@
                 <a:gdLst/>
                 <a:ahLst/>
                 <a:cxnLst/>
-                <a:rect r="r" b="b" t="t" l="l"/>
+                <a:rect l="l" t="t" r="r" b="b"/>
                 <a:pathLst>
-                  <a:path h="1079666" w="450948">
+                  <a:path w="450948" h="1079666">
                     <a:moveTo>
                       <a:pt x="0" y="0"/>
                     </a:moveTo>
@@ -5554,11 +6216,18 @@
                 <a:srgbClr val="55BD9B"/>
               </a:solidFill>
             </p:spPr>
+            <p:txBody>
+              <a:bodyPr/>
+              <a:lstStyle/>
+              <a:p>
+                <a:endParaRPr lang="es-PY"/>
+              </a:p>
+            </p:txBody>
           </p:sp>
           <p:sp>
             <p:nvSpPr>
-              <p:cNvPr name="TextBox 8" id="8"/>
-              <p:cNvSpPr txBox="true"/>
+              <p:cNvPr id="8" name="TextBox 8"/>
+              <p:cNvSpPr txBox="1"/>
               <p:nvPr/>
             </p:nvSpPr>
             <p:spPr>
@@ -5571,7 +6240,7 @@
               </a:prstGeom>
             </p:spPr>
             <p:txBody>
-              <a:bodyPr anchor="ctr" rtlCol="false" tIns="50800" lIns="50800" bIns="50800" rIns="50800"/>
+              <a:bodyPr lIns="50800" tIns="50800" rIns="50800" bIns="50800" rtlCol="0" anchor="ctr"/>
               <a:lstStyle/>
               <a:p>
                 <a:pPr algn="ctr">
@@ -5579,6 +6248,7 @@
                     <a:spcPts val="2659"/>
                   </a:lnSpc>
                 </a:pPr>
+                <a:endParaRPr/>
               </a:p>
             </p:txBody>
           </p:sp>
@@ -5586,7 +6256,7 @@
       </p:grpSp>
       <p:grpSp>
         <p:nvGrpSpPr>
-          <p:cNvPr name="Group 9" id="9"/>
+          <p:cNvPr id="9" name="Group 9"/>
           <p:cNvGrpSpPr/>
           <p:nvPr/>
         </p:nvGrpSpPr>
@@ -5600,12 +6270,12 @@
         </p:grpSpPr>
         <p:grpSp>
           <p:nvGrpSpPr>
-            <p:cNvPr name="Group 10" id="10"/>
+            <p:cNvPr id="10" name="Group 10"/>
             <p:cNvGrpSpPr/>
             <p:nvPr/>
           </p:nvGrpSpPr>
           <p:grpSpPr>
-            <a:xfrm rot="0">
+            <a:xfrm>
               <a:off x="0" y="0"/>
               <a:ext cx="2282923" cy="5465809"/>
               <a:chOff x="0" y="0"/>
@@ -5614,12 +6284,12 @@
           </p:grpSpPr>
           <p:sp>
             <p:nvSpPr>
-              <p:cNvPr name="Freeform 11" id="11"/>
+              <p:cNvPr id="11" name="Freeform 11"/>
               <p:cNvSpPr/>
               <p:nvPr/>
             </p:nvSpPr>
             <p:spPr>
-              <a:xfrm flipH="false" flipV="false" rot="0">
+              <a:xfrm>
                 <a:off x="0" y="0"/>
                 <a:ext cx="450948" cy="1079666"/>
               </a:xfrm>
@@ -5628,9 +6298,9 @@
                 <a:gdLst/>
                 <a:ahLst/>
                 <a:cxnLst/>
-                <a:rect r="r" b="b" t="t" l="l"/>
+                <a:rect l="l" t="t" r="r" b="b"/>
                 <a:pathLst>
-                  <a:path h="1079666" w="450948">
+                  <a:path w="450948" h="1079666">
                     <a:moveTo>
                       <a:pt x="0" y="0"/>
                     </a:moveTo>
@@ -5651,11 +6321,18 @@
                 <a:srgbClr val="1D7A66"/>
               </a:solidFill>
             </p:spPr>
+            <p:txBody>
+              <a:bodyPr/>
+              <a:lstStyle/>
+              <a:p>
+                <a:endParaRPr lang="es-PY"/>
+              </a:p>
+            </p:txBody>
           </p:sp>
           <p:sp>
             <p:nvSpPr>
-              <p:cNvPr name="TextBox 12" id="12"/>
-              <p:cNvSpPr txBox="true"/>
+              <p:cNvPr id="12" name="TextBox 12"/>
+              <p:cNvSpPr txBox="1"/>
               <p:nvPr/>
             </p:nvSpPr>
             <p:spPr>
@@ -5668,7 +6345,7 @@
               </a:prstGeom>
             </p:spPr>
             <p:txBody>
-              <a:bodyPr anchor="ctr" rtlCol="false" tIns="50800" lIns="50800" bIns="50800" rIns="50800"/>
+              <a:bodyPr lIns="50800" tIns="50800" rIns="50800" bIns="50800" rtlCol="0" anchor="ctr"/>
               <a:lstStyle/>
               <a:p>
                 <a:pPr algn="ctr">
@@ -5676,18 +6353,19 @@
                     <a:spcPts val="2659"/>
                   </a:lnSpc>
                 </a:pPr>
+                <a:endParaRPr/>
               </a:p>
             </p:txBody>
           </p:sp>
         </p:grpSp>
         <p:grpSp>
           <p:nvGrpSpPr>
-            <p:cNvPr name="Group 13" id="13"/>
+            <p:cNvPr id="13" name="Group 13"/>
             <p:cNvGrpSpPr/>
             <p:nvPr/>
           </p:nvGrpSpPr>
           <p:grpSpPr>
-            <a:xfrm rot="0">
+            <a:xfrm>
               <a:off x="779147" y="770139"/>
               <a:ext cx="2282923" cy="5465809"/>
               <a:chOff x="0" y="0"/>
@@ -5696,12 +6374,12 @@
           </p:grpSpPr>
           <p:sp>
             <p:nvSpPr>
-              <p:cNvPr name="Freeform 14" id="14"/>
+              <p:cNvPr id="14" name="Freeform 14"/>
               <p:cNvSpPr/>
               <p:nvPr/>
             </p:nvSpPr>
             <p:spPr>
-              <a:xfrm flipH="false" flipV="false" rot="0">
+              <a:xfrm>
                 <a:off x="0" y="0"/>
                 <a:ext cx="450948" cy="1079666"/>
               </a:xfrm>
@@ -5710,9 +6388,9 @@
                 <a:gdLst/>
                 <a:ahLst/>
                 <a:cxnLst/>
-                <a:rect r="r" b="b" t="t" l="l"/>
+                <a:rect l="l" t="t" r="r" b="b"/>
                 <a:pathLst>
-                  <a:path h="1079666" w="450948">
+                  <a:path w="450948" h="1079666">
                     <a:moveTo>
                       <a:pt x="0" y="0"/>
                     </a:moveTo>
@@ -5733,11 +6411,18 @@
                 <a:srgbClr val="55BD9B"/>
               </a:solidFill>
             </p:spPr>
+            <p:txBody>
+              <a:bodyPr/>
+              <a:lstStyle/>
+              <a:p>
+                <a:endParaRPr lang="es-PY"/>
+              </a:p>
+            </p:txBody>
           </p:sp>
           <p:sp>
             <p:nvSpPr>
-              <p:cNvPr name="TextBox 15" id="15"/>
-              <p:cNvSpPr txBox="true"/>
+              <p:cNvPr id="15" name="TextBox 15"/>
+              <p:cNvSpPr txBox="1"/>
               <p:nvPr/>
             </p:nvSpPr>
             <p:spPr>
@@ -5750,7 +6435,7 @@
               </a:prstGeom>
             </p:spPr>
             <p:txBody>
-              <a:bodyPr anchor="ctr" rtlCol="false" tIns="50800" lIns="50800" bIns="50800" rIns="50800"/>
+              <a:bodyPr lIns="50800" tIns="50800" rIns="50800" bIns="50800" rtlCol="0" anchor="ctr"/>
               <a:lstStyle/>
               <a:p>
                 <a:pPr algn="ctr">
@@ -5758,6 +6443,7 @@
                     <a:spcPts val="2659"/>
                   </a:lnSpc>
                 </a:pPr>
+                <a:endParaRPr/>
               </a:p>
             </p:txBody>
           </p:sp>
@@ -5765,13 +6451,13 @@
       </p:grpSp>
       <p:sp>
         <p:nvSpPr>
-          <p:cNvPr name="Freeform 16" id="16"/>
+          <p:cNvPr id="16" name="Freeform 16"/>
           <p:cNvSpPr/>
           <p:nvPr/>
         </p:nvSpPr>
         <p:spPr>
-          <a:xfrm flipH="false" flipV="false" rot="0">
-            <a:off x="1647205" y="1892680"/>
+          <a:xfrm>
+            <a:off x="470186" y="2621824"/>
             <a:ext cx="4284689" cy="3617811"/>
           </a:xfrm>
           <a:custGeom>
@@ -5779,9 +6465,9 @@
             <a:gdLst/>
             <a:ahLst/>
             <a:cxnLst/>
-            <a:rect r="r" b="b" t="t" l="l"/>
+            <a:rect l="l" t="t" r="r" b="b"/>
             <a:pathLst>
-              <a:path h="3617811" w="4284689">
+              <a:path w="4284689" h="3617811">
                 <a:moveTo>
                   <a:pt x="0" y="0"/>
                 </a:moveTo>
@@ -5802,22 +6488,29 @@
             </a:pathLst>
           </a:custGeom>
           <a:blipFill>
-            <a:blip r:embed="rId2"/>
+            <a:blip r:embed="rId3"/>
             <a:stretch>
-              <a:fillRect l="0" t="0" r="0" b="0"/>
+              <a:fillRect/>
             </a:stretch>
           </a:blipFill>
         </p:spPr>
+        <p:txBody>
+          <a:bodyPr/>
+          <a:lstStyle/>
+          <a:p>
+            <a:endParaRPr lang="es-PY"/>
+          </a:p>
+        </p:txBody>
       </p:sp>
       <p:sp>
         <p:nvSpPr>
-          <p:cNvPr name="Freeform 17" id="17"/>
+          <p:cNvPr id="17" name="Freeform 17"/>
           <p:cNvSpPr/>
           <p:nvPr/>
         </p:nvSpPr>
         <p:spPr>
-          <a:xfrm flipH="false" flipV="false" rot="0">
-            <a:off x="6990322" y="1892680"/>
+          <a:xfrm>
+            <a:off x="4754875" y="2818458"/>
             <a:ext cx="4307357" cy="3544242"/>
           </a:xfrm>
           <a:custGeom>
@@ -5825,9 +6518,9 @@
             <a:gdLst/>
             <a:ahLst/>
             <a:cxnLst/>
-            <a:rect r="r" b="b" t="t" l="l"/>
+            <a:rect l="l" t="t" r="r" b="b"/>
             <a:pathLst>
-              <a:path h="3544242" w="4307357">
+              <a:path w="4307357" h="3544242">
                 <a:moveTo>
                   <a:pt x="0" y="0"/>
                 </a:moveTo>
@@ -5848,22 +6541,29 @@
             </a:pathLst>
           </a:custGeom>
           <a:blipFill>
-            <a:blip r:embed="rId3"/>
+            <a:blip r:embed="rId4"/>
             <a:stretch>
-              <a:fillRect l="0" t="0" r="0" b="0"/>
+              <a:fillRect/>
             </a:stretch>
           </a:blipFill>
         </p:spPr>
+        <p:txBody>
+          <a:bodyPr/>
+          <a:lstStyle/>
+          <a:p>
+            <a:endParaRPr lang="es-PY"/>
+          </a:p>
+        </p:txBody>
       </p:sp>
       <p:sp>
         <p:nvSpPr>
-          <p:cNvPr name="Freeform 18" id="18"/>
+          <p:cNvPr id="18" name="Freeform 18"/>
           <p:cNvSpPr/>
           <p:nvPr/>
         </p:nvSpPr>
         <p:spPr>
-          <a:xfrm flipH="false" flipV="false" rot="0">
-            <a:off x="8837110" y="5951146"/>
+          <a:xfrm>
+            <a:off x="7279960" y="6552285"/>
             <a:ext cx="4249931" cy="3582085"/>
           </a:xfrm>
           <a:custGeom>
@@ -5871,9 +6571,9 @@
             <a:gdLst/>
             <a:ahLst/>
             <a:cxnLst/>
-            <a:rect r="r" b="b" t="t" l="l"/>
+            <a:rect l="l" t="t" r="r" b="b"/>
             <a:pathLst>
-              <a:path h="3582085" w="4249931">
+              <a:path w="4249931" h="3582085">
                 <a:moveTo>
                   <a:pt x="0" y="0"/>
                 </a:moveTo>
@@ -5894,22 +6594,29 @@
             </a:pathLst>
           </a:custGeom>
           <a:blipFill>
-            <a:blip r:embed="rId4"/>
+            <a:blip r:embed="rId5"/>
             <a:stretch>
-              <a:fillRect l="0" t="0" r="0" b="0"/>
+              <a:fillRect/>
             </a:stretch>
           </a:blipFill>
         </p:spPr>
+        <p:txBody>
+          <a:bodyPr/>
+          <a:lstStyle/>
+          <a:p>
+            <a:endParaRPr lang="es-PY"/>
+          </a:p>
+        </p:txBody>
       </p:sp>
       <p:sp>
         <p:nvSpPr>
-          <p:cNvPr name="Freeform 19" id="19"/>
+          <p:cNvPr id="19" name="Freeform 19"/>
           <p:cNvSpPr/>
           <p:nvPr/>
         </p:nvSpPr>
         <p:spPr>
-          <a:xfrm flipH="false" flipV="false" rot="0">
-            <a:off x="13290442" y="5951146"/>
+          <a:xfrm>
+            <a:off x="11733292" y="6552285"/>
             <a:ext cx="4626860" cy="3582085"/>
           </a:xfrm>
           <a:custGeom>
@@ -5917,9 +6624,9 @@
             <a:gdLst/>
             <a:ahLst/>
             <a:cxnLst/>
-            <a:rect r="r" b="b" t="t" l="l"/>
+            <a:rect l="l" t="t" r="r" b="b"/>
             <a:pathLst>
-              <a:path h="3582085" w="4626860">
+              <a:path w="4626860" h="3582085">
                 <a:moveTo>
                   <a:pt x="0" y="0"/>
                 </a:moveTo>
@@ -5940,30 +6647,37 @@
             </a:pathLst>
           </a:custGeom>
           <a:blipFill>
-            <a:blip r:embed="rId5"/>
+            <a:blip r:embed="rId6"/>
             <a:stretch>
-              <a:fillRect l="0" t="0" r="0" b="0"/>
+              <a:fillRect/>
             </a:stretch>
           </a:blipFill>
         </p:spPr>
+        <p:txBody>
+          <a:bodyPr/>
+          <a:lstStyle/>
+          <a:p>
+            <a:endParaRPr lang="es-PY"/>
+          </a:p>
+        </p:txBody>
       </p:sp>
       <p:sp>
         <p:nvSpPr>
-          <p:cNvPr name="TextBox 20" id="20"/>
-          <p:cNvSpPr txBox="true"/>
+          <p:cNvPr id="20" name="TextBox 20"/>
+          <p:cNvSpPr txBox="1"/>
           <p:nvPr/>
         </p:nvSpPr>
         <p:spPr>
-          <a:xfrm rot="0">
-            <a:off x="5931894" y="536822"/>
-            <a:ext cx="11936734" cy="923925"/>
+          <a:xfrm>
+            <a:off x="2971800" y="536822"/>
+            <a:ext cx="14896828" cy="1800493"/>
           </a:xfrm>
           <a:prstGeom prst="rect">
             <a:avLst/>
           </a:prstGeom>
         </p:spPr>
         <p:txBody>
-          <a:bodyPr anchor="t" rtlCol="false" tIns="0" lIns="0" bIns="0" rIns="0">
+          <a:bodyPr wrap="square" lIns="0" tIns="0" rIns="0" bIns="0" rtlCol="0" anchor="t">
             <a:spAutoFit/>
           </a:bodyPr>
           <a:lstStyle/>
@@ -5974,7 +6688,7 @@
               </a:lnSpc>
             </a:pPr>
             <a:r>
-              <a:rPr lang="en-US" b="true" sz="6000" i="true" spc="-359">
+              <a:rPr lang="en-US" sz="6000" b="1" i="1" spc="-359" dirty="0">
                 <a:solidFill>
                   <a:srgbClr val="2A846B"/>
                 </a:solidFill>
@@ -5986,16 +6700,40 @@
               <a:t>Aplicación de CLAHE</a:t>
             </a:r>
           </a:p>
+          <a:p>
+            <a:pPr algn="ctr">
+              <a:lnSpc>
+                <a:spcPts val="7200"/>
+              </a:lnSpc>
+            </a:pPr>
+            <a:r>
+              <a:rPr lang="es-PY" sz="4800" dirty="0">
+                <a:solidFill>
+                  <a:srgbClr val="46957D"/>
+                </a:solidFill>
+              </a:rPr>
+              <a:t>Contrast-Limited Adaptive Histogram Equalization</a:t>
+            </a:r>
+            <a:endParaRPr lang="en-US" sz="4800" b="1" i="1" spc="-359" dirty="0">
+              <a:solidFill>
+                <a:srgbClr val="46957D"/>
+              </a:solidFill>
+              <a:latin typeface="League Spartan"/>
+              <a:ea typeface="League Spartan"/>
+              <a:cs typeface="League Spartan"/>
+              <a:sym typeface="League Spartan"/>
+            </a:endParaRPr>
+          </a:p>
         </p:txBody>
       </p:sp>
       <p:sp>
         <p:nvSpPr>
-          <p:cNvPr name="TextBox 21" id="21"/>
-          <p:cNvSpPr txBox="true"/>
+          <p:cNvPr id="21" name="TextBox 21"/>
+          <p:cNvSpPr txBox="1"/>
           <p:nvPr/>
         </p:nvSpPr>
         <p:spPr>
-          <a:xfrm rot="0">
+          <a:xfrm>
             <a:off x="5931894" y="1666660"/>
             <a:ext cx="11936734" cy="581025"/>
           </a:xfrm>
@@ -6004,7 +6742,7 @@
           </a:prstGeom>
         </p:spPr>
         <p:txBody>
-          <a:bodyPr anchor="t" rtlCol="false" tIns="0" lIns="0" bIns="0" rIns="0">
+          <a:bodyPr lIns="0" tIns="0" rIns="0" bIns="0" rtlCol="0" anchor="t">
             <a:spAutoFit/>
           </a:bodyPr>
           <a:lstStyle/>
@@ -6014,6 +6752,83 @@
                 <a:spcPts val="4320"/>
               </a:lnSpc>
             </a:pPr>
+            <a:endParaRPr/>
+          </a:p>
+        </p:txBody>
+      </p:sp>
+      <p:sp>
+        <p:nvSpPr>
+          <p:cNvPr id="23" name="CuadroTexto 22">
+            <a:extLst>
+              <a:ext uri="{FF2B5EF4-FFF2-40B4-BE49-F238E27FC236}">
+                <a16:creationId xmlns:a16="http://schemas.microsoft.com/office/drawing/2014/main" id="{B893EE40-8264-AB9B-3286-2D81946FA717}"/>
+              </a:ext>
+            </a:extLst>
+          </p:cNvPr>
+          <p:cNvSpPr txBox="1"/>
+          <p:nvPr/>
+        </p:nvSpPr>
+        <p:spPr>
+          <a:xfrm>
+            <a:off x="9525000" y="2934006"/>
+            <a:ext cx="8610600" cy="2677656"/>
+          </a:xfrm>
+          <a:prstGeom prst="rect">
+            <a:avLst/>
+          </a:prstGeom>
+          <a:noFill/>
+        </p:spPr>
+        <p:txBody>
+          <a:bodyPr wrap="square">
+            <a:spAutoFit/>
+          </a:bodyPr>
+          <a:lstStyle/>
+          <a:p>
+            <a:pPr marL="342900" indent="-342900">
+              <a:buFont typeface="Arial" panose="020B0604020202020204" pitchFamily="34" charset="0"/>
+              <a:buChar char="•"/>
+            </a:pPr>
+            <a:r>
+              <a:rPr lang="es-PY" sz="2400" dirty="0"/>
+              <a:t>División de las imágenes en pequeñas sub-imágenes. </a:t>
+            </a:r>
+          </a:p>
+          <a:p>
+            <a:pPr marL="342900" indent="-342900">
+              <a:buFont typeface="Arial" panose="020B0604020202020204" pitchFamily="34" charset="0"/>
+              <a:buChar char="•"/>
+            </a:pPr>
+            <a:r>
+              <a:rPr lang="es-PY" sz="2400" dirty="0"/>
+              <a:t>Ecualización del histograma en cada bloque.</a:t>
+            </a:r>
+          </a:p>
+          <a:p>
+            <a:pPr marL="342900" indent="-342900">
+              <a:buFont typeface="Arial" panose="020B0604020202020204" pitchFamily="34" charset="0"/>
+              <a:buChar char="•"/>
+            </a:pPr>
+            <a:r>
+              <a:rPr lang="es-PY" sz="2400" dirty="0"/>
+              <a:t>Limitación del contraste ("Clipping") – Clipping = 2 para este análisis.</a:t>
+            </a:r>
+          </a:p>
+          <a:p>
+            <a:pPr marL="342900" indent="-342900">
+              <a:buFont typeface="Arial" panose="020B0604020202020204" pitchFamily="34" charset="0"/>
+              <a:buChar char="•"/>
+            </a:pPr>
+            <a:r>
+              <a:rPr lang="es-PY" sz="2400" dirty="0"/>
+              <a:t>Interpolación para uniones suaves, mediante interpolación bilineal.</a:t>
+            </a:r>
+          </a:p>
+          <a:p>
+            <a:pPr marL="342900" indent="-342900">
+              <a:buFont typeface="Arial" panose="020B0604020202020204" pitchFamily="34" charset="0"/>
+              <a:buChar char="•"/>
+            </a:pPr>
+            <a:endParaRPr lang="es-PY" sz="2400" dirty="0"/>
           </a:p>
         </p:txBody>
       </p:sp>
@@ -6026,13 +6841,14 @@
 </file>
 
 <file path=ppt/slides/slide5.xml><?xml version="1.0" encoding="utf-8"?>
-<p:sld xmlns:p="http://schemas.openxmlformats.org/presentationml/2006/main" xmlns:a="http://schemas.openxmlformats.org/drawingml/2006/main">
+<p:sld xmlns:a="http://schemas.openxmlformats.org/drawingml/2006/main" xmlns:r="http://schemas.openxmlformats.org/officeDocument/2006/relationships" xmlns:p="http://schemas.openxmlformats.org/presentationml/2006/main">
   <p:cSld>
     <p:bg>
       <p:bgPr>
         <a:solidFill>
           <a:srgbClr val="E8F6EC"/>
         </a:solidFill>
+        <a:effectLst/>
       </p:bgPr>
     </p:bg>
     <p:spTree>
@@ -6051,7 +6867,7 @@
       </p:grpSpPr>
       <p:grpSp>
         <p:nvGrpSpPr>
-          <p:cNvPr name="Group 2" id="2"/>
+          <p:cNvPr id="2" name="Group 2"/>
           <p:cNvGrpSpPr/>
           <p:nvPr/>
         </p:nvGrpSpPr>
@@ -6065,12 +6881,12 @@
         </p:grpSpPr>
         <p:grpSp>
           <p:nvGrpSpPr>
-            <p:cNvPr name="Group 3" id="3"/>
+            <p:cNvPr id="3" name="Group 3"/>
             <p:cNvGrpSpPr/>
             <p:nvPr/>
           </p:nvGrpSpPr>
           <p:grpSpPr>
-            <a:xfrm rot="0">
+            <a:xfrm>
               <a:off x="0" y="0"/>
               <a:ext cx="2282923" cy="5465809"/>
               <a:chOff x="0" y="0"/>
@@ -6079,12 +6895,12 @@
           </p:grpSpPr>
           <p:sp>
             <p:nvSpPr>
-              <p:cNvPr name="Freeform 4" id="4"/>
+              <p:cNvPr id="4" name="Freeform 4"/>
               <p:cNvSpPr/>
               <p:nvPr/>
             </p:nvSpPr>
             <p:spPr>
-              <a:xfrm flipH="false" flipV="false" rot="0">
+              <a:xfrm>
                 <a:off x="0" y="0"/>
                 <a:ext cx="450948" cy="1079666"/>
               </a:xfrm>
@@ -6093,9 +6909,9 @@
                 <a:gdLst/>
                 <a:ahLst/>
                 <a:cxnLst/>
-                <a:rect r="r" b="b" t="t" l="l"/>
+                <a:rect l="l" t="t" r="r" b="b"/>
                 <a:pathLst>
-                  <a:path h="1079666" w="450948">
+                  <a:path w="450948" h="1079666">
                     <a:moveTo>
                       <a:pt x="0" y="0"/>
                     </a:moveTo>
@@ -6116,11 +6932,18 @@
                 <a:srgbClr val="1D7A66"/>
               </a:solidFill>
             </p:spPr>
+            <p:txBody>
+              <a:bodyPr/>
+              <a:lstStyle/>
+              <a:p>
+                <a:endParaRPr lang="es-PY"/>
+              </a:p>
+            </p:txBody>
           </p:sp>
           <p:sp>
             <p:nvSpPr>
-              <p:cNvPr name="TextBox 5" id="5"/>
-              <p:cNvSpPr txBox="true"/>
+              <p:cNvPr id="5" name="TextBox 5"/>
+              <p:cNvSpPr txBox="1"/>
               <p:nvPr/>
             </p:nvSpPr>
             <p:spPr>
@@ -6133,7 +6956,7 @@
               </a:prstGeom>
             </p:spPr>
             <p:txBody>
-              <a:bodyPr anchor="ctr" rtlCol="false" tIns="50800" lIns="50800" bIns="50800" rIns="50800"/>
+              <a:bodyPr lIns="50800" tIns="50800" rIns="50800" bIns="50800" rtlCol="0" anchor="ctr"/>
               <a:lstStyle/>
               <a:p>
                 <a:pPr algn="ctr">
@@ -6141,18 +6964,19 @@
                     <a:spcPts val="2659"/>
                   </a:lnSpc>
                 </a:pPr>
+                <a:endParaRPr/>
               </a:p>
             </p:txBody>
           </p:sp>
         </p:grpSp>
         <p:grpSp>
           <p:nvGrpSpPr>
-            <p:cNvPr name="Group 6" id="6"/>
+            <p:cNvPr id="6" name="Group 6"/>
             <p:cNvGrpSpPr/>
             <p:nvPr/>
           </p:nvGrpSpPr>
           <p:grpSpPr>
-            <a:xfrm rot="0">
+            <a:xfrm>
               <a:off x="779147" y="770139"/>
               <a:ext cx="2282923" cy="5465809"/>
               <a:chOff x="0" y="0"/>
@@ -6161,12 +6985,12 @@
           </p:grpSpPr>
           <p:sp>
             <p:nvSpPr>
-              <p:cNvPr name="Freeform 7" id="7"/>
+              <p:cNvPr id="7" name="Freeform 7"/>
               <p:cNvSpPr/>
               <p:nvPr/>
             </p:nvSpPr>
             <p:spPr>
-              <a:xfrm flipH="false" flipV="false" rot="0">
+              <a:xfrm>
                 <a:off x="0" y="0"/>
                 <a:ext cx="450948" cy="1079666"/>
               </a:xfrm>
@@ -6175,9 +6999,9 @@
                 <a:gdLst/>
                 <a:ahLst/>
                 <a:cxnLst/>
-                <a:rect r="r" b="b" t="t" l="l"/>
+                <a:rect l="l" t="t" r="r" b="b"/>
                 <a:pathLst>
-                  <a:path h="1079666" w="450948">
+                  <a:path w="450948" h="1079666">
                     <a:moveTo>
                       <a:pt x="0" y="0"/>
                     </a:moveTo>
@@ -6198,11 +7022,18 @@
                 <a:srgbClr val="55BD9B"/>
               </a:solidFill>
             </p:spPr>
+            <p:txBody>
+              <a:bodyPr/>
+              <a:lstStyle/>
+              <a:p>
+                <a:endParaRPr lang="es-PY"/>
+              </a:p>
+            </p:txBody>
           </p:sp>
           <p:sp>
             <p:nvSpPr>
-              <p:cNvPr name="TextBox 8" id="8"/>
-              <p:cNvSpPr txBox="true"/>
+              <p:cNvPr id="8" name="TextBox 8"/>
+              <p:cNvSpPr txBox="1"/>
               <p:nvPr/>
             </p:nvSpPr>
             <p:spPr>
@@ -6215,7 +7046,7 @@
               </a:prstGeom>
             </p:spPr>
             <p:txBody>
-              <a:bodyPr anchor="ctr" rtlCol="false" tIns="50800" lIns="50800" bIns="50800" rIns="50800"/>
+              <a:bodyPr lIns="50800" tIns="50800" rIns="50800" bIns="50800" rtlCol="0" anchor="ctr"/>
               <a:lstStyle/>
               <a:p>
                 <a:pPr algn="ctr">
@@ -6223,6 +7054,7 @@
                     <a:spcPts val="2659"/>
                   </a:lnSpc>
                 </a:pPr>
+                <a:endParaRPr/>
               </a:p>
             </p:txBody>
           </p:sp>
@@ -6230,7 +7062,7 @@
       </p:grpSp>
       <p:grpSp>
         <p:nvGrpSpPr>
-          <p:cNvPr name="Group 9" id="9"/>
+          <p:cNvPr id="9" name="Group 9"/>
           <p:cNvGrpSpPr/>
           <p:nvPr/>
         </p:nvGrpSpPr>
@@ -6244,12 +7076,12 @@
         </p:grpSpPr>
         <p:grpSp>
           <p:nvGrpSpPr>
-            <p:cNvPr name="Group 10" id="10"/>
+            <p:cNvPr id="10" name="Group 10"/>
             <p:cNvGrpSpPr/>
             <p:nvPr/>
           </p:nvGrpSpPr>
           <p:grpSpPr>
-            <a:xfrm rot="0">
+            <a:xfrm>
               <a:off x="0" y="0"/>
               <a:ext cx="2282923" cy="5465809"/>
               <a:chOff x="0" y="0"/>
@@ -6258,12 +7090,12 @@
           </p:grpSpPr>
           <p:sp>
             <p:nvSpPr>
-              <p:cNvPr name="Freeform 11" id="11"/>
+              <p:cNvPr id="11" name="Freeform 11"/>
               <p:cNvSpPr/>
               <p:nvPr/>
             </p:nvSpPr>
             <p:spPr>
-              <a:xfrm flipH="false" flipV="false" rot="0">
+              <a:xfrm>
                 <a:off x="0" y="0"/>
                 <a:ext cx="450948" cy="1079666"/>
               </a:xfrm>
@@ -6272,9 +7104,9 @@
                 <a:gdLst/>
                 <a:ahLst/>
                 <a:cxnLst/>
-                <a:rect r="r" b="b" t="t" l="l"/>
+                <a:rect l="l" t="t" r="r" b="b"/>
                 <a:pathLst>
-                  <a:path h="1079666" w="450948">
+                  <a:path w="450948" h="1079666">
                     <a:moveTo>
                       <a:pt x="0" y="0"/>
                     </a:moveTo>
@@ -6295,11 +7127,18 @@
                 <a:srgbClr val="1D7A66"/>
               </a:solidFill>
             </p:spPr>
+            <p:txBody>
+              <a:bodyPr/>
+              <a:lstStyle/>
+              <a:p>
+                <a:endParaRPr lang="es-PY"/>
+              </a:p>
+            </p:txBody>
           </p:sp>
           <p:sp>
             <p:nvSpPr>
-              <p:cNvPr name="TextBox 12" id="12"/>
-              <p:cNvSpPr txBox="true"/>
+              <p:cNvPr id="12" name="TextBox 12"/>
+              <p:cNvSpPr txBox="1"/>
               <p:nvPr/>
             </p:nvSpPr>
             <p:spPr>
@@ -6312,7 +7151,7 @@
               </a:prstGeom>
             </p:spPr>
             <p:txBody>
-              <a:bodyPr anchor="ctr" rtlCol="false" tIns="50800" lIns="50800" bIns="50800" rIns="50800"/>
+              <a:bodyPr lIns="50800" tIns="50800" rIns="50800" bIns="50800" rtlCol="0" anchor="ctr"/>
               <a:lstStyle/>
               <a:p>
                 <a:pPr algn="ctr">
@@ -6320,18 +7159,19 @@
                     <a:spcPts val="2659"/>
                   </a:lnSpc>
                 </a:pPr>
+                <a:endParaRPr/>
               </a:p>
             </p:txBody>
           </p:sp>
         </p:grpSp>
         <p:grpSp>
           <p:nvGrpSpPr>
-            <p:cNvPr name="Group 13" id="13"/>
+            <p:cNvPr id="13" name="Group 13"/>
             <p:cNvGrpSpPr/>
             <p:nvPr/>
           </p:nvGrpSpPr>
           <p:grpSpPr>
-            <a:xfrm rot="0">
+            <a:xfrm>
               <a:off x="779147" y="770139"/>
               <a:ext cx="2282923" cy="5465809"/>
               <a:chOff x="0" y="0"/>
@@ -6340,12 +7180,12 @@
           </p:grpSpPr>
           <p:sp>
             <p:nvSpPr>
-              <p:cNvPr name="Freeform 14" id="14"/>
+              <p:cNvPr id="14" name="Freeform 14"/>
               <p:cNvSpPr/>
               <p:nvPr/>
             </p:nvSpPr>
             <p:spPr>
-              <a:xfrm flipH="false" flipV="false" rot="0">
+              <a:xfrm>
                 <a:off x="0" y="0"/>
                 <a:ext cx="450948" cy="1079666"/>
               </a:xfrm>
@@ -6354,9 +7194,9 @@
                 <a:gdLst/>
                 <a:ahLst/>
                 <a:cxnLst/>
-                <a:rect r="r" b="b" t="t" l="l"/>
+                <a:rect l="l" t="t" r="r" b="b"/>
                 <a:pathLst>
-                  <a:path h="1079666" w="450948">
+                  <a:path w="450948" h="1079666">
                     <a:moveTo>
                       <a:pt x="0" y="0"/>
                     </a:moveTo>
@@ -6377,11 +7217,18 @@
                 <a:srgbClr val="55BD9B"/>
               </a:solidFill>
             </p:spPr>
+            <p:txBody>
+              <a:bodyPr/>
+              <a:lstStyle/>
+              <a:p>
+                <a:endParaRPr lang="es-PY"/>
+              </a:p>
+            </p:txBody>
           </p:sp>
           <p:sp>
             <p:nvSpPr>
-              <p:cNvPr name="TextBox 15" id="15"/>
-              <p:cNvSpPr txBox="true"/>
+              <p:cNvPr id="15" name="TextBox 15"/>
+              <p:cNvSpPr txBox="1"/>
               <p:nvPr/>
             </p:nvSpPr>
             <p:spPr>
@@ -6394,7 +7241,7 @@
               </a:prstGeom>
             </p:spPr>
             <p:txBody>
-              <a:bodyPr anchor="ctr" rtlCol="false" tIns="50800" lIns="50800" bIns="50800" rIns="50800"/>
+              <a:bodyPr lIns="50800" tIns="50800" rIns="50800" bIns="50800" rtlCol="0" anchor="ctr"/>
               <a:lstStyle/>
               <a:p>
                 <a:pPr algn="ctr">
@@ -6402,6 +7249,7 @@
                     <a:spcPts val="2659"/>
                   </a:lnSpc>
                 </a:pPr>
+                <a:endParaRPr/>
               </a:p>
             </p:txBody>
           </p:sp>
@@ -6409,13 +7257,13 @@
       </p:grpSp>
       <p:grpSp>
         <p:nvGrpSpPr>
-          <p:cNvPr name="Group 16" id="16"/>
+          <p:cNvPr id="16" name="Group 16"/>
           <p:cNvGrpSpPr/>
           <p:nvPr/>
         </p:nvGrpSpPr>
         <p:grpSpPr>
-          <a:xfrm rot="0">
-            <a:off x="3698025" y="3719513"/>
+          <a:xfrm>
+            <a:off x="3698024" y="1506061"/>
             <a:ext cx="10891951" cy="2847975"/>
             <a:chOff x="0" y="0"/>
             <a:chExt cx="14522601" cy="3797300"/>
@@ -6423,12 +7271,12 @@
         </p:grpSpPr>
         <p:sp>
           <p:nvSpPr>
-            <p:cNvPr name="TextBox 17" id="17"/>
-            <p:cNvSpPr txBox="true"/>
+            <p:cNvPr id="17" name="TextBox 17"/>
+            <p:cNvSpPr txBox="1"/>
             <p:nvPr/>
           </p:nvSpPr>
           <p:spPr>
-            <a:xfrm rot="0">
+            <a:xfrm>
               <a:off x="0" y="-9525"/>
               <a:ext cx="14522601" cy="2879725"/>
             </a:xfrm>
@@ -6437,7 +7285,7 @@
             </a:prstGeom>
           </p:spPr>
           <p:txBody>
-            <a:bodyPr anchor="t" rtlCol="false" tIns="0" lIns="0" bIns="0" rIns="0">
+            <a:bodyPr lIns="0" tIns="0" rIns="0" bIns="0" rtlCol="0" anchor="t">
               <a:spAutoFit/>
             </a:bodyPr>
             <a:lstStyle/>
@@ -6448,7 +7296,7 @@
                 </a:lnSpc>
               </a:pPr>
               <a:r>
-                <a:rPr lang="en-US" b="true" sz="7100" i="true" spc="-426">
+                <a:rPr lang="en-US" sz="7100" b="1" i="1" spc="-426" dirty="0">
                   <a:solidFill>
                     <a:srgbClr val="1D7A66"/>
                   </a:solidFill>
@@ -6464,12 +7312,12 @@
         </p:sp>
         <p:sp>
           <p:nvSpPr>
-            <p:cNvPr name="TextBox 18" id="18"/>
-            <p:cNvSpPr txBox="true"/>
+            <p:cNvPr id="18" name="TextBox 18"/>
+            <p:cNvSpPr txBox="1"/>
             <p:nvPr/>
           </p:nvSpPr>
           <p:spPr>
-            <a:xfrm rot="0">
+            <a:xfrm>
               <a:off x="0" y="2908300"/>
               <a:ext cx="14522601" cy="889000"/>
             </a:xfrm>
@@ -6478,7 +7326,7 @@
             </a:prstGeom>
           </p:spPr>
           <p:txBody>
-            <a:bodyPr anchor="t" rtlCol="false" tIns="0" lIns="0" bIns="0" rIns="0">
+            <a:bodyPr lIns="0" tIns="0" rIns="0" bIns="0" rtlCol="0" anchor="t">
               <a:spAutoFit/>
             </a:bodyPr>
             <a:lstStyle/>
@@ -6488,10 +7336,232 @@
                   <a:spcPts val="5046"/>
                 </a:lnSpc>
               </a:pPr>
+              <a:endParaRPr/>
             </a:p>
           </p:txBody>
         </p:sp>
       </p:grpSp>
+      <p:sp>
+        <p:nvSpPr>
+          <p:cNvPr id="20" name="CuadroTexto 19">
+            <a:extLst>
+              <a:ext uri="{FF2B5EF4-FFF2-40B4-BE49-F238E27FC236}">
+                <a16:creationId xmlns:a16="http://schemas.microsoft.com/office/drawing/2014/main" id="{AF7DBF06-2B3D-ACD6-B5A0-3F6514FDAAC8}"/>
+              </a:ext>
+            </a:extLst>
+          </p:cNvPr>
+          <p:cNvSpPr txBox="1"/>
+          <p:nvPr/>
+        </p:nvSpPr>
+        <p:spPr>
+          <a:xfrm>
+            <a:off x="2133600" y="4287956"/>
+            <a:ext cx="13944600" cy="1938992"/>
+          </a:xfrm>
+          <a:prstGeom prst="rect">
+            <a:avLst/>
+          </a:prstGeom>
+          <a:noFill/>
+        </p:spPr>
+        <p:txBody>
+          <a:bodyPr wrap="square">
+            <a:spAutoFit/>
+          </a:bodyPr>
+          <a:lstStyle/>
+          <a:p>
+            <a:r>
+              <a:rPr lang="es-PY" sz="2400" b="1" dirty="0"/>
+              <a:t>IMAGE ENHANCEMENT BASED ON EQUAL AREA DUALISTIC SUB-IMAGE HISTOGRAM EQUALIZATION METHOD </a:t>
+            </a:r>
+          </a:p>
+          <a:p>
+            <a:r>
+              <a:rPr lang="es-PY" sz="2400" dirty="0" err="1"/>
+              <a:t>Yu</a:t>
+            </a:r>
+            <a:r>
+              <a:rPr lang="es-PY" sz="2400" dirty="0"/>
+              <a:t> Wang, </a:t>
+            </a:r>
+            <a:r>
+              <a:rPr lang="es-PY" sz="2400" dirty="0" err="1"/>
+              <a:t>Qian</a:t>
+            </a:r>
+            <a:r>
+              <a:rPr lang="es-PY" sz="2400" dirty="0"/>
+              <a:t> Chen, </a:t>
+            </a:r>
+            <a:r>
+              <a:rPr lang="es-PY" sz="2400" dirty="0" err="1"/>
+              <a:t>Baomin</a:t>
+            </a:r>
+            <a:r>
+              <a:rPr lang="es-PY" sz="2400" dirty="0"/>
+              <a:t> Zhang </a:t>
+            </a:r>
+          </a:p>
+          <a:p>
+            <a:r>
+              <a:rPr lang="es-PY" sz="2400" dirty="0" err="1"/>
+              <a:t>School</a:t>
+            </a:r>
+            <a:r>
+              <a:rPr lang="es-PY" sz="2400" dirty="0"/>
+              <a:t> </a:t>
+            </a:r>
+            <a:r>
+              <a:rPr lang="es-PY" sz="2400" dirty="0" err="1"/>
+              <a:t>of</a:t>
+            </a:r>
+            <a:r>
+              <a:rPr lang="es-PY" sz="2400" dirty="0"/>
+              <a:t> Electronic </a:t>
+            </a:r>
+            <a:r>
+              <a:rPr lang="es-PY" sz="2400" dirty="0" err="1"/>
+              <a:t>Engineering</a:t>
+            </a:r>
+            <a:r>
+              <a:rPr lang="es-PY" sz="2400" dirty="0"/>
+              <a:t> &amp; </a:t>
+            </a:r>
+            <a:r>
+              <a:rPr lang="es-PY" sz="2400" dirty="0" err="1"/>
+              <a:t>Optoelectronic</a:t>
+            </a:r>
+            <a:r>
+              <a:rPr lang="es-PY" sz="2400" dirty="0"/>
+              <a:t> </a:t>
+            </a:r>
+            <a:r>
+              <a:rPr lang="es-PY" sz="2400" dirty="0" err="1"/>
+              <a:t>Technology</a:t>
+            </a:r>
+            <a:r>
+              <a:rPr lang="es-PY" sz="2400" dirty="0"/>
+              <a:t> Nanjing </a:t>
+            </a:r>
+            <a:r>
+              <a:rPr lang="es-PY" sz="2400" dirty="0" err="1"/>
+              <a:t>University</a:t>
+            </a:r>
+            <a:r>
+              <a:rPr lang="es-PY" sz="2400" dirty="0"/>
+              <a:t> </a:t>
+            </a:r>
+            <a:r>
+              <a:rPr lang="es-PY" sz="2400" dirty="0" err="1"/>
+              <a:t>of</a:t>
+            </a:r>
+            <a:r>
+              <a:rPr lang="es-PY" sz="2400" dirty="0"/>
+              <a:t> </a:t>
+            </a:r>
+            <a:r>
+              <a:rPr lang="es-PY" sz="2400" dirty="0" err="1"/>
+              <a:t>Science</a:t>
+            </a:r>
+            <a:r>
+              <a:rPr lang="es-PY" sz="2400" dirty="0"/>
+              <a:t> &amp; </a:t>
+            </a:r>
+            <a:r>
+              <a:rPr lang="es-PY" sz="2400" dirty="0" err="1"/>
+              <a:t>Technology</a:t>
+            </a:r>
+            <a:r>
+              <a:rPr lang="es-PY" sz="2400" dirty="0"/>
+              <a:t>, Nanjing 210094, P.R. China</a:t>
+            </a:r>
+          </a:p>
+          <a:p>
+            <a:r>
+              <a:rPr lang="en-US" sz="2400" dirty="0"/>
+              <a:t>IEEE Transactions on Consumer Electronics, Vol. 45, No. 1, FEBRUARY 1999 </a:t>
+            </a:r>
+            <a:endParaRPr lang="es-PY" sz="2400" dirty="0"/>
+          </a:p>
+        </p:txBody>
+      </p:sp>
+      <p:sp>
+        <p:nvSpPr>
+          <p:cNvPr id="22" name="CuadroTexto 21">
+            <a:extLst>
+              <a:ext uri="{FF2B5EF4-FFF2-40B4-BE49-F238E27FC236}">
+                <a16:creationId xmlns:a16="http://schemas.microsoft.com/office/drawing/2014/main" id="{ED2BF348-E020-A3DA-1BE3-8CB85C450360}"/>
+              </a:ext>
+            </a:extLst>
+          </p:cNvPr>
+          <p:cNvSpPr txBox="1"/>
+          <p:nvPr/>
+        </p:nvSpPr>
+        <p:spPr>
+          <a:xfrm>
+            <a:off x="1752600" y="6635455"/>
+            <a:ext cx="10833100" cy="1444178"/>
+          </a:xfrm>
+          <a:prstGeom prst="rect">
+            <a:avLst/>
+          </a:prstGeom>
+          <a:noFill/>
+        </p:spPr>
+        <p:txBody>
+          <a:bodyPr wrap="square">
+            <a:spAutoFit/>
+          </a:bodyPr>
+          <a:lstStyle/>
+          <a:p>
+            <a:pPr marL="342900" lvl="0" indent="-342900">
+              <a:lnSpc>
+                <a:spcPct val="115000"/>
+              </a:lnSpc>
+              <a:spcAft>
+                <a:spcPts val="800"/>
+              </a:spcAft>
+              <a:buSzPts val="1000"/>
+              <a:buFont typeface="Symbol" panose="05050102010706020507" pitchFamily="18" charset="2"/>
+              <a:buChar char=""/>
+              <a:tabLst>
+                <a:tab pos="457200" algn="l"/>
+              </a:tabLst>
+            </a:pPr>
+            <a:r>
+              <a:rPr lang="es-PY" sz="2400" kern="100" dirty="0">
+                <a:effectLst/>
+                <a:latin typeface="+mj-lt"/>
+                <a:ea typeface="Aptos" panose="020B0004020202020204" pitchFamily="34" charset="0"/>
+                <a:cs typeface="Times New Roman" panose="02020603050405020304" pitchFamily="18" charset="0"/>
+              </a:rPr>
+              <a:t>Este algoritmo mejora eficazmente la información visual de la imagen, al tiempo que mantiene la luminosidad promedio original. </a:t>
+            </a:r>
+          </a:p>
+          <a:p>
+            <a:pPr marL="342900" lvl="0" indent="-342900">
+              <a:lnSpc>
+                <a:spcPct val="115000"/>
+              </a:lnSpc>
+              <a:spcAft>
+                <a:spcPts val="800"/>
+              </a:spcAft>
+              <a:buSzPts val="1000"/>
+              <a:buFont typeface="Symbol" panose="05050102010706020507" pitchFamily="18" charset="2"/>
+              <a:buChar char=""/>
+              <a:tabLst>
+                <a:tab pos="457200" algn="l"/>
+              </a:tabLst>
+            </a:pPr>
+            <a:r>
+              <a:rPr lang="es-PY" sz="2400" kern="100" dirty="0">
+                <a:effectLst/>
+                <a:latin typeface="+mj-lt"/>
+                <a:ea typeface="Aptos" panose="020B0004020202020204" pitchFamily="34" charset="0"/>
+                <a:cs typeface="Times New Roman" panose="02020603050405020304" pitchFamily="18" charset="0"/>
+              </a:rPr>
+              <a:t>Esto lo hace adecuado para su uso directo en sistemas de vídeo.</a:t>
+            </a:r>
+          </a:p>
+        </p:txBody>
+      </p:sp>
     </p:spTree>
   </p:cSld>
   <p:clrMapOvr>
@@ -6501,13 +7571,14 @@
 </file>
 
 <file path=ppt/slides/slide6.xml><?xml version="1.0" encoding="utf-8"?>
-<p:sld xmlns:p="http://schemas.openxmlformats.org/presentationml/2006/main" xmlns:a="http://schemas.openxmlformats.org/drawingml/2006/main" xmlns:r="http://schemas.openxmlformats.org/officeDocument/2006/relationships">
+<p:sld xmlns:a="http://schemas.openxmlformats.org/drawingml/2006/main" xmlns:r="http://schemas.openxmlformats.org/officeDocument/2006/relationships" xmlns:p="http://schemas.openxmlformats.org/presentationml/2006/main">
   <p:cSld>
     <p:bg>
       <p:bgPr>
         <a:solidFill>
-          <a:srgbClr val="E8F6EC"/>
+          <a:srgbClr val="1D7A66"/>
         </a:solidFill>
+        <a:effectLst/>
       </p:bgPr>
     </p:bg>
     <p:spTree>
@@ -6526,7 +7597,849 @@
       </p:grpSpPr>
       <p:grpSp>
         <p:nvGrpSpPr>
-          <p:cNvPr name="Group 2" id="2"/>
+          <p:cNvPr id="2" name="Group 2"/>
+          <p:cNvGrpSpPr/>
+          <p:nvPr/>
+        </p:nvGrpSpPr>
+        <p:grpSpPr>
+          <a:xfrm rot="3887605">
+            <a:off x="-464410" y="242721"/>
+            <a:ext cx="2296553" cy="4676961"/>
+            <a:chOff x="0" y="0"/>
+            <a:chExt cx="3062070" cy="6235948"/>
+          </a:xfrm>
+        </p:grpSpPr>
+        <p:grpSp>
+          <p:nvGrpSpPr>
+            <p:cNvPr id="3" name="Group 3"/>
+            <p:cNvGrpSpPr/>
+            <p:nvPr/>
+          </p:nvGrpSpPr>
+          <p:grpSpPr>
+            <a:xfrm>
+              <a:off x="0" y="0"/>
+              <a:ext cx="2282923" cy="5465809"/>
+              <a:chOff x="0" y="0"/>
+              <a:chExt cx="450948" cy="1079666"/>
+            </a:xfrm>
+          </p:grpSpPr>
+          <p:sp>
+            <p:nvSpPr>
+              <p:cNvPr id="4" name="Freeform 4"/>
+              <p:cNvSpPr/>
+              <p:nvPr/>
+            </p:nvSpPr>
+            <p:spPr>
+              <a:xfrm>
+                <a:off x="0" y="0"/>
+                <a:ext cx="450948" cy="1079666"/>
+              </a:xfrm>
+              <a:custGeom>
+                <a:avLst/>
+                <a:gdLst/>
+                <a:ahLst/>
+                <a:cxnLst/>
+                <a:rect l="l" t="t" r="r" b="b"/>
+                <a:pathLst>
+                  <a:path w="450948" h="1079666">
+                    <a:moveTo>
+                      <a:pt x="0" y="0"/>
+                    </a:moveTo>
+                    <a:lnTo>
+                      <a:pt x="450948" y="0"/>
+                    </a:lnTo>
+                    <a:lnTo>
+                      <a:pt x="450948" y="1079666"/>
+                    </a:lnTo>
+                    <a:lnTo>
+                      <a:pt x="0" y="1079666"/>
+                    </a:lnTo>
+                    <a:close/>
+                  </a:path>
+                </a:pathLst>
+              </a:custGeom>
+              <a:solidFill>
+                <a:srgbClr val="389A7F"/>
+              </a:solidFill>
+            </p:spPr>
+            <p:txBody>
+              <a:bodyPr/>
+              <a:lstStyle/>
+              <a:p>
+                <a:endParaRPr lang="es-PY"/>
+              </a:p>
+            </p:txBody>
+          </p:sp>
+          <p:sp>
+            <p:nvSpPr>
+              <p:cNvPr id="5" name="TextBox 5"/>
+              <p:cNvSpPr txBox="1"/>
+              <p:nvPr/>
+            </p:nvSpPr>
+            <p:spPr>
+              <a:xfrm>
+                <a:off x="0" y="-47625"/>
+                <a:ext cx="450948" cy="1127291"/>
+              </a:xfrm>
+              <a:prstGeom prst="rect">
+                <a:avLst/>
+              </a:prstGeom>
+            </p:spPr>
+            <p:txBody>
+              <a:bodyPr lIns="50800" tIns="50800" rIns="50800" bIns="50800" rtlCol="0" anchor="ctr"/>
+              <a:lstStyle/>
+              <a:p>
+                <a:pPr algn="ctr">
+                  <a:lnSpc>
+                    <a:spcPts val="2659"/>
+                  </a:lnSpc>
+                </a:pPr>
+                <a:endParaRPr/>
+              </a:p>
+            </p:txBody>
+          </p:sp>
+        </p:grpSp>
+        <p:grpSp>
+          <p:nvGrpSpPr>
+            <p:cNvPr id="6" name="Group 6"/>
+            <p:cNvGrpSpPr/>
+            <p:nvPr/>
+          </p:nvGrpSpPr>
+          <p:grpSpPr>
+            <a:xfrm>
+              <a:off x="779147" y="770139"/>
+              <a:ext cx="2282923" cy="5465809"/>
+              <a:chOff x="0" y="0"/>
+              <a:chExt cx="450948" cy="1079666"/>
+            </a:xfrm>
+          </p:grpSpPr>
+          <p:sp>
+            <p:nvSpPr>
+              <p:cNvPr id="7" name="Freeform 7"/>
+              <p:cNvSpPr/>
+              <p:nvPr/>
+            </p:nvSpPr>
+            <p:spPr>
+              <a:xfrm>
+                <a:off x="0" y="0"/>
+                <a:ext cx="450948" cy="1079666"/>
+              </a:xfrm>
+              <a:custGeom>
+                <a:avLst/>
+                <a:gdLst/>
+                <a:ahLst/>
+                <a:cxnLst/>
+                <a:rect l="l" t="t" r="r" b="b"/>
+                <a:pathLst>
+                  <a:path w="450948" h="1079666">
+                    <a:moveTo>
+                      <a:pt x="0" y="0"/>
+                    </a:moveTo>
+                    <a:lnTo>
+                      <a:pt x="450948" y="0"/>
+                    </a:lnTo>
+                    <a:lnTo>
+                      <a:pt x="450948" y="1079666"/>
+                    </a:lnTo>
+                    <a:lnTo>
+                      <a:pt x="0" y="1079666"/>
+                    </a:lnTo>
+                    <a:close/>
+                  </a:path>
+                </a:pathLst>
+              </a:custGeom>
+              <a:solidFill>
+                <a:srgbClr val="2A846B"/>
+              </a:solidFill>
+            </p:spPr>
+            <p:txBody>
+              <a:bodyPr/>
+              <a:lstStyle/>
+              <a:p>
+                <a:endParaRPr lang="es-PY"/>
+              </a:p>
+            </p:txBody>
+          </p:sp>
+          <p:sp>
+            <p:nvSpPr>
+              <p:cNvPr id="8" name="TextBox 8"/>
+              <p:cNvSpPr txBox="1"/>
+              <p:nvPr/>
+            </p:nvSpPr>
+            <p:spPr>
+              <a:xfrm>
+                <a:off x="0" y="-47625"/>
+                <a:ext cx="450948" cy="1127291"/>
+              </a:xfrm>
+              <a:prstGeom prst="rect">
+                <a:avLst/>
+              </a:prstGeom>
+            </p:spPr>
+            <p:txBody>
+              <a:bodyPr lIns="50800" tIns="50800" rIns="50800" bIns="50800" rtlCol="0" anchor="ctr"/>
+              <a:lstStyle/>
+              <a:p>
+                <a:pPr algn="ctr">
+                  <a:lnSpc>
+                    <a:spcPts val="2659"/>
+                  </a:lnSpc>
+                </a:pPr>
+                <a:endParaRPr/>
+              </a:p>
+            </p:txBody>
+          </p:sp>
+        </p:grpSp>
+      </p:grpSp>
+      <p:grpSp>
+        <p:nvGrpSpPr>
+          <p:cNvPr id="9" name="Group 9"/>
+          <p:cNvGrpSpPr/>
+          <p:nvPr/>
+        </p:nvGrpSpPr>
+        <p:grpSpPr>
+          <a:xfrm rot="3887605">
+            <a:off x="13859842" y="2457008"/>
+            <a:ext cx="2296553" cy="11881557"/>
+            <a:chOff x="0" y="0"/>
+            <a:chExt cx="3062070" cy="15842076"/>
+          </a:xfrm>
+        </p:grpSpPr>
+        <p:grpSp>
+          <p:nvGrpSpPr>
+            <p:cNvPr id="10" name="Group 10"/>
+            <p:cNvGrpSpPr/>
+            <p:nvPr/>
+          </p:nvGrpSpPr>
+          <p:grpSpPr>
+            <a:xfrm>
+              <a:off x="0" y="0"/>
+              <a:ext cx="2282923" cy="13885581"/>
+              <a:chOff x="0" y="0"/>
+              <a:chExt cx="450948" cy="2742831"/>
+            </a:xfrm>
+          </p:grpSpPr>
+          <p:sp>
+            <p:nvSpPr>
+              <p:cNvPr id="11" name="Freeform 11"/>
+              <p:cNvSpPr/>
+              <p:nvPr/>
+            </p:nvSpPr>
+            <p:spPr>
+              <a:xfrm>
+                <a:off x="0" y="0"/>
+                <a:ext cx="450948" cy="2742831"/>
+              </a:xfrm>
+              <a:custGeom>
+                <a:avLst/>
+                <a:gdLst/>
+                <a:ahLst/>
+                <a:cxnLst/>
+                <a:rect l="l" t="t" r="r" b="b"/>
+                <a:pathLst>
+                  <a:path w="450948" h="2742831">
+                    <a:moveTo>
+                      <a:pt x="0" y="0"/>
+                    </a:moveTo>
+                    <a:lnTo>
+                      <a:pt x="450948" y="0"/>
+                    </a:lnTo>
+                    <a:lnTo>
+                      <a:pt x="450948" y="2742831"/>
+                    </a:lnTo>
+                    <a:lnTo>
+                      <a:pt x="0" y="2742831"/>
+                    </a:lnTo>
+                    <a:close/>
+                  </a:path>
+                </a:pathLst>
+              </a:custGeom>
+              <a:solidFill>
+                <a:srgbClr val="389A7F"/>
+              </a:solidFill>
+            </p:spPr>
+            <p:txBody>
+              <a:bodyPr/>
+              <a:lstStyle/>
+              <a:p>
+                <a:endParaRPr lang="es-PY"/>
+              </a:p>
+            </p:txBody>
+          </p:sp>
+          <p:sp>
+            <p:nvSpPr>
+              <p:cNvPr id="12" name="TextBox 12"/>
+              <p:cNvSpPr txBox="1"/>
+              <p:nvPr/>
+            </p:nvSpPr>
+            <p:spPr>
+              <a:xfrm>
+                <a:off x="0" y="-47625"/>
+                <a:ext cx="450948" cy="2790456"/>
+              </a:xfrm>
+              <a:prstGeom prst="rect">
+                <a:avLst/>
+              </a:prstGeom>
+            </p:spPr>
+            <p:txBody>
+              <a:bodyPr lIns="50800" tIns="50800" rIns="50800" bIns="50800" rtlCol="0" anchor="ctr"/>
+              <a:lstStyle/>
+              <a:p>
+                <a:pPr algn="ctr">
+                  <a:lnSpc>
+                    <a:spcPts val="2659"/>
+                  </a:lnSpc>
+                </a:pPr>
+                <a:endParaRPr/>
+              </a:p>
+            </p:txBody>
+          </p:sp>
+        </p:grpSp>
+        <p:grpSp>
+          <p:nvGrpSpPr>
+            <p:cNvPr id="13" name="Group 13"/>
+            <p:cNvGrpSpPr/>
+            <p:nvPr/>
+          </p:nvGrpSpPr>
+          <p:grpSpPr>
+            <a:xfrm>
+              <a:off x="779147" y="1956495"/>
+              <a:ext cx="2282923" cy="13885581"/>
+              <a:chOff x="0" y="0"/>
+              <a:chExt cx="450948" cy="2742831"/>
+            </a:xfrm>
+          </p:grpSpPr>
+          <p:sp>
+            <p:nvSpPr>
+              <p:cNvPr id="14" name="Freeform 14"/>
+              <p:cNvSpPr/>
+              <p:nvPr/>
+            </p:nvSpPr>
+            <p:spPr>
+              <a:xfrm>
+                <a:off x="0" y="0"/>
+                <a:ext cx="450948" cy="2742831"/>
+              </a:xfrm>
+              <a:custGeom>
+                <a:avLst/>
+                <a:gdLst/>
+                <a:ahLst/>
+                <a:cxnLst/>
+                <a:rect l="l" t="t" r="r" b="b"/>
+                <a:pathLst>
+                  <a:path w="450948" h="2742831">
+                    <a:moveTo>
+                      <a:pt x="0" y="0"/>
+                    </a:moveTo>
+                    <a:lnTo>
+                      <a:pt x="450948" y="0"/>
+                    </a:lnTo>
+                    <a:lnTo>
+                      <a:pt x="450948" y="2742831"/>
+                    </a:lnTo>
+                    <a:lnTo>
+                      <a:pt x="0" y="2742831"/>
+                    </a:lnTo>
+                    <a:close/>
+                  </a:path>
+                </a:pathLst>
+              </a:custGeom>
+              <a:solidFill>
+                <a:srgbClr val="2A846B"/>
+              </a:solidFill>
+            </p:spPr>
+            <p:txBody>
+              <a:bodyPr/>
+              <a:lstStyle/>
+              <a:p>
+                <a:endParaRPr lang="es-PY"/>
+              </a:p>
+            </p:txBody>
+          </p:sp>
+          <p:sp>
+            <p:nvSpPr>
+              <p:cNvPr id="15" name="TextBox 15"/>
+              <p:cNvSpPr txBox="1"/>
+              <p:nvPr/>
+            </p:nvSpPr>
+            <p:spPr>
+              <a:xfrm>
+                <a:off x="0" y="-47625"/>
+                <a:ext cx="450948" cy="2790456"/>
+              </a:xfrm>
+              <a:prstGeom prst="rect">
+                <a:avLst/>
+              </a:prstGeom>
+            </p:spPr>
+            <p:txBody>
+              <a:bodyPr lIns="50800" tIns="50800" rIns="50800" bIns="50800" rtlCol="0" anchor="ctr"/>
+              <a:lstStyle/>
+              <a:p>
+                <a:pPr algn="ctr">
+                  <a:lnSpc>
+                    <a:spcPts val="2659"/>
+                  </a:lnSpc>
+                </a:pPr>
+                <a:endParaRPr/>
+              </a:p>
+            </p:txBody>
+          </p:sp>
+        </p:grpSp>
+      </p:grpSp>
+      <p:sp>
+        <p:nvSpPr>
+          <p:cNvPr id="16" name="Freeform 16"/>
+          <p:cNvSpPr/>
+          <p:nvPr/>
+        </p:nvSpPr>
+        <p:spPr>
+          <a:xfrm>
+            <a:off x="1169614" y="2371919"/>
+            <a:ext cx="3986739" cy="3655824"/>
+          </a:xfrm>
+          <a:custGeom>
+            <a:avLst/>
+            <a:gdLst/>
+            <a:ahLst/>
+            <a:cxnLst/>
+            <a:rect l="l" t="t" r="r" b="b"/>
+            <a:pathLst>
+              <a:path w="3986739" h="3655824">
+                <a:moveTo>
+                  <a:pt x="0" y="0"/>
+                </a:moveTo>
+                <a:lnTo>
+                  <a:pt x="3986739" y="0"/>
+                </a:lnTo>
+                <a:lnTo>
+                  <a:pt x="3986739" y="3655824"/>
+                </a:lnTo>
+                <a:lnTo>
+                  <a:pt x="0" y="3655824"/>
+                </a:lnTo>
+                <a:lnTo>
+                  <a:pt x="0" y="0"/>
+                </a:lnTo>
+                <a:close/>
+              </a:path>
+            </a:pathLst>
+          </a:custGeom>
+          <a:blipFill>
+            <a:blip r:embed="rId2"/>
+            <a:stretch>
+              <a:fillRect/>
+            </a:stretch>
+          </a:blipFill>
+        </p:spPr>
+        <p:txBody>
+          <a:bodyPr/>
+          <a:lstStyle/>
+          <a:p>
+            <a:endParaRPr lang="es-PY"/>
+          </a:p>
+        </p:txBody>
+      </p:sp>
+      <p:sp>
+        <p:nvSpPr>
+          <p:cNvPr id="17" name="Freeform 17"/>
+          <p:cNvSpPr/>
+          <p:nvPr/>
+        </p:nvSpPr>
+        <p:spPr>
+          <a:xfrm>
+            <a:off x="7209073" y="6276877"/>
+            <a:ext cx="4585057" cy="3761684"/>
+          </a:xfrm>
+          <a:custGeom>
+            <a:avLst/>
+            <a:gdLst/>
+            <a:ahLst/>
+            <a:cxnLst/>
+            <a:rect l="l" t="t" r="r" b="b"/>
+            <a:pathLst>
+              <a:path w="4585057" h="3761684">
+                <a:moveTo>
+                  <a:pt x="0" y="0"/>
+                </a:moveTo>
+                <a:lnTo>
+                  <a:pt x="4585057" y="0"/>
+                </a:lnTo>
+                <a:lnTo>
+                  <a:pt x="4585057" y="3761684"/>
+                </a:lnTo>
+                <a:lnTo>
+                  <a:pt x="0" y="3761684"/>
+                </a:lnTo>
+                <a:lnTo>
+                  <a:pt x="0" y="0"/>
+                </a:lnTo>
+                <a:close/>
+              </a:path>
+            </a:pathLst>
+          </a:custGeom>
+          <a:blipFill>
+            <a:blip r:embed="rId3"/>
+            <a:stretch>
+              <a:fillRect/>
+            </a:stretch>
+          </a:blipFill>
+        </p:spPr>
+        <p:txBody>
+          <a:bodyPr/>
+          <a:lstStyle/>
+          <a:p>
+            <a:endParaRPr lang="es-PY"/>
+          </a:p>
+        </p:txBody>
+      </p:sp>
+      <p:sp>
+        <p:nvSpPr>
+          <p:cNvPr id="18" name="Freeform 18"/>
+          <p:cNvSpPr/>
+          <p:nvPr/>
+        </p:nvSpPr>
+        <p:spPr>
+          <a:xfrm>
+            <a:off x="12298692" y="6276877"/>
+            <a:ext cx="4831520" cy="3761684"/>
+          </a:xfrm>
+          <a:custGeom>
+            <a:avLst/>
+            <a:gdLst/>
+            <a:ahLst/>
+            <a:cxnLst/>
+            <a:rect l="l" t="t" r="r" b="b"/>
+            <a:pathLst>
+              <a:path w="4831520" h="3761684">
+                <a:moveTo>
+                  <a:pt x="0" y="0"/>
+                </a:moveTo>
+                <a:lnTo>
+                  <a:pt x="4831520" y="0"/>
+                </a:lnTo>
+                <a:lnTo>
+                  <a:pt x="4831520" y="3761684"/>
+                </a:lnTo>
+                <a:lnTo>
+                  <a:pt x="0" y="3761684"/>
+                </a:lnTo>
+                <a:lnTo>
+                  <a:pt x="0" y="0"/>
+                </a:lnTo>
+                <a:close/>
+              </a:path>
+            </a:pathLst>
+          </a:custGeom>
+          <a:blipFill>
+            <a:blip r:embed="rId4"/>
+            <a:stretch>
+              <a:fillRect/>
+            </a:stretch>
+          </a:blipFill>
+        </p:spPr>
+        <p:txBody>
+          <a:bodyPr/>
+          <a:lstStyle/>
+          <a:p>
+            <a:endParaRPr lang="es-PY"/>
+          </a:p>
+        </p:txBody>
+      </p:sp>
+      <p:sp>
+        <p:nvSpPr>
+          <p:cNvPr id="19" name="Freeform 19"/>
+          <p:cNvSpPr/>
+          <p:nvPr/>
+        </p:nvSpPr>
+        <p:spPr>
+          <a:xfrm>
+            <a:off x="5931894" y="2380322"/>
+            <a:ext cx="4227692" cy="3647421"/>
+          </a:xfrm>
+          <a:custGeom>
+            <a:avLst/>
+            <a:gdLst/>
+            <a:ahLst/>
+            <a:cxnLst/>
+            <a:rect l="l" t="t" r="r" b="b"/>
+            <a:pathLst>
+              <a:path w="4227692" h="3647421">
+                <a:moveTo>
+                  <a:pt x="0" y="0"/>
+                </a:moveTo>
+                <a:lnTo>
+                  <a:pt x="4227692" y="0"/>
+                </a:lnTo>
+                <a:lnTo>
+                  <a:pt x="4227692" y="3647421"/>
+                </a:lnTo>
+                <a:lnTo>
+                  <a:pt x="0" y="3647421"/>
+                </a:lnTo>
+                <a:lnTo>
+                  <a:pt x="0" y="0"/>
+                </a:lnTo>
+                <a:close/>
+              </a:path>
+            </a:pathLst>
+          </a:custGeom>
+          <a:blipFill>
+            <a:blip r:embed="rId5"/>
+            <a:stretch>
+              <a:fillRect/>
+            </a:stretch>
+          </a:blipFill>
+        </p:spPr>
+        <p:txBody>
+          <a:bodyPr/>
+          <a:lstStyle/>
+          <a:p>
+            <a:endParaRPr lang="es-PY"/>
+          </a:p>
+        </p:txBody>
+      </p:sp>
+      <p:grpSp>
+        <p:nvGrpSpPr>
+          <p:cNvPr id="20" name="Group 20"/>
+          <p:cNvGrpSpPr/>
+          <p:nvPr/>
+        </p:nvGrpSpPr>
+        <p:grpSpPr>
+          <a:xfrm>
+            <a:off x="5931894" y="546347"/>
+            <a:ext cx="11936734" cy="1701339"/>
+            <a:chOff x="0" y="0"/>
+            <a:chExt cx="15915646" cy="2268451"/>
+          </a:xfrm>
+        </p:grpSpPr>
+        <p:sp>
+          <p:nvSpPr>
+            <p:cNvPr id="21" name="TextBox 21"/>
+            <p:cNvSpPr txBox="1"/>
+            <p:nvPr/>
+          </p:nvSpPr>
+          <p:spPr>
+            <a:xfrm>
+              <a:off x="0" y="-9525"/>
+              <a:ext cx="15915646" cy="1228725"/>
+            </a:xfrm>
+            <a:prstGeom prst="rect">
+              <a:avLst/>
+            </a:prstGeom>
+          </p:spPr>
+          <p:txBody>
+            <a:bodyPr lIns="0" tIns="0" rIns="0" bIns="0" rtlCol="0" anchor="t">
+              <a:spAutoFit/>
+            </a:bodyPr>
+            <a:lstStyle/>
+            <a:p>
+              <a:pPr algn="ctr">
+                <a:lnSpc>
+                  <a:spcPts val="7200"/>
+                </a:lnSpc>
+              </a:pPr>
+              <a:r>
+                <a:rPr lang="en-US" sz="6000" b="1" i="1" spc="-359" dirty="0">
+                  <a:solidFill>
+                    <a:srgbClr val="C2E7D7"/>
+                  </a:solidFill>
+                  <a:latin typeface="League Spartan"/>
+                  <a:ea typeface="League Spartan"/>
+                  <a:cs typeface="League Spartan"/>
+                  <a:sym typeface="League Spartan"/>
+                </a:rPr>
+                <a:t>Aplicación de BBHE</a:t>
+              </a:r>
+            </a:p>
+          </p:txBody>
+        </p:sp>
+        <p:sp>
+          <p:nvSpPr>
+            <p:cNvPr id="22" name="TextBox 22"/>
+            <p:cNvSpPr txBox="1"/>
+            <p:nvPr/>
+          </p:nvSpPr>
+          <p:spPr>
+            <a:xfrm>
+              <a:off x="0" y="1506451"/>
+              <a:ext cx="15915646" cy="762000"/>
+            </a:xfrm>
+            <a:prstGeom prst="rect">
+              <a:avLst/>
+            </a:prstGeom>
+          </p:spPr>
+          <p:txBody>
+            <a:bodyPr lIns="0" tIns="0" rIns="0" bIns="0" rtlCol="0" anchor="t">
+              <a:spAutoFit/>
+            </a:bodyPr>
+            <a:lstStyle/>
+            <a:p>
+              <a:pPr algn="ctr">
+                <a:lnSpc>
+                  <a:spcPts val="4320"/>
+                </a:lnSpc>
+              </a:pPr>
+              <a:endParaRPr/>
+            </a:p>
+          </p:txBody>
+        </p:sp>
+      </p:grpSp>
+      <p:sp>
+        <p:nvSpPr>
+          <p:cNvPr id="24" name="CuadroTexto 23">
+            <a:extLst>
+              <a:ext uri="{FF2B5EF4-FFF2-40B4-BE49-F238E27FC236}">
+                <a16:creationId xmlns:a16="http://schemas.microsoft.com/office/drawing/2014/main" id="{FDB687D2-F840-1EF4-4014-C655DC43F140}"/>
+              </a:ext>
+            </a:extLst>
+          </p:cNvPr>
+          <p:cNvSpPr txBox="1"/>
+          <p:nvPr/>
+        </p:nvSpPr>
+        <p:spPr>
+          <a:xfrm>
+            <a:off x="10744200" y="2193847"/>
+            <a:ext cx="11239500" cy="2677656"/>
+          </a:xfrm>
+          <a:prstGeom prst="rect">
+            <a:avLst/>
+          </a:prstGeom>
+          <a:noFill/>
+        </p:spPr>
+        <p:txBody>
+          <a:bodyPr wrap="square">
+            <a:spAutoFit/>
+          </a:bodyPr>
+          <a:lstStyle/>
+          <a:p>
+            <a:r>
+              <a:rPr lang="es-PY" sz="2400" b="1" dirty="0">
+                <a:solidFill>
+                  <a:schemeClr val="bg1"/>
+                </a:solidFill>
+                <a:effectLst/>
+                <a:latin typeface="Aptos" panose="020B0004020202020204" pitchFamily="34" charset="0"/>
+                <a:ea typeface="Aptos" panose="020B0004020202020204" pitchFamily="34" charset="0"/>
+                <a:cs typeface="Times New Roman" panose="02020603050405020304" pitchFamily="18" charset="0"/>
+              </a:rPr>
+              <a:t>BBHE (Bi-Histogram Equalization)</a:t>
+            </a:r>
+          </a:p>
+          <a:p>
+            <a:endParaRPr lang="es-PY" sz="2400" dirty="0">
+              <a:solidFill>
+                <a:schemeClr val="bg1"/>
+              </a:solidFill>
+              <a:effectLst/>
+              <a:latin typeface="Aptos" panose="020B0004020202020204" pitchFamily="34" charset="0"/>
+              <a:ea typeface="Aptos" panose="020B0004020202020204" pitchFamily="34" charset="0"/>
+              <a:cs typeface="Times New Roman" panose="02020603050405020304" pitchFamily="18" charset="0"/>
+            </a:endParaRPr>
+          </a:p>
+          <a:p>
+            <a:pPr marL="342900" indent="-342900">
+              <a:buFont typeface="Arial" panose="020B0604020202020204" pitchFamily="34" charset="0"/>
+              <a:buChar char="•"/>
+            </a:pPr>
+            <a:r>
+              <a:rPr lang="es-PY" sz="2400" dirty="0">
+                <a:solidFill>
+                  <a:schemeClr val="bg1"/>
+                </a:solidFill>
+              </a:rPr>
+              <a:t>Calcular el histograma de la imagen</a:t>
+            </a:r>
+          </a:p>
+          <a:p>
+            <a:pPr marL="342900" indent="-342900">
+              <a:buFont typeface="Arial" panose="020B0604020202020204" pitchFamily="34" charset="0"/>
+              <a:buChar char="•"/>
+            </a:pPr>
+            <a:r>
+              <a:rPr lang="es-PY" sz="2400" dirty="0">
+                <a:solidFill>
+                  <a:schemeClr val="bg1"/>
+                </a:solidFill>
+              </a:rPr>
+              <a:t>Dividir el histograma en dos sub-histogramas</a:t>
+            </a:r>
+          </a:p>
+          <a:p>
+            <a:pPr marL="342900" indent="-342900">
+              <a:buFont typeface="Arial" panose="020B0604020202020204" pitchFamily="34" charset="0"/>
+              <a:buChar char="•"/>
+            </a:pPr>
+            <a:r>
+              <a:rPr lang="es-PY" sz="2400" dirty="0">
+                <a:solidFill>
+                  <a:schemeClr val="bg1"/>
+                </a:solidFill>
+              </a:rPr>
+              <a:t>Ecualizar cada sub-histograma</a:t>
+            </a:r>
+          </a:p>
+          <a:p>
+            <a:pPr marL="342900" indent="-342900">
+              <a:buFont typeface="Arial" panose="020B0604020202020204" pitchFamily="34" charset="0"/>
+              <a:buChar char="•"/>
+            </a:pPr>
+            <a:r>
+              <a:rPr lang="es-PY" sz="2400" dirty="0">
+                <a:solidFill>
+                  <a:schemeClr val="bg1"/>
+                </a:solidFill>
+              </a:rPr>
+              <a:t>Combinar los dos sub-histogramas ecualizados</a:t>
+            </a:r>
+          </a:p>
+          <a:p>
+            <a:pPr marL="342900" indent="-342900">
+              <a:buFont typeface="Arial" panose="020B0604020202020204" pitchFamily="34" charset="0"/>
+              <a:buChar char="•"/>
+            </a:pPr>
+            <a:endParaRPr lang="es-PY" sz="2400" dirty="0">
+              <a:solidFill>
+                <a:schemeClr val="bg1"/>
+              </a:solidFill>
+            </a:endParaRPr>
+          </a:p>
+        </p:txBody>
+      </p:sp>
+    </p:spTree>
+  </p:cSld>
+  <p:clrMapOvr>
+    <a:masterClrMapping/>
+  </p:clrMapOvr>
+</p:sld>
+</file>
+
+<file path=ppt/slides/slide7.xml><?xml version="1.0" encoding="utf-8"?>
+<p:sld xmlns:a="http://schemas.openxmlformats.org/drawingml/2006/main" xmlns:r="http://schemas.openxmlformats.org/officeDocument/2006/relationships" xmlns:p="http://schemas.openxmlformats.org/presentationml/2006/main">
+  <p:cSld>
+    <p:bg>
+      <p:bgPr>
+        <a:solidFill>
+          <a:srgbClr val="E8F6EC"/>
+        </a:solidFill>
+        <a:effectLst/>
+      </p:bgPr>
+    </p:bg>
+    <p:spTree>
+      <p:nvGrpSpPr>
+        <p:cNvPr id="1" name=""/>
+        <p:cNvGrpSpPr/>
+        <p:nvPr/>
+      </p:nvGrpSpPr>
+      <p:grpSpPr>
+        <a:xfrm>
+          <a:off x="0" y="0"/>
+          <a:ext cx="0" cy="0"/>
+          <a:chOff x="0" y="0"/>
+          <a:chExt cx="0" cy="0"/>
+        </a:xfrm>
+      </p:grpSpPr>
+      <p:grpSp>
+        <p:nvGrpSpPr>
+          <p:cNvPr id="2" name="Group 2"/>
           <p:cNvGrpSpPr/>
           <p:nvPr/>
         </p:nvGrpSpPr>
@@ -6540,12 +8453,12 @@
         </p:grpSpPr>
         <p:grpSp>
           <p:nvGrpSpPr>
-            <p:cNvPr name="Group 3" id="3"/>
+            <p:cNvPr id="3" name="Group 3"/>
             <p:cNvGrpSpPr/>
             <p:nvPr/>
           </p:nvGrpSpPr>
           <p:grpSpPr>
-            <a:xfrm rot="0">
+            <a:xfrm>
               <a:off x="0" y="0"/>
               <a:ext cx="3028110" cy="9632394"/>
               <a:chOff x="0" y="0"/>
@@ -6554,12 +8467,12 @@
           </p:grpSpPr>
           <p:sp>
             <p:nvSpPr>
-              <p:cNvPr name="Freeform 4" id="4"/>
+              <p:cNvPr id="4" name="Freeform 4"/>
               <p:cNvSpPr/>
               <p:nvPr/>
             </p:nvSpPr>
             <p:spPr>
-              <a:xfrm flipH="false" flipV="false" rot="0">
+              <a:xfrm>
                 <a:off x="0" y="0"/>
                 <a:ext cx="339412" cy="1079666"/>
               </a:xfrm>
@@ -6568,9 +8481,9 @@
                 <a:gdLst/>
                 <a:ahLst/>
                 <a:cxnLst/>
-                <a:rect r="r" b="b" t="t" l="l"/>
+                <a:rect l="l" t="t" r="r" b="b"/>
                 <a:pathLst>
-                  <a:path h="1079666" w="339412">
+                  <a:path w="339412" h="1079666">
                     <a:moveTo>
                       <a:pt x="0" y="0"/>
                     </a:moveTo>
@@ -6591,11 +8504,18 @@
                 <a:srgbClr val="1D7A66"/>
               </a:solidFill>
             </p:spPr>
+            <p:txBody>
+              <a:bodyPr/>
+              <a:lstStyle/>
+              <a:p>
+                <a:endParaRPr lang="es-PY"/>
+              </a:p>
+            </p:txBody>
           </p:sp>
           <p:sp>
             <p:nvSpPr>
-              <p:cNvPr name="TextBox 5" id="5"/>
-              <p:cNvSpPr txBox="true"/>
+              <p:cNvPr id="5" name="TextBox 5"/>
+              <p:cNvSpPr txBox="1"/>
               <p:nvPr/>
             </p:nvSpPr>
             <p:spPr>
@@ -6608,7 +8528,7 @@
               </a:prstGeom>
             </p:spPr>
             <p:txBody>
-              <a:bodyPr anchor="ctr" rtlCol="false" tIns="50800" lIns="50800" bIns="50800" rIns="50800"/>
+              <a:bodyPr lIns="50800" tIns="50800" rIns="50800" bIns="50800" rtlCol="0" anchor="ctr"/>
               <a:lstStyle/>
               <a:p>
                 <a:pPr algn="ctr">
@@ -6616,18 +8536,19 @@
                     <a:spcPts val="2660"/>
                   </a:lnSpc>
                 </a:pPr>
+                <a:endParaRPr/>
               </a:p>
             </p:txBody>
           </p:sp>
         </p:grpSp>
         <p:grpSp>
           <p:nvGrpSpPr>
-            <p:cNvPr name="Group 6" id="6"/>
+            <p:cNvPr id="6" name="Group 6"/>
             <p:cNvGrpSpPr/>
             <p:nvPr/>
           </p:nvGrpSpPr>
           <p:grpSpPr>
-            <a:xfrm rot="0">
+            <a:xfrm>
               <a:off x="1033474" y="1357216"/>
               <a:ext cx="3028110" cy="9632394"/>
               <a:chOff x="0" y="0"/>
@@ -6636,12 +8557,12 @@
           </p:grpSpPr>
           <p:sp>
             <p:nvSpPr>
-              <p:cNvPr name="Freeform 7" id="7"/>
+              <p:cNvPr id="7" name="Freeform 7"/>
               <p:cNvSpPr/>
               <p:nvPr/>
             </p:nvSpPr>
             <p:spPr>
-              <a:xfrm flipH="false" flipV="false" rot="0">
+              <a:xfrm>
                 <a:off x="0" y="0"/>
                 <a:ext cx="339412" cy="1079666"/>
               </a:xfrm>
@@ -6650,9 +8571,9 @@
                 <a:gdLst/>
                 <a:ahLst/>
                 <a:cxnLst/>
-                <a:rect r="r" b="b" t="t" l="l"/>
+                <a:rect l="l" t="t" r="r" b="b"/>
                 <a:pathLst>
-                  <a:path h="1079666" w="339412">
+                  <a:path w="339412" h="1079666">
                     <a:moveTo>
                       <a:pt x="0" y="0"/>
                     </a:moveTo>
@@ -6673,11 +8594,18 @@
                 <a:srgbClr val="55BD9B"/>
               </a:solidFill>
             </p:spPr>
+            <p:txBody>
+              <a:bodyPr/>
+              <a:lstStyle/>
+              <a:p>
+                <a:endParaRPr lang="es-PY"/>
+              </a:p>
+            </p:txBody>
           </p:sp>
           <p:sp>
             <p:nvSpPr>
-              <p:cNvPr name="TextBox 8" id="8"/>
-              <p:cNvSpPr txBox="true"/>
+              <p:cNvPr id="8" name="TextBox 8"/>
+              <p:cNvSpPr txBox="1"/>
               <p:nvPr/>
             </p:nvSpPr>
             <p:spPr>
@@ -6690,7 +8618,7 @@
               </a:prstGeom>
             </p:spPr>
             <p:txBody>
-              <a:bodyPr anchor="ctr" rtlCol="false" tIns="50800" lIns="50800" bIns="50800" rIns="50800"/>
+              <a:bodyPr lIns="50800" tIns="50800" rIns="50800" bIns="50800" rtlCol="0" anchor="ctr"/>
               <a:lstStyle/>
               <a:p>
                 <a:pPr algn="ctr">
@@ -6698,6 +8626,7 @@
                     <a:spcPts val="2660"/>
                   </a:lnSpc>
                 </a:pPr>
+                <a:endParaRPr/>
               </a:p>
             </p:txBody>
           </p:sp>
@@ -6705,7 +8634,7 @@
       </p:grpSp>
       <p:grpSp>
         <p:nvGrpSpPr>
-          <p:cNvPr name="Group 9" id="9"/>
+          <p:cNvPr id="9" name="Group 9"/>
           <p:cNvGrpSpPr/>
           <p:nvPr/>
         </p:nvGrpSpPr>
@@ -6719,12 +8648,12 @@
         </p:grpSpPr>
         <p:grpSp>
           <p:nvGrpSpPr>
-            <p:cNvPr name="Group 10" id="10"/>
+            <p:cNvPr id="10" name="Group 10"/>
             <p:cNvGrpSpPr/>
             <p:nvPr/>
           </p:nvGrpSpPr>
           <p:grpSpPr>
-            <a:xfrm rot="0">
+            <a:xfrm>
               <a:off x="0" y="0"/>
               <a:ext cx="1518187" cy="3634866"/>
               <a:chOff x="0" y="0"/>
@@ -6733,12 +8662,12 @@
           </p:grpSpPr>
           <p:sp>
             <p:nvSpPr>
-              <p:cNvPr name="Freeform 11" id="11"/>
+              <p:cNvPr id="11" name="Freeform 11"/>
               <p:cNvSpPr/>
               <p:nvPr/>
             </p:nvSpPr>
             <p:spPr>
-              <a:xfrm flipH="false" flipV="false" rot="0">
+              <a:xfrm>
                 <a:off x="0" y="0"/>
                 <a:ext cx="450948" cy="1079666"/>
               </a:xfrm>
@@ -6747,9 +8676,9 @@
                 <a:gdLst/>
                 <a:ahLst/>
                 <a:cxnLst/>
-                <a:rect r="r" b="b" t="t" l="l"/>
+                <a:rect l="l" t="t" r="r" b="b"/>
                 <a:pathLst>
-                  <a:path h="1079666" w="450948">
+                  <a:path w="450948" h="1079666">
                     <a:moveTo>
                       <a:pt x="0" y="0"/>
                     </a:moveTo>
@@ -6770,11 +8699,18 @@
                 <a:srgbClr val="1D7A66"/>
               </a:solidFill>
             </p:spPr>
+            <p:txBody>
+              <a:bodyPr/>
+              <a:lstStyle/>
+              <a:p>
+                <a:endParaRPr lang="es-PY"/>
+              </a:p>
+            </p:txBody>
           </p:sp>
           <p:sp>
             <p:nvSpPr>
-              <p:cNvPr name="TextBox 12" id="12"/>
-              <p:cNvSpPr txBox="true"/>
+              <p:cNvPr id="12" name="TextBox 12"/>
+              <p:cNvSpPr txBox="1"/>
               <p:nvPr/>
             </p:nvSpPr>
             <p:spPr>
@@ -6787,7 +8723,7 @@
               </a:prstGeom>
             </p:spPr>
             <p:txBody>
-              <a:bodyPr anchor="ctr" rtlCol="false" tIns="50800" lIns="50800" bIns="50800" rIns="50800"/>
+              <a:bodyPr lIns="50800" tIns="50800" rIns="50800" bIns="50800" rtlCol="0" anchor="ctr"/>
               <a:lstStyle/>
               <a:p>
                 <a:pPr algn="ctr">
@@ -6795,18 +8731,19 @@
                     <a:spcPts val="2660"/>
                   </a:lnSpc>
                 </a:pPr>
+                <a:endParaRPr/>
               </a:p>
             </p:txBody>
           </p:sp>
         </p:grpSp>
         <p:grpSp>
           <p:nvGrpSpPr>
-            <p:cNvPr name="Group 13" id="13"/>
+            <p:cNvPr id="13" name="Group 13"/>
             <p:cNvGrpSpPr/>
             <p:nvPr/>
           </p:nvGrpSpPr>
           <p:grpSpPr>
-            <a:xfrm rot="0">
+            <a:xfrm>
               <a:off x="518147" y="512157"/>
               <a:ext cx="1518187" cy="3634866"/>
               <a:chOff x="0" y="0"/>
@@ -6815,12 +8752,12 @@
           </p:grpSpPr>
           <p:sp>
             <p:nvSpPr>
-              <p:cNvPr name="Freeform 14" id="14"/>
+              <p:cNvPr id="14" name="Freeform 14"/>
               <p:cNvSpPr/>
               <p:nvPr/>
             </p:nvSpPr>
             <p:spPr>
-              <a:xfrm flipH="false" flipV="false" rot="0">
+              <a:xfrm>
                 <a:off x="0" y="0"/>
                 <a:ext cx="450948" cy="1079666"/>
               </a:xfrm>
@@ -6829,9 +8766,9 @@
                 <a:gdLst/>
                 <a:ahLst/>
                 <a:cxnLst/>
-                <a:rect r="r" b="b" t="t" l="l"/>
+                <a:rect l="l" t="t" r="r" b="b"/>
                 <a:pathLst>
-                  <a:path h="1079666" w="450948">
+                  <a:path w="450948" h="1079666">
                     <a:moveTo>
                       <a:pt x="0" y="0"/>
                     </a:moveTo>
@@ -6852,11 +8789,18 @@
                 <a:srgbClr val="55BD9B"/>
               </a:solidFill>
             </p:spPr>
+            <p:txBody>
+              <a:bodyPr/>
+              <a:lstStyle/>
+              <a:p>
+                <a:endParaRPr lang="es-PY"/>
+              </a:p>
+            </p:txBody>
           </p:sp>
           <p:sp>
             <p:nvSpPr>
-              <p:cNvPr name="TextBox 15" id="15"/>
-              <p:cNvSpPr txBox="true"/>
+              <p:cNvPr id="15" name="TextBox 15"/>
+              <p:cNvSpPr txBox="1"/>
               <p:nvPr/>
             </p:nvSpPr>
             <p:spPr>
@@ -6869,7 +8813,7 @@
               </a:prstGeom>
             </p:spPr>
             <p:txBody>
-              <a:bodyPr anchor="ctr" rtlCol="false" tIns="50800" lIns="50800" bIns="50800" rIns="50800"/>
+              <a:bodyPr lIns="50800" tIns="50800" rIns="50800" bIns="50800" rtlCol="0" anchor="ctr"/>
               <a:lstStyle/>
               <a:p>
                 <a:pPr algn="ctr">
@@ -6877,6 +8821,7 @@
                     <a:spcPts val="2660"/>
                   </a:lnSpc>
                 </a:pPr>
+                <a:endParaRPr/>
               </a:p>
             </p:txBody>
           </p:sp>
@@ -6884,12 +8829,12 @@
       </p:grpSp>
       <p:sp>
         <p:nvSpPr>
-          <p:cNvPr name="Freeform 16" id="16"/>
+          <p:cNvPr id="16" name="Freeform 16"/>
           <p:cNvSpPr/>
           <p:nvPr/>
         </p:nvSpPr>
         <p:spPr>
-          <a:xfrm flipH="false" flipV="false" rot="0">
+          <a:xfrm>
             <a:off x="1361136" y="2126456"/>
             <a:ext cx="4395915" cy="3767927"/>
           </a:xfrm>
@@ -6898,9 +8843,9 @@
             <a:gdLst/>
             <a:ahLst/>
             <a:cxnLst/>
-            <a:rect r="r" b="b" t="t" l="l"/>
+            <a:rect l="l" t="t" r="r" b="b"/>
             <a:pathLst>
-              <a:path h="3767927" w="4395915">
+              <a:path w="4395915" h="3767927">
                 <a:moveTo>
                   <a:pt x="0" y="0"/>
                 </a:moveTo>
@@ -6923,19 +8868,26 @@
           <a:blipFill>
             <a:blip r:embed="rId2"/>
             <a:stretch>
-              <a:fillRect l="0" t="0" r="0" b="0"/>
+              <a:fillRect/>
             </a:stretch>
           </a:blipFill>
         </p:spPr>
+        <p:txBody>
+          <a:bodyPr/>
+          <a:lstStyle/>
+          <a:p>
+            <a:endParaRPr lang="es-PY"/>
+          </a:p>
+        </p:txBody>
       </p:sp>
       <p:sp>
         <p:nvSpPr>
-          <p:cNvPr name="Freeform 17" id="17"/>
+          <p:cNvPr id="17" name="Freeform 17"/>
           <p:cNvSpPr/>
           <p:nvPr/>
         </p:nvSpPr>
         <p:spPr>
-          <a:xfrm flipH="false" flipV="false" rot="0">
+          <a:xfrm>
             <a:off x="6515188" y="2126456"/>
             <a:ext cx="4184734" cy="3767927"/>
           </a:xfrm>
@@ -6944,9 +8896,9 @@
             <a:gdLst/>
             <a:ahLst/>
             <a:cxnLst/>
-            <a:rect r="r" b="b" t="t" l="l"/>
+            <a:rect l="l" t="t" r="r" b="b"/>
             <a:pathLst>
-              <a:path h="3767927" w="4184734">
+              <a:path w="4184734" h="3767927">
                 <a:moveTo>
                   <a:pt x="0" y="0"/>
                 </a:moveTo>
@@ -6969,19 +8921,26 @@
           <a:blipFill>
             <a:blip r:embed="rId3"/>
             <a:stretch>
-              <a:fillRect l="0" t="0" r="0" b="0"/>
+              <a:fillRect/>
             </a:stretch>
           </a:blipFill>
         </p:spPr>
+        <p:txBody>
+          <a:bodyPr/>
+          <a:lstStyle/>
+          <a:p>
+            <a:endParaRPr lang="es-PY"/>
+          </a:p>
+        </p:txBody>
       </p:sp>
       <p:sp>
         <p:nvSpPr>
-          <p:cNvPr name="Freeform 18" id="18"/>
+          <p:cNvPr id="18" name="Freeform 18"/>
           <p:cNvSpPr/>
           <p:nvPr/>
         </p:nvSpPr>
         <p:spPr>
-          <a:xfrm flipH="false" flipV="false" rot="0">
+          <a:xfrm>
             <a:off x="8110524" y="6165258"/>
             <a:ext cx="4629386" cy="3537242"/>
           </a:xfrm>
@@ -6990,9 +8949,9 @@
             <a:gdLst/>
             <a:ahLst/>
             <a:cxnLst/>
-            <a:rect r="r" b="b" t="t" l="l"/>
+            <a:rect l="l" t="t" r="r" b="b"/>
             <a:pathLst>
-              <a:path h="3537242" w="4629386">
+              <a:path w="4629386" h="3537242">
                 <a:moveTo>
                   <a:pt x="0" y="0"/>
                 </a:moveTo>
@@ -7015,19 +8974,26 @@
           <a:blipFill>
             <a:blip r:embed="rId4"/>
             <a:stretch>
-              <a:fillRect l="0" t="0" r="0" b="0"/>
+              <a:fillRect/>
             </a:stretch>
           </a:blipFill>
         </p:spPr>
+        <p:txBody>
+          <a:bodyPr/>
+          <a:lstStyle/>
+          <a:p>
+            <a:endParaRPr lang="es-PY"/>
+          </a:p>
+        </p:txBody>
       </p:sp>
       <p:sp>
         <p:nvSpPr>
-          <p:cNvPr name="Freeform 19" id="19"/>
+          <p:cNvPr id="19" name="Freeform 19"/>
           <p:cNvSpPr/>
           <p:nvPr/>
         </p:nvSpPr>
         <p:spPr>
-          <a:xfrm flipH="false" flipV="false" rot="0">
+          <a:xfrm>
             <a:off x="13149170" y="6165258"/>
             <a:ext cx="4355905" cy="3537242"/>
           </a:xfrm>
@@ -7036,9 +9002,9 @@
             <a:gdLst/>
             <a:ahLst/>
             <a:cxnLst/>
-            <a:rect r="r" b="b" t="t" l="l"/>
+            <a:rect l="l" t="t" r="r" b="b"/>
             <a:pathLst>
-              <a:path h="3537242" w="4355905">
+              <a:path w="4355905" h="3537242">
                 <a:moveTo>
                   <a:pt x="0" y="0"/>
                 </a:moveTo>
@@ -7061,19 +9027,26 @@
           <a:blipFill>
             <a:blip r:embed="rId5"/>
             <a:stretch>
-              <a:fillRect l="0" t="0" r="0" b="0"/>
+              <a:fillRect/>
             </a:stretch>
           </a:blipFill>
         </p:spPr>
+        <p:txBody>
+          <a:bodyPr/>
+          <a:lstStyle/>
+          <a:p>
+            <a:endParaRPr lang="es-PY"/>
+          </a:p>
+        </p:txBody>
       </p:sp>
       <p:sp>
         <p:nvSpPr>
-          <p:cNvPr name="TextBox 20" id="20"/>
-          <p:cNvSpPr txBox="true"/>
+          <p:cNvPr id="20" name="TextBox 20"/>
+          <p:cNvSpPr txBox="1"/>
           <p:nvPr/>
         </p:nvSpPr>
         <p:spPr>
-          <a:xfrm rot="0">
+          <a:xfrm>
             <a:off x="-781193" y="561975"/>
             <a:ext cx="11936734" cy="923925"/>
           </a:xfrm>
@@ -7082,7 +9055,7 @@
           </a:prstGeom>
         </p:spPr>
         <p:txBody>
-          <a:bodyPr anchor="t" rtlCol="false" tIns="0" lIns="0" bIns="0" rIns="0">
+          <a:bodyPr lIns="0" tIns="0" rIns="0" bIns="0" rtlCol="0" anchor="t">
             <a:spAutoFit/>
           </a:bodyPr>
           <a:lstStyle/>
@@ -7093,7 +9066,7 @@
               </a:lnSpc>
             </a:pPr>
             <a:r>
-              <a:rPr lang="en-US" b="true" sz="6000" i="true" spc="-359">
+              <a:rPr lang="en-US" sz="6000" b="1" i="1" spc="-359" dirty="0">
                 <a:solidFill>
                   <a:srgbClr val="2A846B"/>
                 </a:solidFill>
@@ -7103,6 +9076,166 @@
                 <a:sym typeface="League Spartan"/>
               </a:rPr>
               <a:t>Aplicación de DSIHE</a:t>
+            </a:r>
+          </a:p>
+        </p:txBody>
+      </p:sp>
+      <p:sp>
+        <p:nvSpPr>
+          <p:cNvPr id="22" name="CuadroTexto 21">
+            <a:extLst>
+              <a:ext uri="{FF2B5EF4-FFF2-40B4-BE49-F238E27FC236}">
+                <a16:creationId xmlns:a16="http://schemas.microsoft.com/office/drawing/2014/main" id="{1CAA55D9-6AC0-D642-EE99-BA7155044DE9}"/>
+              </a:ext>
+            </a:extLst>
+          </p:cNvPr>
+          <p:cNvSpPr txBox="1"/>
+          <p:nvPr/>
+        </p:nvSpPr>
+        <p:spPr>
+          <a:xfrm>
+            <a:off x="2490788" y="6139626"/>
+            <a:ext cx="6653212" cy="3026149"/>
+          </a:xfrm>
+          <a:prstGeom prst="rect">
+            <a:avLst/>
+          </a:prstGeom>
+          <a:noFill/>
+        </p:spPr>
+        <p:txBody>
+          <a:bodyPr wrap="square">
+            <a:spAutoFit/>
+          </a:bodyPr>
+          <a:lstStyle/>
+          <a:p>
+            <a:pPr>
+              <a:lnSpc>
+                <a:spcPct val="115000"/>
+              </a:lnSpc>
+              <a:spcAft>
+                <a:spcPts val="800"/>
+              </a:spcAft>
+              <a:buNone/>
+            </a:pPr>
+            <a:r>
+              <a:rPr lang="es-PY" sz="2400" b="1" dirty="0">
+                <a:latin typeface="+mj-lt"/>
+              </a:rPr>
+              <a:t>DSIHE es </a:t>
+            </a:r>
+            <a:r>
+              <a:rPr lang="es-PY" sz="2400" b="1" dirty="0" err="1">
+                <a:latin typeface="+mj-lt"/>
+              </a:rPr>
+              <a:t>Dualistic</a:t>
+            </a:r>
+            <a:r>
+              <a:rPr lang="es-PY" sz="2400" b="1" dirty="0">
+                <a:latin typeface="+mj-lt"/>
+              </a:rPr>
+              <a:t> Sub </a:t>
+            </a:r>
+            <a:r>
+              <a:rPr lang="es-PY" sz="2400" b="1" dirty="0" err="1">
+                <a:latin typeface="+mj-lt"/>
+              </a:rPr>
+              <a:t>Image</a:t>
+            </a:r>
+            <a:r>
+              <a:rPr lang="es-PY" sz="2400" b="1" dirty="0">
+                <a:latin typeface="+mj-lt"/>
+              </a:rPr>
+              <a:t> Histogram Equalization.</a:t>
+            </a:r>
+            <a:endParaRPr lang="es-PY" sz="2400" b="1" kern="100" dirty="0">
+              <a:effectLst/>
+              <a:latin typeface="+mj-lt"/>
+              <a:ea typeface="Aptos" panose="020B0004020202020204" pitchFamily="34" charset="0"/>
+              <a:cs typeface="Times New Roman" panose="02020603050405020304" pitchFamily="18" charset="0"/>
+            </a:endParaRPr>
+          </a:p>
+          <a:p>
+            <a:pPr marL="342900" indent="-342900">
+              <a:lnSpc>
+                <a:spcPct val="115000"/>
+              </a:lnSpc>
+              <a:spcAft>
+                <a:spcPts val="800"/>
+              </a:spcAft>
+              <a:buFont typeface="Arial" panose="020B0604020202020204" pitchFamily="34" charset="0"/>
+              <a:buChar char="•"/>
+            </a:pPr>
+            <a:r>
+              <a:rPr lang="es-PY" sz="2400" kern="100" dirty="0">
+                <a:effectLst/>
+                <a:latin typeface="+mj-lt"/>
+                <a:ea typeface="Aptos" panose="020B0004020202020204" pitchFamily="34" charset="0"/>
+                <a:cs typeface="Times New Roman" panose="02020603050405020304" pitchFamily="18" charset="0"/>
+              </a:rPr>
+              <a:t>División de la imagen por la mediana</a:t>
+            </a:r>
+          </a:p>
+          <a:p>
+            <a:pPr marL="342900" indent="-342900">
+              <a:lnSpc>
+                <a:spcPct val="115000"/>
+              </a:lnSpc>
+              <a:spcAft>
+                <a:spcPts val="800"/>
+              </a:spcAft>
+              <a:buFont typeface="Arial" panose="020B0604020202020204" pitchFamily="34" charset="0"/>
+              <a:buChar char="•"/>
+            </a:pPr>
+            <a:r>
+              <a:rPr lang="es-PY" sz="2400" kern="100" dirty="0">
+                <a:effectLst/>
+                <a:latin typeface="+mj-lt"/>
+                <a:ea typeface="Aptos" panose="020B0004020202020204" pitchFamily="34" charset="0"/>
+                <a:cs typeface="Times New Roman" panose="02020603050405020304" pitchFamily="18" charset="0"/>
+              </a:rPr>
+              <a:t>Creación de dos sub-imágenes</a:t>
+            </a:r>
+          </a:p>
+          <a:p>
+            <a:pPr marL="342900" indent="-342900">
+              <a:lnSpc>
+                <a:spcPct val="115000"/>
+              </a:lnSpc>
+              <a:spcAft>
+                <a:spcPts val="800"/>
+              </a:spcAft>
+              <a:buFont typeface="Arial" panose="020B0604020202020204" pitchFamily="34" charset="0"/>
+              <a:buChar char="•"/>
+            </a:pPr>
+            <a:r>
+              <a:rPr lang="es-PY" sz="2400" kern="100" dirty="0">
+                <a:effectLst/>
+                <a:latin typeface="+mj-lt"/>
+                <a:ea typeface="Aptos" panose="020B0004020202020204" pitchFamily="34" charset="0"/>
+                <a:cs typeface="Times New Roman" panose="02020603050405020304" pitchFamily="18" charset="0"/>
+              </a:rPr>
+              <a:t>Ecualización independiente </a:t>
+            </a:r>
+          </a:p>
+          <a:p>
+            <a:pPr marL="342900" indent="-342900">
+              <a:lnSpc>
+                <a:spcPct val="115000"/>
+              </a:lnSpc>
+              <a:spcAft>
+                <a:spcPts val="800"/>
+              </a:spcAft>
+              <a:buFont typeface="Arial" panose="020B0604020202020204" pitchFamily="34" charset="0"/>
+              <a:buChar char="•"/>
+            </a:pPr>
+            <a:r>
+              <a:rPr lang="es-PY" sz="2400" kern="100" dirty="0">
+                <a:effectLst/>
+                <a:latin typeface="+mj-lt"/>
+                <a:ea typeface="Aptos" panose="020B0004020202020204" pitchFamily="34" charset="0"/>
+                <a:cs typeface="Times New Roman" panose="02020603050405020304" pitchFamily="18" charset="0"/>
+              </a:rPr>
+              <a:t>Combinación</a:t>
             </a:r>
           </a:p>
         </p:txBody>
@@ -7115,14 +9248,15 @@
 </p:sld>
 </file>
 
-<file path=ppt/slides/slide7.xml><?xml version="1.0" encoding="utf-8"?>
-<p:sld xmlns:p="http://schemas.openxmlformats.org/presentationml/2006/main" xmlns:a="http://schemas.openxmlformats.org/drawingml/2006/main" xmlns:r="http://schemas.openxmlformats.org/officeDocument/2006/relationships">
+<file path=ppt/slides/slide8.xml><?xml version="1.0" encoding="utf-8"?>
+<p:sld xmlns:a="http://schemas.openxmlformats.org/drawingml/2006/main" xmlns:r="http://schemas.openxmlformats.org/officeDocument/2006/relationships" xmlns:p="http://schemas.openxmlformats.org/presentationml/2006/main">
   <p:cSld>
     <p:bg>
       <p:bgPr>
         <a:solidFill>
-          <a:srgbClr val="1D7A66"/>
+          <a:srgbClr val="E8F6EC"/>
         </a:solidFill>
+        <a:effectLst/>
       </p:bgPr>
     </p:bg>
     <p:spTree>
@@ -7141,666 +9275,7 @@
       </p:grpSpPr>
       <p:grpSp>
         <p:nvGrpSpPr>
-          <p:cNvPr name="Group 2" id="2"/>
-          <p:cNvGrpSpPr/>
-          <p:nvPr/>
-        </p:nvGrpSpPr>
-        <p:grpSpPr>
-          <a:xfrm rot="3887605">
-            <a:off x="-464410" y="242721"/>
-            <a:ext cx="2296553" cy="4676961"/>
-            <a:chOff x="0" y="0"/>
-            <a:chExt cx="3062070" cy="6235948"/>
-          </a:xfrm>
-        </p:grpSpPr>
-        <p:grpSp>
-          <p:nvGrpSpPr>
-            <p:cNvPr name="Group 3" id="3"/>
-            <p:cNvGrpSpPr/>
-            <p:nvPr/>
-          </p:nvGrpSpPr>
-          <p:grpSpPr>
-            <a:xfrm rot="0">
-              <a:off x="0" y="0"/>
-              <a:ext cx="2282923" cy="5465809"/>
-              <a:chOff x="0" y="0"/>
-              <a:chExt cx="450948" cy="1079666"/>
-            </a:xfrm>
-          </p:grpSpPr>
-          <p:sp>
-            <p:nvSpPr>
-              <p:cNvPr name="Freeform 4" id="4"/>
-              <p:cNvSpPr/>
-              <p:nvPr/>
-            </p:nvSpPr>
-            <p:spPr>
-              <a:xfrm flipH="false" flipV="false" rot="0">
-                <a:off x="0" y="0"/>
-                <a:ext cx="450948" cy="1079666"/>
-              </a:xfrm>
-              <a:custGeom>
-                <a:avLst/>
-                <a:gdLst/>
-                <a:ahLst/>
-                <a:cxnLst/>
-                <a:rect r="r" b="b" t="t" l="l"/>
-                <a:pathLst>
-                  <a:path h="1079666" w="450948">
-                    <a:moveTo>
-                      <a:pt x="0" y="0"/>
-                    </a:moveTo>
-                    <a:lnTo>
-                      <a:pt x="450948" y="0"/>
-                    </a:lnTo>
-                    <a:lnTo>
-                      <a:pt x="450948" y="1079666"/>
-                    </a:lnTo>
-                    <a:lnTo>
-                      <a:pt x="0" y="1079666"/>
-                    </a:lnTo>
-                    <a:close/>
-                  </a:path>
-                </a:pathLst>
-              </a:custGeom>
-              <a:solidFill>
-                <a:srgbClr val="389A7F"/>
-              </a:solidFill>
-            </p:spPr>
-          </p:sp>
-          <p:sp>
-            <p:nvSpPr>
-              <p:cNvPr name="TextBox 5" id="5"/>
-              <p:cNvSpPr txBox="true"/>
-              <p:nvPr/>
-            </p:nvSpPr>
-            <p:spPr>
-              <a:xfrm>
-                <a:off x="0" y="-47625"/>
-                <a:ext cx="450948" cy="1127291"/>
-              </a:xfrm>
-              <a:prstGeom prst="rect">
-                <a:avLst/>
-              </a:prstGeom>
-            </p:spPr>
-            <p:txBody>
-              <a:bodyPr anchor="ctr" rtlCol="false" tIns="50800" lIns="50800" bIns="50800" rIns="50800"/>
-              <a:lstStyle/>
-              <a:p>
-                <a:pPr algn="ctr">
-                  <a:lnSpc>
-                    <a:spcPts val="2659"/>
-                  </a:lnSpc>
-                </a:pPr>
-              </a:p>
-            </p:txBody>
-          </p:sp>
-        </p:grpSp>
-        <p:grpSp>
-          <p:nvGrpSpPr>
-            <p:cNvPr name="Group 6" id="6"/>
-            <p:cNvGrpSpPr/>
-            <p:nvPr/>
-          </p:nvGrpSpPr>
-          <p:grpSpPr>
-            <a:xfrm rot="0">
-              <a:off x="779147" y="770139"/>
-              <a:ext cx="2282923" cy="5465809"/>
-              <a:chOff x="0" y="0"/>
-              <a:chExt cx="450948" cy="1079666"/>
-            </a:xfrm>
-          </p:grpSpPr>
-          <p:sp>
-            <p:nvSpPr>
-              <p:cNvPr name="Freeform 7" id="7"/>
-              <p:cNvSpPr/>
-              <p:nvPr/>
-            </p:nvSpPr>
-            <p:spPr>
-              <a:xfrm flipH="false" flipV="false" rot="0">
-                <a:off x="0" y="0"/>
-                <a:ext cx="450948" cy="1079666"/>
-              </a:xfrm>
-              <a:custGeom>
-                <a:avLst/>
-                <a:gdLst/>
-                <a:ahLst/>
-                <a:cxnLst/>
-                <a:rect r="r" b="b" t="t" l="l"/>
-                <a:pathLst>
-                  <a:path h="1079666" w="450948">
-                    <a:moveTo>
-                      <a:pt x="0" y="0"/>
-                    </a:moveTo>
-                    <a:lnTo>
-                      <a:pt x="450948" y="0"/>
-                    </a:lnTo>
-                    <a:lnTo>
-                      <a:pt x="450948" y="1079666"/>
-                    </a:lnTo>
-                    <a:lnTo>
-                      <a:pt x="0" y="1079666"/>
-                    </a:lnTo>
-                    <a:close/>
-                  </a:path>
-                </a:pathLst>
-              </a:custGeom>
-              <a:solidFill>
-                <a:srgbClr val="2A846B"/>
-              </a:solidFill>
-            </p:spPr>
-          </p:sp>
-          <p:sp>
-            <p:nvSpPr>
-              <p:cNvPr name="TextBox 8" id="8"/>
-              <p:cNvSpPr txBox="true"/>
-              <p:nvPr/>
-            </p:nvSpPr>
-            <p:spPr>
-              <a:xfrm>
-                <a:off x="0" y="-47625"/>
-                <a:ext cx="450948" cy="1127291"/>
-              </a:xfrm>
-              <a:prstGeom prst="rect">
-                <a:avLst/>
-              </a:prstGeom>
-            </p:spPr>
-            <p:txBody>
-              <a:bodyPr anchor="ctr" rtlCol="false" tIns="50800" lIns="50800" bIns="50800" rIns="50800"/>
-              <a:lstStyle/>
-              <a:p>
-                <a:pPr algn="ctr">
-                  <a:lnSpc>
-                    <a:spcPts val="2659"/>
-                  </a:lnSpc>
-                </a:pPr>
-              </a:p>
-            </p:txBody>
-          </p:sp>
-        </p:grpSp>
-      </p:grpSp>
-      <p:grpSp>
-        <p:nvGrpSpPr>
-          <p:cNvPr name="Group 9" id="9"/>
-          <p:cNvGrpSpPr/>
-          <p:nvPr/>
-        </p:nvGrpSpPr>
-        <p:grpSpPr>
-          <a:xfrm rot="3887605">
-            <a:off x="13859842" y="2457008"/>
-            <a:ext cx="2296553" cy="11881557"/>
-            <a:chOff x="0" y="0"/>
-            <a:chExt cx="3062070" cy="15842076"/>
-          </a:xfrm>
-        </p:grpSpPr>
-        <p:grpSp>
-          <p:nvGrpSpPr>
-            <p:cNvPr name="Group 10" id="10"/>
-            <p:cNvGrpSpPr/>
-            <p:nvPr/>
-          </p:nvGrpSpPr>
-          <p:grpSpPr>
-            <a:xfrm rot="0">
-              <a:off x="0" y="0"/>
-              <a:ext cx="2282923" cy="13885581"/>
-              <a:chOff x="0" y="0"/>
-              <a:chExt cx="450948" cy="2742831"/>
-            </a:xfrm>
-          </p:grpSpPr>
-          <p:sp>
-            <p:nvSpPr>
-              <p:cNvPr name="Freeform 11" id="11"/>
-              <p:cNvSpPr/>
-              <p:nvPr/>
-            </p:nvSpPr>
-            <p:spPr>
-              <a:xfrm flipH="false" flipV="false" rot="0">
-                <a:off x="0" y="0"/>
-                <a:ext cx="450948" cy="2742831"/>
-              </a:xfrm>
-              <a:custGeom>
-                <a:avLst/>
-                <a:gdLst/>
-                <a:ahLst/>
-                <a:cxnLst/>
-                <a:rect r="r" b="b" t="t" l="l"/>
-                <a:pathLst>
-                  <a:path h="2742831" w="450948">
-                    <a:moveTo>
-                      <a:pt x="0" y="0"/>
-                    </a:moveTo>
-                    <a:lnTo>
-                      <a:pt x="450948" y="0"/>
-                    </a:lnTo>
-                    <a:lnTo>
-                      <a:pt x="450948" y="2742831"/>
-                    </a:lnTo>
-                    <a:lnTo>
-                      <a:pt x="0" y="2742831"/>
-                    </a:lnTo>
-                    <a:close/>
-                  </a:path>
-                </a:pathLst>
-              </a:custGeom>
-              <a:solidFill>
-                <a:srgbClr val="389A7F"/>
-              </a:solidFill>
-            </p:spPr>
-          </p:sp>
-          <p:sp>
-            <p:nvSpPr>
-              <p:cNvPr name="TextBox 12" id="12"/>
-              <p:cNvSpPr txBox="true"/>
-              <p:nvPr/>
-            </p:nvSpPr>
-            <p:spPr>
-              <a:xfrm>
-                <a:off x="0" y="-47625"/>
-                <a:ext cx="450948" cy="2790456"/>
-              </a:xfrm>
-              <a:prstGeom prst="rect">
-                <a:avLst/>
-              </a:prstGeom>
-            </p:spPr>
-            <p:txBody>
-              <a:bodyPr anchor="ctr" rtlCol="false" tIns="50800" lIns="50800" bIns="50800" rIns="50800"/>
-              <a:lstStyle/>
-              <a:p>
-                <a:pPr algn="ctr">
-                  <a:lnSpc>
-                    <a:spcPts val="2659"/>
-                  </a:lnSpc>
-                </a:pPr>
-              </a:p>
-            </p:txBody>
-          </p:sp>
-        </p:grpSp>
-        <p:grpSp>
-          <p:nvGrpSpPr>
-            <p:cNvPr name="Group 13" id="13"/>
-            <p:cNvGrpSpPr/>
-            <p:nvPr/>
-          </p:nvGrpSpPr>
-          <p:grpSpPr>
-            <a:xfrm rot="0">
-              <a:off x="779147" y="1956495"/>
-              <a:ext cx="2282923" cy="13885581"/>
-              <a:chOff x="0" y="0"/>
-              <a:chExt cx="450948" cy="2742831"/>
-            </a:xfrm>
-          </p:grpSpPr>
-          <p:sp>
-            <p:nvSpPr>
-              <p:cNvPr name="Freeform 14" id="14"/>
-              <p:cNvSpPr/>
-              <p:nvPr/>
-            </p:nvSpPr>
-            <p:spPr>
-              <a:xfrm flipH="false" flipV="false" rot="0">
-                <a:off x="0" y="0"/>
-                <a:ext cx="450948" cy="2742831"/>
-              </a:xfrm>
-              <a:custGeom>
-                <a:avLst/>
-                <a:gdLst/>
-                <a:ahLst/>
-                <a:cxnLst/>
-                <a:rect r="r" b="b" t="t" l="l"/>
-                <a:pathLst>
-                  <a:path h="2742831" w="450948">
-                    <a:moveTo>
-                      <a:pt x="0" y="0"/>
-                    </a:moveTo>
-                    <a:lnTo>
-                      <a:pt x="450948" y="0"/>
-                    </a:lnTo>
-                    <a:lnTo>
-                      <a:pt x="450948" y="2742831"/>
-                    </a:lnTo>
-                    <a:lnTo>
-                      <a:pt x="0" y="2742831"/>
-                    </a:lnTo>
-                    <a:close/>
-                  </a:path>
-                </a:pathLst>
-              </a:custGeom>
-              <a:solidFill>
-                <a:srgbClr val="2A846B"/>
-              </a:solidFill>
-            </p:spPr>
-          </p:sp>
-          <p:sp>
-            <p:nvSpPr>
-              <p:cNvPr name="TextBox 15" id="15"/>
-              <p:cNvSpPr txBox="true"/>
-              <p:nvPr/>
-            </p:nvSpPr>
-            <p:spPr>
-              <a:xfrm>
-                <a:off x="0" y="-47625"/>
-                <a:ext cx="450948" cy="2790456"/>
-              </a:xfrm>
-              <a:prstGeom prst="rect">
-                <a:avLst/>
-              </a:prstGeom>
-            </p:spPr>
-            <p:txBody>
-              <a:bodyPr anchor="ctr" rtlCol="false" tIns="50800" lIns="50800" bIns="50800" rIns="50800"/>
-              <a:lstStyle/>
-              <a:p>
-                <a:pPr algn="ctr">
-                  <a:lnSpc>
-                    <a:spcPts val="2659"/>
-                  </a:lnSpc>
-                </a:pPr>
-              </a:p>
-            </p:txBody>
-          </p:sp>
-        </p:grpSp>
-      </p:grpSp>
-      <p:sp>
-        <p:nvSpPr>
-          <p:cNvPr name="Freeform 16" id="16"/>
-          <p:cNvSpPr/>
-          <p:nvPr/>
-        </p:nvSpPr>
-        <p:spPr>
-          <a:xfrm flipH="false" flipV="false" rot="0">
-            <a:off x="1169614" y="2371919"/>
-            <a:ext cx="3986739" cy="3655824"/>
-          </a:xfrm>
-          <a:custGeom>
-            <a:avLst/>
-            <a:gdLst/>
-            <a:ahLst/>
-            <a:cxnLst/>
-            <a:rect r="r" b="b" t="t" l="l"/>
-            <a:pathLst>
-              <a:path h="3655824" w="3986739">
-                <a:moveTo>
-                  <a:pt x="0" y="0"/>
-                </a:moveTo>
-                <a:lnTo>
-                  <a:pt x="3986739" y="0"/>
-                </a:lnTo>
-                <a:lnTo>
-                  <a:pt x="3986739" y="3655824"/>
-                </a:lnTo>
-                <a:lnTo>
-                  <a:pt x="0" y="3655824"/>
-                </a:lnTo>
-                <a:lnTo>
-                  <a:pt x="0" y="0"/>
-                </a:lnTo>
-                <a:close/>
-              </a:path>
-            </a:pathLst>
-          </a:custGeom>
-          <a:blipFill>
-            <a:blip r:embed="rId2"/>
-            <a:stretch>
-              <a:fillRect l="0" t="0" r="0" b="0"/>
-            </a:stretch>
-          </a:blipFill>
-        </p:spPr>
-      </p:sp>
-      <p:sp>
-        <p:nvSpPr>
-          <p:cNvPr name="Freeform 17" id="17"/>
-          <p:cNvSpPr/>
-          <p:nvPr/>
-        </p:nvSpPr>
-        <p:spPr>
-          <a:xfrm flipH="false" flipV="false" rot="0">
-            <a:off x="7209073" y="6276877"/>
-            <a:ext cx="4585057" cy="3761684"/>
-          </a:xfrm>
-          <a:custGeom>
-            <a:avLst/>
-            <a:gdLst/>
-            <a:ahLst/>
-            <a:cxnLst/>
-            <a:rect r="r" b="b" t="t" l="l"/>
-            <a:pathLst>
-              <a:path h="3761684" w="4585057">
-                <a:moveTo>
-                  <a:pt x="0" y="0"/>
-                </a:moveTo>
-                <a:lnTo>
-                  <a:pt x="4585057" y="0"/>
-                </a:lnTo>
-                <a:lnTo>
-                  <a:pt x="4585057" y="3761684"/>
-                </a:lnTo>
-                <a:lnTo>
-                  <a:pt x="0" y="3761684"/>
-                </a:lnTo>
-                <a:lnTo>
-                  <a:pt x="0" y="0"/>
-                </a:lnTo>
-                <a:close/>
-              </a:path>
-            </a:pathLst>
-          </a:custGeom>
-          <a:blipFill>
-            <a:blip r:embed="rId3"/>
-            <a:stretch>
-              <a:fillRect l="0" t="0" r="0" b="0"/>
-            </a:stretch>
-          </a:blipFill>
-        </p:spPr>
-      </p:sp>
-      <p:sp>
-        <p:nvSpPr>
-          <p:cNvPr name="Freeform 18" id="18"/>
-          <p:cNvSpPr/>
-          <p:nvPr/>
-        </p:nvSpPr>
-        <p:spPr>
-          <a:xfrm flipH="false" flipV="false" rot="0">
-            <a:off x="12298692" y="6276877"/>
-            <a:ext cx="4831520" cy="3761684"/>
-          </a:xfrm>
-          <a:custGeom>
-            <a:avLst/>
-            <a:gdLst/>
-            <a:ahLst/>
-            <a:cxnLst/>
-            <a:rect r="r" b="b" t="t" l="l"/>
-            <a:pathLst>
-              <a:path h="3761684" w="4831520">
-                <a:moveTo>
-                  <a:pt x="0" y="0"/>
-                </a:moveTo>
-                <a:lnTo>
-                  <a:pt x="4831520" y="0"/>
-                </a:lnTo>
-                <a:lnTo>
-                  <a:pt x="4831520" y="3761684"/>
-                </a:lnTo>
-                <a:lnTo>
-                  <a:pt x="0" y="3761684"/>
-                </a:lnTo>
-                <a:lnTo>
-                  <a:pt x="0" y="0"/>
-                </a:lnTo>
-                <a:close/>
-              </a:path>
-            </a:pathLst>
-          </a:custGeom>
-          <a:blipFill>
-            <a:blip r:embed="rId4"/>
-            <a:stretch>
-              <a:fillRect l="0" t="0" r="0" b="0"/>
-            </a:stretch>
-          </a:blipFill>
-        </p:spPr>
-      </p:sp>
-      <p:sp>
-        <p:nvSpPr>
-          <p:cNvPr name="Freeform 19" id="19"/>
-          <p:cNvSpPr/>
-          <p:nvPr/>
-        </p:nvSpPr>
-        <p:spPr>
-          <a:xfrm flipH="false" flipV="false" rot="0">
-            <a:off x="5931894" y="2380322"/>
-            <a:ext cx="4227692" cy="3647421"/>
-          </a:xfrm>
-          <a:custGeom>
-            <a:avLst/>
-            <a:gdLst/>
-            <a:ahLst/>
-            <a:cxnLst/>
-            <a:rect r="r" b="b" t="t" l="l"/>
-            <a:pathLst>
-              <a:path h="3647421" w="4227692">
-                <a:moveTo>
-                  <a:pt x="0" y="0"/>
-                </a:moveTo>
-                <a:lnTo>
-                  <a:pt x="4227692" y="0"/>
-                </a:lnTo>
-                <a:lnTo>
-                  <a:pt x="4227692" y="3647421"/>
-                </a:lnTo>
-                <a:lnTo>
-                  <a:pt x="0" y="3647421"/>
-                </a:lnTo>
-                <a:lnTo>
-                  <a:pt x="0" y="0"/>
-                </a:lnTo>
-                <a:close/>
-              </a:path>
-            </a:pathLst>
-          </a:custGeom>
-          <a:blipFill>
-            <a:blip r:embed="rId5"/>
-            <a:stretch>
-              <a:fillRect l="0" t="0" r="0" b="0"/>
-            </a:stretch>
-          </a:blipFill>
-        </p:spPr>
-      </p:sp>
-      <p:grpSp>
-        <p:nvGrpSpPr>
-          <p:cNvPr name="Group 20" id="20"/>
-          <p:cNvGrpSpPr/>
-          <p:nvPr/>
-        </p:nvGrpSpPr>
-        <p:grpSpPr>
-          <a:xfrm rot="0">
-            <a:off x="5931894" y="546347"/>
-            <a:ext cx="11936734" cy="1701339"/>
-            <a:chOff x="0" y="0"/>
-            <a:chExt cx="15915646" cy="2268451"/>
-          </a:xfrm>
-        </p:grpSpPr>
-        <p:sp>
-          <p:nvSpPr>
-            <p:cNvPr name="TextBox 21" id="21"/>
-            <p:cNvSpPr txBox="true"/>
-            <p:nvPr/>
-          </p:nvSpPr>
-          <p:spPr>
-            <a:xfrm rot="0">
-              <a:off x="0" y="-9525"/>
-              <a:ext cx="15915646" cy="1228725"/>
-            </a:xfrm>
-            <a:prstGeom prst="rect">
-              <a:avLst/>
-            </a:prstGeom>
-          </p:spPr>
-          <p:txBody>
-            <a:bodyPr anchor="t" rtlCol="false" tIns="0" lIns="0" bIns="0" rIns="0">
-              <a:spAutoFit/>
-            </a:bodyPr>
-            <a:lstStyle/>
-            <a:p>
-              <a:pPr algn="ctr">
-                <a:lnSpc>
-                  <a:spcPts val="7200"/>
-                </a:lnSpc>
-              </a:pPr>
-              <a:r>
-                <a:rPr lang="en-US" b="true" sz="6000" i="true" spc="-359">
-                  <a:solidFill>
-                    <a:srgbClr val="C2E7D7"/>
-                  </a:solidFill>
-                  <a:latin typeface="League Spartan"/>
-                  <a:ea typeface="League Spartan"/>
-                  <a:cs typeface="League Spartan"/>
-                  <a:sym typeface="League Spartan"/>
-                </a:rPr>
-                <a:t>Aplicación de BBHE</a:t>
-              </a:r>
-            </a:p>
-          </p:txBody>
-        </p:sp>
-        <p:sp>
-          <p:nvSpPr>
-            <p:cNvPr name="TextBox 22" id="22"/>
-            <p:cNvSpPr txBox="true"/>
-            <p:nvPr/>
-          </p:nvSpPr>
-          <p:spPr>
-            <a:xfrm rot="0">
-              <a:off x="0" y="1506451"/>
-              <a:ext cx="15915646" cy="762000"/>
-            </a:xfrm>
-            <a:prstGeom prst="rect">
-              <a:avLst/>
-            </a:prstGeom>
-          </p:spPr>
-          <p:txBody>
-            <a:bodyPr anchor="t" rtlCol="false" tIns="0" lIns="0" bIns="0" rIns="0">
-              <a:spAutoFit/>
-            </a:bodyPr>
-            <a:lstStyle/>
-            <a:p>
-              <a:pPr algn="ctr">
-                <a:lnSpc>
-                  <a:spcPts val="4320"/>
-                </a:lnSpc>
-              </a:pPr>
-            </a:p>
-          </p:txBody>
-        </p:sp>
-      </p:grpSp>
-    </p:spTree>
-  </p:cSld>
-  <p:clrMapOvr>
-    <a:masterClrMapping/>
-  </p:clrMapOvr>
-</p:sld>
-</file>
-
-<file path=ppt/slides/slide8.xml><?xml version="1.0" encoding="utf-8"?>
-<p:sld xmlns:p="http://schemas.openxmlformats.org/presentationml/2006/main" xmlns:a="http://schemas.openxmlformats.org/drawingml/2006/main" xmlns:r="http://schemas.openxmlformats.org/officeDocument/2006/relationships">
-  <p:cSld>
-    <p:bg>
-      <p:bgPr>
-        <a:solidFill>
-          <a:srgbClr val="E8F6EC"/>
-        </a:solidFill>
-      </p:bgPr>
-    </p:bg>
-    <p:spTree>
-      <p:nvGrpSpPr>
-        <p:cNvPr id="1" name=""/>
-        <p:cNvGrpSpPr/>
-        <p:nvPr/>
-      </p:nvGrpSpPr>
-      <p:grpSpPr>
-        <a:xfrm>
-          <a:off x="0" y="0"/>
-          <a:ext cx="0" cy="0"/>
-          <a:chOff x="0" y="0"/>
-          <a:chExt cx="0" cy="0"/>
-        </a:xfrm>
-      </p:grpSpPr>
-      <p:grpSp>
-        <p:nvGrpSpPr>
-          <p:cNvPr name="Group 2" id="2"/>
+          <p:cNvPr id="2" name="Group 2"/>
           <p:cNvGrpSpPr/>
           <p:nvPr/>
         </p:nvGrpSpPr>
@@ -7814,12 +9289,12 @@
         </p:grpSpPr>
         <p:grpSp>
           <p:nvGrpSpPr>
-            <p:cNvPr name="Group 3" id="3"/>
+            <p:cNvPr id="3" name="Group 3"/>
             <p:cNvGrpSpPr/>
             <p:nvPr/>
           </p:nvGrpSpPr>
           <p:grpSpPr>
-            <a:xfrm rot="0">
+            <a:xfrm>
               <a:off x="0" y="0"/>
               <a:ext cx="1800821" cy="3197313"/>
               <a:chOff x="0" y="0"/>
@@ -7828,12 +9303,12 @@
           </p:grpSpPr>
           <p:sp>
             <p:nvSpPr>
-              <p:cNvPr name="Freeform 4" id="4"/>
+              <p:cNvPr id="4" name="Freeform 4"/>
               <p:cNvSpPr/>
               <p:nvPr/>
             </p:nvSpPr>
             <p:spPr>
-              <a:xfrm flipH="false" flipV="false" rot="0">
+              <a:xfrm>
                 <a:off x="0" y="0"/>
                 <a:ext cx="608100" cy="1079666"/>
               </a:xfrm>
@@ -7842,9 +9317,9 @@
                 <a:gdLst/>
                 <a:ahLst/>
                 <a:cxnLst/>
-                <a:rect r="r" b="b" t="t" l="l"/>
+                <a:rect l="l" t="t" r="r" b="b"/>
                 <a:pathLst>
-                  <a:path h="1079666" w="608100">
+                  <a:path w="608100" h="1079666">
                     <a:moveTo>
                       <a:pt x="0" y="0"/>
                     </a:moveTo>
@@ -7865,11 +9340,18 @@
                 <a:srgbClr val="1D7A66"/>
               </a:solidFill>
             </p:spPr>
+            <p:txBody>
+              <a:bodyPr/>
+              <a:lstStyle/>
+              <a:p>
+                <a:endParaRPr lang="es-PY"/>
+              </a:p>
+            </p:txBody>
           </p:sp>
           <p:sp>
             <p:nvSpPr>
-              <p:cNvPr name="TextBox 5" id="5"/>
-              <p:cNvSpPr txBox="true"/>
+              <p:cNvPr id="5" name="TextBox 5"/>
+              <p:cNvSpPr txBox="1"/>
               <p:nvPr/>
             </p:nvSpPr>
             <p:spPr>
@@ -7882,7 +9364,7 @@
               </a:prstGeom>
             </p:spPr>
             <p:txBody>
-              <a:bodyPr anchor="ctr" rtlCol="false" tIns="50800" lIns="50800" bIns="50800" rIns="50800"/>
+              <a:bodyPr lIns="50800" tIns="50800" rIns="50800" bIns="50800" rtlCol="0" anchor="ctr"/>
               <a:lstStyle/>
               <a:p>
                 <a:pPr algn="ctr">
@@ -7890,18 +9372,19 @@
                     <a:spcPts val="2659"/>
                   </a:lnSpc>
                 </a:pPr>
+                <a:endParaRPr/>
               </a:p>
             </p:txBody>
           </p:sp>
         </p:grpSp>
         <p:grpSp>
           <p:nvGrpSpPr>
-            <p:cNvPr name="Group 6" id="6"/>
+            <p:cNvPr id="6" name="Group 6"/>
             <p:cNvGrpSpPr/>
             <p:nvPr/>
           </p:nvGrpSpPr>
           <p:grpSpPr>
-            <a:xfrm rot="0">
+            <a:xfrm>
               <a:off x="614609" y="450505"/>
               <a:ext cx="1800821" cy="3197313"/>
               <a:chOff x="0" y="0"/>
@@ -7910,12 +9393,12 @@
           </p:grpSpPr>
           <p:sp>
             <p:nvSpPr>
-              <p:cNvPr name="Freeform 7" id="7"/>
+              <p:cNvPr id="7" name="Freeform 7"/>
               <p:cNvSpPr/>
               <p:nvPr/>
             </p:nvSpPr>
             <p:spPr>
-              <a:xfrm flipH="false" flipV="false" rot="0">
+              <a:xfrm>
                 <a:off x="0" y="0"/>
                 <a:ext cx="608100" cy="1079666"/>
               </a:xfrm>
@@ -7924,9 +9407,9 @@
                 <a:gdLst/>
                 <a:ahLst/>
                 <a:cxnLst/>
-                <a:rect r="r" b="b" t="t" l="l"/>
+                <a:rect l="l" t="t" r="r" b="b"/>
                 <a:pathLst>
-                  <a:path h="1079666" w="608100">
+                  <a:path w="608100" h="1079666">
                     <a:moveTo>
                       <a:pt x="0" y="0"/>
                     </a:moveTo>
@@ -7947,11 +9430,18 @@
                 <a:srgbClr val="55BD9B"/>
               </a:solidFill>
             </p:spPr>
+            <p:txBody>
+              <a:bodyPr/>
+              <a:lstStyle/>
+              <a:p>
+                <a:endParaRPr lang="es-PY"/>
+              </a:p>
+            </p:txBody>
           </p:sp>
           <p:sp>
             <p:nvSpPr>
-              <p:cNvPr name="TextBox 8" id="8"/>
-              <p:cNvSpPr txBox="true"/>
+              <p:cNvPr id="8" name="TextBox 8"/>
+              <p:cNvSpPr txBox="1"/>
               <p:nvPr/>
             </p:nvSpPr>
             <p:spPr>
@@ -7964,7 +9454,7 @@
               </a:prstGeom>
             </p:spPr>
             <p:txBody>
-              <a:bodyPr anchor="ctr" rtlCol="false" tIns="50800" lIns="50800" bIns="50800" rIns="50800"/>
+              <a:bodyPr lIns="50800" tIns="50800" rIns="50800" bIns="50800" rtlCol="0" anchor="ctr"/>
               <a:lstStyle/>
               <a:p>
                 <a:pPr algn="ctr">
@@ -7972,6 +9462,7 @@
                     <a:spcPts val="2659"/>
                   </a:lnSpc>
                 </a:pPr>
+                <a:endParaRPr/>
               </a:p>
             </p:txBody>
           </p:sp>
@@ -7979,23 +9470,23 @@
       </p:grpSp>
       <p:sp>
         <p:nvSpPr>
-          <p:cNvPr name="Freeform 9" id="9"/>
+          <p:cNvPr id="9" name="Freeform 9"/>
           <p:cNvSpPr/>
           <p:nvPr/>
         </p:nvSpPr>
         <p:spPr>
-          <a:xfrm flipH="false" flipV="false" rot="0">
-            <a:off x="6641232" y="7110024"/>
-            <a:ext cx="11301259" cy="2359138"/>
+          <a:xfrm>
+            <a:off x="2728859" y="6254943"/>
+            <a:ext cx="13698000" cy="3600000"/>
           </a:xfrm>
           <a:custGeom>
             <a:avLst/>
             <a:gdLst/>
             <a:ahLst/>
             <a:cxnLst/>
-            <a:rect r="r" b="b" t="t" l="l"/>
+            <a:rect l="l" t="t" r="r" b="b"/>
             <a:pathLst>
-              <a:path h="2359138" w="11301259">
+              <a:path w="11301259" h="2359138">
                 <a:moveTo>
                   <a:pt x="0" y="0"/>
                 </a:moveTo>
@@ -8018,30 +9509,37 @@
           <a:blipFill>
             <a:blip r:embed="rId2"/>
             <a:stretch>
-              <a:fillRect l="0" t="0" r="0" b="0"/>
+              <a:fillRect/>
             </a:stretch>
           </a:blipFill>
         </p:spPr>
+        <p:txBody>
+          <a:bodyPr/>
+          <a:lstStyle/>
+          <a:p>
+            <a:endParaRPr lang="es-PY"/>
+          </a:p>
+        </p:txBody>
       </p:sp>
       <p:sp>
         <p:nvSpPr>
-          <p:cNvPr name="Freeform 10" id="10"/>
+          <p:cNvPr id="10" name="Freeform 10"/>
           <p:cNvSpPr/>
           <p:nvPr/>
         </p:nvSpPr>
         <p:spPr>
-          <a:xfrm flipH="false" flipV="false" rot="0">
-            <a:off x="3336467" y="2235296"/>
-            <a:ext cx="10813974" cy="2811633"/>
+          <a:xfrm>
+            <a:off x="2294816" y="1562550"/>
+            <a:ext cx="13698367" cy="3600000"/>
           </a:xfrm>
           <a:custGeom>
             <a:avLst/>
             <a:gdLst/>
             <a:ahLst/>
             <a:cxnLst/>
-            <a:rect r="r" b="b" t="t" l="l"/>
+            <a:rect l="l" t="t" r="r" b="b"/>
             <a:pathLst>
-              <a:path h="2811633" w="10813974">
+              <a:path w="10813974" h="2811633">
                 <a:moveTo>
                   <a:pt x="0" y="0"/>
                 </a:moveTo>
@@ -8064,15 +9562,22 @@
           <a:blipFill>
             <a:blip r:embed="rId3"/>
             <a:stretch>
-              <a:fillRect l="0" t="0" r="0" b="0"/>
+              <a:fillRect/>
             </a:stretch>
           </a:blipFill>
         </p:spPr>
+        <p:txBody>
+          <a:bodyPr/>
+          <a:lstStyle/>
+          <a:p>
+            <a:endParaRPr lang="es-PY"/>
+          </a:p>
+        </p:txBody>
       </p:sp>
       <p:sp>
         <p:nvSpPr>
-          <p:cNvPr name="TextBox 11" id="11"/>
-          <p:cNvSpPr txBox="true"/>
+          <p:cNvPr id="11" name="TextBox 11"/>
+          <p:cNvSpPr txBox="1"/>
           <p:nvPr/>
         </p:nvSpPr>
         <p:spPr>
@@ -8085,7 +9590,7 @@
           </a:prstGeom>
         </p:spPr>
         <p:txBody>
-          <a:bodyPr anchor="t" rtlCol="false" tIns="0" lIns="0" bIns="0" rIns="0">
+          <a:bodyPr lIns="0" tIns="0" rIns="0" bIns="0" rtlCol="0" anchor="t">
             <a:spAutoFit/>
           </a:bodyPr>
           <a:lstStyle/>
@@ -8096,7 +9601,7 @@
               </a:lnSpc>
             </a:pPr>
             <a:r>
-              <a:rPr lang="en-US" b="true" sz="6800" i="true" spc="-408">
+              <a:rPr lang="en-US" sz="6800" b="1" i="1" spc="-408">
                 <a:solidFill>
                   <a:srgbClr val="1D7A66"/>
                 </a:solidFill>
@@ -8115,7 +9620,7 @@
               </a:lnSpc>
             </a:pPr>
             <a:r>
-              <a:rPr lang="en-US" b="true" sz="6800" i="true" spc="-408">
+              <a:rPr lang="en-US" sz="6800" b="1" i="1" spc="-408">
                 <a:solidFill>
                   <a:srgbClr val="1D7A66"/>
                 </a:solidFill>
@@ -8131,12 +9636,12 @@
       </p:sp>
       <p:sp>
         <p:nvSpPr>
-          <p:cNvPr name="TextBox 12" id="12"/>
-          <p:cNvSpPr txBox="true"/>
+          <p:cNvPr id="12" name="TextBox 12"/>
+          <p:cNvSpPr txBox="1"/>
           <p:nvPr/>
         </p:nvSpPr>
         <p:spPr>
-          <a:xfrm rot="0">
+          <a:xfrm>
             <a:off x="12398227" y="971550"/>
             <a:ext cx="3906660" cy="540385"/>
           </a:xfrm>
@@ -8145,7 +9650,7 @@
           </a:prstGeom>
         </p:spPr>
         <p:txBody>
-          <a:bodyPr anchor="t" rtlCol="false" tIns="0" lIns="0" bIns="0" rIns="0">
+          <a:bodyPr lIns="0" tIns="0" rIns="0" bIns="0" rtlCol="0" anchor="t">
             <a:spAutoFit/>
           </a:bodyPr>
           <a:lstStyle/>
@@ -8156,7 +9661,7 @@
               </a:lnSpc>
             </a:pPr>
             <a:r>
-              <a:rPr lang="en-US" sz="3199" b="true">
+              <a:rPr lang="en-US" sz="3199" b="1">
                 <a:solidFill>
                   <a:srgbClr val="55BD9B"/>
                 </a:solidFill>
@@ -8172,13 +9677,13 @@
       </p:sp>
       <p:sp>
         <p:nvSpPr>
-          <p:cNvPr name="TextBox 13" id="13"/>
-          <p:cNvSpPr txBox="true"/>
+          <p:cNvPr id="13" name="TextBox 13"/>
+          <p:cNvSpPr txBox="1"/>
           <p:nvPr/>
         </p:nvSpPr>
         <p:spPr>
-          <a:xfrm rot="0">
-            <a:off x="13770611" y="6317652"/>
+          <a:xfrm>
+            <a:off x="13841221" y="5606732"/>
             <a:ext cx="3906660" cy="540385"/>
           </a:xfrm>
           <a:prstGeom prst="rect">
@@ -8186,7 +9691,7 @@
           </a:prstGeom>
         </p:spPr>
         <p:txBody>
-          <a:bodyPr anchor="t" rtlCol="false" tIns="0" lIns="0" bIns="0" rIns="0">
+          <a:bodyPr lIns="0" tIns="0" rIns="0" bIns="0" rtlCol="0" anchor="t">
             <a:spAutoFit/>
           </a:bodyPr>
           <a:lstStyle/>
@@ -8197,7 +9702,7 @@
               </a:lnSpc>
             </a:pPr>
             <a:r>
-              <a:rPr lang="en-US" sz="3199" b="true">
+              <a:rPr lang="en-US" sz="3199" b="1" dirty="0">
                 <a:solidFill>
                   <a:srgbClr val="55BD9B"/>
                 </a:solidFill>
@@ -8220,13 +9725,14 @@
 </file>
 
 <file path=ppt/slides/slide9.xml><?xml version="1.0" encoding="utf-8"?>
-<p:sld xmlns:p="http://schemas.openxmlformats.org/presentationml/2006/main" xmlns:a="http://schemas.openxmlformats.org/drawingml/2006/main" xmlns:r="http://schemas.openxmlformats.org/officeDocument/2006/relationships">
+<p:sld xmlns:a="http://schemas.openxmlformats.org/drawingml/2006/main" xmlns:r="http://schemas.openxmlformats.org/officeDocument/2006/relationships" xmlns:p="http://schemas.openxmlformats.org/presentationml/2006/main">
   <p:cSld>
     <p:bg>
       <p:bgPr>
         <a:solidFill>
           <a:srgbClr val="E8F6EC"/>
         </a:solidFill>
+        <a:effectLst/>
       </p:bgPr>
     </p:bg>
     <p:spTree>
@@ -8245,7 +9751,7 @@
       </p:grpSpPr>
       <p:grpSp>
         <p:nvGrpSpPr>
-          <p:cNvPr name="Group 2" id="2"/>
+          <p:cNvPr id="2" name="Group 2"/>
           <p:cNvGrpSpPr/>
           <p:nvPr/>
         </p:nvGrpSpPr>
@@ -8259,12 +9765,12 @@
         </p:grpSpPr>
         <p:grpSp>
           <p:nvGrpSpPr>
-            <p:cNvPr name="Group 3" id="3"/>
+            <p:cNvPr id="3" name="Group 3"/>
             <p:cNvGrpSpPr/>
             <p:nvPr/>
           </p:nvGrpSpPr>
           <p:grpSpPr>
-            <a:xfrm rot="0">
+            <a:xfrm>
               <a:off x="0" y="0"/>
               <a:ext cx="3028110" cy="9632394"/>
               <a:chOff x="0" y="0"/>
@@ -8273,12 +9779,12 @@
           </p:grpSpPr>
           <p:sp>
             <p:nvSpPr>
-              <p:cNvPr name="Freeform 4" id="4"/>
+              <p:cNvPr id="4" name="Freeform 4"/>
               <p:cNvSpPr/>
               <p:nvPr/>
             </p:nvSpPr>
             <p:spPr>
-              <a:xfrm flipH="false" flipV="false" rot="0">
+              <a:xfrm>
                 <a:off x="0" y="0"/>
                 <a:ext cx="339412" cy="1079666"/>
               </a:xfrm>
@@ -8287,9 +9793,9 @@
                 <a:gdLst/>
                 <a:ahLst/>
                 <a:cxnLst/>
-                <a:rect r="r" b="b" t="t" l="l"/>
+                <a:rect l="l" t="t" r="r" b="b"/>
                 <a:pathLst>
-                  <a:path h="1079666" w="339412">
+                  <a:path w="339412" h="1079666">
                     <a:moveTo>
                       <a:pt x="0" y="0"/>
                     </a:moveTo>
@@ -8310,11 +9816,18 @@
                 <a:srgbClr val="1D7A66"/>
               </a:solidFill>
             </p:spPr>
+            <p:txBody>
+              <a:bodyPr/>
+              <a:lstStyle/>
+              <a:p>
+                <a:endParaRPr lang="es-PY"/>
+              </a:p>
+            </p:txBody>
           </p:sp>
           <p:sp>
             <p:nvSpPr>
-              <p:cNvPr name="TextBox 5" id="5"/>
-              <p:cNvSpPr txBox="true"/>
+              <p:cNvPr id="5" name="TextBox 5"/>
+              <p:cNvSpPr txBox="1"/>
               <p:nvPr/>
             </p:nvSpPr>
             <p:spPr>
@@ -8327,7 +9840,7 @@
               </a:prstGeom>
             </p:spPr>
             <p:txBody>
-              <a:bodyPr anchor="ctr" rtlCol="false" tIns="50800" lIns="50800" bIns="50800" rIns="50800"/>
+              <a:bodyPr lIns="50800" tIns="50800" rIns="50800" bIns="50800" rtlCol="0" anchor="ctr"/>
               <a:lstStyle/>
               <a:p>
                 <a:pPr algn="ctr">
@@ -8335,18 +9848,19 @@
                     <a:spcPts val="2660"/>
                   </a:lnSpc>
                 </a:pPr>
+                <a:endParaRPr/>
               </a:p>
             </p:txBody>
           </p:sp>
         </p:grpSp>
         <p:grpSp>
           <p:nvGrpSpPr>
-            <p:cNvPr name="Group 6" id="6"/>
+            <p:cNvPr id="6" name="Group 6"/>
             <p:cNvGrpSpPr/>
             <p:nvPr/>
           </p:nvGrpSpPr>
           <p:grpSpPr>
-            <a:xfrm rot="0">
+            <a:xfrm>
               <a:off x="1033474" y="1357216"/>
               <a:ext cx="3028110" cy="9632394"/>
               <a:chOff x="0" y="0"/>
@@ -8355,12 +9869,12 @@
           </p:grpSpPr>
           <p:sp>
             <p:nvSpPr>
-              <p:cNvPr name="Freeform 7" id="7"/>
+              <p:cNvPr id="7" name="Freeform 7"/>
               <p:cNvSpPr/>
               <p:nvPr/>
             </p:nvSpPr>
             <p:spPr>
-              <a:xfrm flipH="false" flipV="false" rot="0">
+              <a:xfrm>
                 <a:off x="0" y="0"/>
                 <a:ext cx="339412" cy="1079666"/>
               </a:xfrm>
@@ -8369,9 +9883,9 @@
                 <a:gdLst/>
                 <a:ahLst/>
                 <a:cxnLst/>
-                <a:rect r="r" b="b" t="t" l="l"/>
+                <a:rect l="l" t="t" r="r" b="b"/>
                 <a:pathLst>
-                  <a:path h="1079666" w="339412">
+                  <a:path w="339412" h="1079666">
                     <a:moveTo>
                       <a:pt x="0" y="0"/>
                     </a:moveTo>
@@ -8392,11 +9906,18 @@
                 <a:srgbClr val="55BD9B"/>
               </a:solidFill>
             </p:spPr>
+            <p:txBody>
+              <a:bodyPr/>
+              <a:lstStyle/>
+              <a:p>
+                <a:endParaRPr lang="es-PY"/>
+              </a:p>
+            </p:txBody>
           </p:sp>
           <p:sp>
             <p:nvSpPr>
-              <p:cNvPr name="TextBox 8" id="8"/>
-              <p:cNvSpPr txBox="true"/>
+              <p:cNvPr id="8" name="TextBox 8"/>
+              <p:cNvSpPr txBox="1"/>
               <p:nvPr/>
             </p:nvSpPr>
             <p:spPr>
@@ -8409,7 +9930,7 @@
               </a:prstGeom>
             </p:spPr>
             <p:txBody>
-              <a:bodyPr anchor="ctr" rtlCol="false" tIns="50800" lIns="50800" bIns="50800" rIns="50800"/>
+              <a:bodyPr lIns="50800" tIns="50800" rIns="50800" bIns="50800" rtlCol="0" anchor="ctr"/>
               <a:lstStyle/>
               <a:p>
                 <a:pPr algn="ctr">
@@ -8417,6 +9938,7 @@
                     <a:spcPts val="2660"/>
                   </a:lnSpc>
                 </a:pPr>
+                <a:endParaRPr/>
               </a:p>
             </p:txBody>
           </p:sp>
@@ -8424,58 +9946,12 @@
       </p:grpSp>
       <p:sp>
         <p:nvSpPr>
-          <p:cNvPr name="Freeform 9" id="9"/>
-          <p:cNvSpPr/>
+          <p:cNvPr id="10" name="TextBox 10"/>
+          <p:cNvSpPr txBox="1"/>
           <p:nvPr/>
         </p:nvSpPr>
         <p:spPr>
-          <a:xfrm flipH="false" flipV="false" rot="0">
-            <a:off x="4371968" y="4161452"/>
-            <a:ext cx="12747033" cy="3574465"/>
-          </a:xfrm>
-          <a:custGeom>
-            <a:avLst/>
-            <a:gdLst/>
-            <a:ahLst/>
-            <a:cxnLst/>
-            <a:rect r="r" b="b" t="t" l="l"/>
-            <a:pathLst>
-              <a:path h="3574465" w="12747033">
-                <a:moveTo>
-                  <a:pt x="0" y="0"/>
-                </a:moveTo>
-                <a:lnTo>
-                  <a:pt x="12747033" y="0"/>
-                </a:lnTo>
-                <a:lnTo>
-                  <a:pt x="12747033" y="3574465"/>
-                </a:lnTo>
-                <a:lnTo>
-                  <a:pt x="0" y="3574465"/>
-                </a:lnTo>
-                <a:lnTo>
-                  <a:pt x="0" y="0"/>
-                </a:lnTo>
-                <a:close/>
-              </a:path>
-            </a:pathLst>
-          </a:custGeom>
-          <a:blipFill>
-            <a:blip r:embed="rId2"/>
-            <a:stretch>
-              <a:fillRect l="0" t="0" r="0" b="0"/>
-            </a:stretch>
-          </a:blipFill>
-        </p:spPr>
-      </p:sp>
-      <p:sp>
-        <p:nvSpPr>
-          <p:cNvPr name="TextBox 10" id="10"/>
-          <p:cNvSpPr txBox="true"/>
-          <p:nvPr/>
-        </p:nvSpPr>
-        <p:spPr>
-          <a:xfrm rot="0">
+          <a:xfrm>
             <a:off x="2538457" y="516043"/>
             <a:ext cx="15067259" cy="2053588"/>
           </a:xfrm>
@@ -8484,7 +9960,7 @@
           </a:prstGeom>
         </p:spPr>
         <p:txBody>
-          <a:bodyPr anchor="t" rtlCol="false" tIns="0" lIns="0" bIns="0" rIns="0">
+          <a:bodyPr lIns="0" tIns="0" rIns="0" bIns="0" rtlCol="0" anchor="t">
             <a:spAutoFit/>
           </a:bodyPr>
           <a:lstStyle/>
@@ -8495,7 +9971,7 @@
               </a:lnSpc>
             </a:pPr>
             <a:r>
-              <a:rPr lang="en-US" b="true" sz="6300" i="true" spc="-378">
+              <a:rPr lang="en-US" sz="6300" b="1" i="1" spc="-378" dirty="0">
                 <a:solidFill>
                   <a:srgbClr val="1D7A66"/>
                 </a:solidFill>
@@ -8509,6 +9985,205 @@
           </a:p>
         </p:txBody>
       </p:sp>
+      <p:sp>
+        <p:nvSpPr>
+          <p:cNvPr id="12" name="CuadroTexto 11">
+            <a:extLst>
+              <a:ext uri="{FF2B5EF4-FFF2-40B4-BE49-F238E27FC236}">
+                <a16:creationId xmlns:a16="http://schemas.microsoft.com/office/drawing/2014/main" id="{76BCC501-E2D5-79E1-3C97-98CF0905609C}"/>
+              </a:ext>
+            </a:extLst>
+          </p:cNvPr>
+          <p:cNvSpPr txBox="1"/>
+          <p:nvPr/>
+        </p:nvSpPr>
+        <p:spPr>
+          <a:xfrm>
+            <a:off x="3264860" y="5676900"/>
+            <a:ext cx="14340856" cy="3065455"/>
+          </a:xfrm>
+          <a:prstGeom prst="rect">
+            <a:avLst/>
+          </a:prstGeom>
+          <a:noFill/>
+        </p:spPr>
+        <p:txBody>
+          <a:bodyPr wrap="square">
+            <a:spAutoFit/>
+          </a:bodyPr>
+          <a:lstStyle/>
+          <a:p>
+            <a:pPr algn="just">
+              <a:lnSpc>
+                <a:spcPct val="115000"/>
+              </a:lnSpc>
+              <a:spcAft>
+                <a:spcPts val="800"/>
+              </a:spcAft>
+              <a:buNone/>
+            </a:pPr>
+            <a:r>
+              <a:rPr lang="es-PY" sz="2000" b="1" kern="100" dirty="0">
+                <a:effectLst/>
+                <a:latin typeface="Aptos" panose="020B0004020202020204" pitchFamily="34" charset="0"/>
+                <a:ea typeface="Aptos" panose="020B0004020202020204" pitchFamily="34" charset="0"/>
+                <a:cs typeface="Times New Roman" panose="02020603050405020304" pitchFamily="18" charset="0"/>
+              </a:rPr>
+              <a:t>La imagen original tiene una entropía de 6.85, que es superada por CLAHE.</a:t>
+            </a:r>
+          </a:p>
+          <a:p>
+            <a:pPr algn="just">
+              <a:lnSpc>
+                <a:spcPct val="115000"/>
+              </a:lnSpc>
+              <a:spcAft>
+                <a:spcPts val="800"/>
+              </a:spcAft>
+              <a:buNone/>
+            </a:pPr>
+            <a:r>
+              <a:rPr lang="es-PY" sz="2000" b="1" dirty="0"/>
+              <a:t>AMBE:</a:t>
+            </a:r>
+            <a:r>
+              <a:rPr lang="es-PY" sz="2000" dirty="0"/>
+              <a:t> El método </a:t>
+            </a:r>
+            <a:r>
+              <a:rPr lang="es-PY" sz="2000" b="1" dirty="0"/>
+              <a:t>CLAHE</a:t>
+            </a:r>
+            <a:r>
+              <a:rPr lang="es-PY" sz="2000" dirty="0"/>
+              <a:t> muestra el valor más bajo (17,44), lo que indica que es el que menos modifica el brillo promedio de la imagen.</a:t>
+            </a:r>
+          </a:p>
+          <a:p>
+            <a:pPr algn="just">
+              <a:lnSpc>
+                <a:spcPct val="115000"/>
+              </a:lnSpc>
+              <a:spcAft>
+                <a:spcPts val="800"/>
+              </a:spcAft>
+            </a:pPr>
+            <a:r>
+              <a:rPr lang="es-PY" sz="2000" b="1" dirty="0"/>
+              <a:t>PSNR: CLAHE</a:t>
+            </a:r>
+            <a:r>
+              <a:rPr lang="es-PY" sz="2000" dirty="0"/>
+              <a:t> también presenta el valor más alto (19,25), lo que sugiere la mejor calidad de reconstrucción y menor pérdida de información.</a:t>
+            </a:r>
+          </a:p>
+          <a:p>
+            <a:pPr algn="just">
+              <a:lnSpc>
+                <a:spcPct val="115000"/>
+              </a:lnSpc>
+              <a:spcAft>
+                <a:spcPts val="800"/>
+              </a:spcAft>
+            </a:pPr>
+            <a:r>
+              <a:rPr lang="es-PY" sz="2000" b="1" dirty="0"/>
+              <a:t>Contraste:</a:t>
+            </a:r>
+            <a:r>
+              <a:rPr lang="es-PY" sz="2000" dirty="0"/>
+              <a:t> </a:t>
+            </a:r>
+            <a:r>
+              <a:rPr lang="es-PY" sz="2000" b="1" dirty="0"/>
+              <a:t>DSIHE</a:t>
+            </a:r>
+            <a:r>
+              <a:rPr lang="es-PY" sz="2000" dirty="0"/>
+              <a:t> logra el contraste más alto (74,6), lo que significa que produce imágenes con la mayor diferenciación de tonos.</a:t>
+            </a:r>
+          </a:p>
+          <a:p>
+            <a:pPr algn="just">
+              <a:lnSpc>
+                <a:spcPct val="115000"/>
+              </a:lnSpc>
+              <a:spcAft>
+                <a:spcPts val="800"/>
+              </a:spcAft>
+            </a:pPr>
+            <a:r>
+              <a:rPr lang="es-PY" sz="2000" b="1" dirty="0"/>
+              <a:t>Entropía:</a:t>
+            </a:r>
+            <a:r>
+              <a:rPr lang="es-PY" sz="2000" dirty="0"/>
+              <a:t> </a:t>
+            </a:r>
+            <a:r>
+              <a:rPr lang="es-PY" sz="2000" b="1" dirty="0"/>
+              <a:t>CLAHE</a:t>
+            </a:r>
+            <a:r>
+              <a:rPr lang="es-PY" sz="2000" dirty="0"/>
+              <a:t> tiene la entropía más alta (7,28), lo que indica que produce imágenes con la mayor cantidad de información o detalle. </a:t>
+            </a:r>
+          </a:p>
+          <a:p>
+            <a:pPr algn="just">
+              <a:lnSpc>
+                <a:spcPct val="115000"/>
+              </a:lnSpc>
+              <a:spcAft>
+                <a:spcPts val="800"/>
+              </a:spcAft>
+              <a:buNone/>
+            </a:pPr>
+            <a:endParaRPr lang="es-PY" sz="2000" kern="100" dirty="0">
+              <a:effectLst/>
+              <a:latin typeface="Aptos" panose="020B0004020202020204" pitchFamily="34" charset="0"/>
+              <a:ea typeface="Aptos" panose="020B0004020202020204" pitchFamily="34" charset="0"/>
+              <a:cs typeface="Times New Roman" panose="02020603050405020304" pitchFamily="18" charset="0"/>
+            </a:endParaRPr>
+          </a:p>
+        </p:txBody>
+      </p:sp>
+      <p:pic>
+        <p:nvPicPr>
+          <p:cNvPr id="14" name="Imagen 13" descr="Tabla&#10;&#10;El contenido generado por IA puede ser incorrecto.">
+            <a:extLst>
+              <a:ext uri="{FF2B5EF4-FFF2-40B4-BE49-F238E27FC236}">
+                <a16:creationId xmlns:a16="http://schemas.microsoft.com/office/drawing/2014/main" id="{6C3CD91D-11C2-8A6C-A429-EC76F83BBEDA}"/>
+              </a:ext>
+            </a:extLst>
+          </p:cNvPr>
+          <p:cNvPicPr>
+            <a:picLocks noChangeAspect="1"/>
+          </p:cNvPicPr>
+          <p:nvPr/>
+        </p:nvPicPr>
+        <p:blipFill>
+          <a:blip r:embed="rId2">
+            <a:extLst>
+              <a:ext uri="{28A0092B-C50C-407E-A947-70E740481C1C}">
+                <a14:useLocalDpi xmlns:a14="http://schemas.microsoft.com/office/drawing/2010/main" val="0"/>
+              </a:ext>
+            </a:extLst>
+          </a:blip>
+          <a:stretch>
+            <a:fillRect/>
+          </a:stretch>
+        </p:blipFill>
+        <p:spPr>
+          <a:xfrm>
+            <a:off x="3264860" y="2490089"/>
+            <a:ext cx="12523734" cy="2981842"/>
+          </a:xfrm>
+          <a:prstGeom prst="rect">
+            <a:avLst/>
+          </a:prstGeom>
+        </p:spPr>
+      </p:pic>
     </p:spTree>
   </p:cSld>
   <p:clrMapOvr>
@@ -8798,4 +10473,319 @@
   <a:objectDefaults/>
   <a:extraClrSchemeLst/>
 </a:theme>
+</file>
+
+<file path=ppt/theme/theme2.xml><?xml version="1.0" encoding="utf-8"?>
+<a:theme xmlns:a="http://schemas.openxmlformats.org/drawingml/2006/main" name="Tema de Office">
+  <a:themeElements>
+    <a:clrScheme name="Office">
+      <a:dk1>
+        <a:sysClr val="windowText" lastClr="000000"/>
+      </a:dk1>
+      <a:lt1>
+        <a:sysClr val="window" lastClr="FFFFFF"/>
+      </a:lt1>
+      <a:dk2>
+        <a:srgbClr val="0E2841"/>
+      </a:dk2>
+      <a:lt2>
+        <a:srgbClr val="E8E8E8"/>
+      </a:lt2>
+      <a:accent1>
+        <a:srgbClr val="156082"/>
+      </a:accent1>
+      <a:accent2>
+        <a:srgbClr val="E97132"/>
+      </a:accent2>
+      <a:accent3>
+        <a:srgbClr val="196B24"/>
+      </a:accent3>
+      <a:accent4>
+        <a:srgbClr val="0F9ED5"/>
+      </a:accent4>
+      <a:accent5>
+        <a:srgbClr val="A02B93"/>
+      </a:accent5>
+      <a:accent6>
+        <a:srgbClr val="4EA72E"/>
+      </a:accent6>
+      <a:hlink>
+        <a:srgbClr val="467886"/>
+      </a:hlink>
+      <a:folHlink>
+        <a:srgbClr val="96607D"/>
+      </a:folHlink>
+    </a:clrScheme>
+    <a:fontScheme name="Office">
+      <a:majorFont>
+        <a:latin typeface="Aptos Display" panose="02110004020202020204"/>
+        <a:ea typeface=""/>
+        <a:cs typeface=""/>
+        <a:font script="Jpan" typeface="游ゴシック Light"/>
+        <a:font script="Hang" typeface="맑은 고딕"/>
+        <a:font script="Hans" typeface="等线 Light"/>
+        <a:font script="Hant" typeface="新細明體"/>
+        <a:font script="Arab" typeface="Times New Roman"/>
+        <a:font script="Hebr" typeface="Times New Roman"/>
+        <a:font script="Thai" typeface="Angsana New"/>
+        <a:font script="Ethi" typeface="Nyala"/>
+        <a:font script="Beng" typeface="Vrinda"/>
+        <a:font script="Gujr" typeface="Shruti"/>
+        <a:font script="Khmr" typeface="MoolBoran"/>
+        <a:font script="Knda" typeface="Tunga"/>
+        <a:font script="Guru" typeface="Raavi"/>
+        <a:font script="Cans" typeface="Euphemia"/>
+        <a:font script="Cher" typeface="Plantagenet Cherokee"/>
+        <a:font script="Yiii" typeface="Microsoft Yi Baiti"/>
+        <a:font script="Tibt" typeface="Microsoft Himalaya"/>
+        <a:font script="Thaa" typeface="MV Boli"/>
+        <a:font script="Deva" typeface="Mangal"/>
+        <a:font script="Telu" typeface="Gautami"/>
+        <a:font script="Taml" typeface="Latha"/>
+        <a:font script="Syrc" typeface="Estrangelo Edessa"/>
+        <a:font script="Orya" typeface="Kalinga"/>
+        <a:font script="Mlym" typeface="Kartika"/>
+        <a:font script="Laoo" typeface="DokChampa"/>
+        <a:font script="Sinh" typeface="Iskoola Pota"/>
+        <a:font script="Mong" typeface="Mongolian Baiti"/>
+        <a:font script="Viet" typeface="Times New Roman"/>
+        <a:font script="Uigh" typeface="Microsoft Uighur"/>
+        <a:font script="Geor" typeface="Sylfaen"/>
+        <a:font script="Armn" typeface="Arial"/>
+        <a:font script="Bugi" typeface="Leelawadee UI"/>
+        <a:font script="Bopo" typeface="Microsoft JhengHei"/>
+        <a:font script="Java" typeface="Javanese Text"/>
+        <a:font script="Lisu" typeface="Segoe UI"/>
+        <a:font script="Mymr" typeface="Myanmar Text"/>
+        <a:font script="Nkoo" typeface="Ebrima"/>
+        <a:font script="Olck" typeface="Nirmala UI"/>
+        <a:font script="Osma" typeface="Ebrima"/>
+        <a:font script="Phag" typeface="Phagspa"/>
+        <a:font script="Syrn" typeface="Estrangelo Edessa"/>
+        <a:font script="Syrj" typeface="Estrangelo Edessa"/>
+        <a:font script="Syre" typeface="Estrangelo Edessa"/>
+        <a:font script="Sora" typeface="Nirmala UI"/>
+        <a:font script="Tale" typeface="Microsoft Tai Le"/>
+        <a:font script="Talu" typeface="Microsoft New Tai Lue"/>
+        <a:font script="Tfng" typeface="Ebrima"/>
+      </a:majorFont>
+      <a:minorFont>
+        <a:latin typeface="Aptos" panose="02110004020202020204"/>
+        <a:ea typeface=""/>
+        <a:cs typeface=""/>
+        <a:font script="Jpan" typeface="游ゴシック"/>
+        <a:font script="Hang" typeface="맑은 고딕"/>
+        <a:font script="Hans" typeface="等线"/>
+        <a:font script="Hant" typeface="新細明體"/>
+        <a:font script="Arab" typeface="Arial"/>
+        <a:font script="Hebr" typeface="Arial"/>
+        <a:font script="Thai" typeface="Cordia New"/>
+        <a:font script="Ethi" typeface="Nyala"/>
+        <a:font script="Beng" typeface="Vrinda"/>
+        <a:font script="Gujr" typeface="Shruti"/>
+        <a:font script="Khmr" typeface="DaunPenh"/>
+        <a:font script="Knda" typeface="Tunga"/>
+        <a:font script="Guru" typeface="Raavi"/>
+        <a:font script="Cans" typeface="Euphemia"/>
+        <a:font script="Cher" typeface="Plantagenet Cherokee"/>
+        <a:font script="Yiii" typeface="Microsoft Yi Baiti"/>
+        <a:font script="Tibt" typeface="Microsoft Himalaya"/>
+        <a:font script="Thaa" typeface="MV Boli"/>
+        <a:font script="Deva" typeface="Mangal"/>
+        <a:font script="Telu" typeface="Gautami"/>
+        <a:font script="Taml" typeface="Latha"/>
+        <a:font script="Syrc" typeface="Estrangelo Edessa"/>
+        <a:font script="Orya" typeface="Kalinga"/>
+        <a:font script="Mlym" typeface="Kartika"/>
+        <a:font script="Laoo" typeface="DokChampa"/>
+        <a:font script="Sinh" typeface="Iskoola Pota"/>
+        <a:font script="Mong" typeface="Mongolian Baiti"/>
+        <a:font script="Viet" typeface="Arial"/>
+        <a:font script="Uigh" typeface="Microsoft Uighur"/>
+        <a:font script="Geor" typeface="Sylfaen"/>
+        <a:font script="Armn" typeface="Arial"/>
+        <a:font script="Bugi" typeface="Leelawadee UI"/>
+        <a:font script="Bopo" typeface="Microsoft JhengHei"/>
+        <a:font script="Java" typeface="Javanese Text"/>
+        <a:font script="Lisu" typeface="Segoe UI"/>
+        <a:font script="Mymr" typeface="Myanmar Text"/>
+        <a:font script="Nkoo" typeface="Ebrima"/>
+        <a:font script="Olck" typeface="Nirmala UI"/>
+        <a:font script="Osma" typeface="Ebrima"/>
+        <a:font script="Phag" typeface="Phagspa"/>
+        <a:font script="Syrn" typeface="Estrangelo Edessa"/>
+        <a:font script="Syrj" typeface="Estrangelo Edessa"/>
+        <a:font script="Syre" typeface="Estrangelo Edessa"/>
+        <a:font script="Sora" typeface="Nirmala UI"/>
+        <a:font script="Tale" typeface="Microsoft Tai Le"/>
+        <a:font script="Talu" typeface="Microsoft New Tai Lue"/>
+        <a:font script="Tfng" typeface="Ebrima"/>
+      </a:minorFont>
+    </a:fontScheme>
+    <a:fmtScheme name="Office">
+      <a:fillStyleLst>
+        <a:solidFill>
+          <a:schemeClr val="phClr"/>
+        </a:solidFill>
+        <a:gradFill rotWithShape="1">
+          <a:gsLst>
+            <a:gs pos="0">
+              <a:schemeClr val="phClr">
+                <a:lumMod val="110000"/>
+                <a:satMod val="105000"/>
+                <a:tint val="67000"/>
+              </a:schemeClr>
+            </a:gs>
+            <a:gs pos="50000">
+              <a:schemeClr val="phClr">
+                <a:lumMod val="105000"/>
+                <a:satMod val="103000"/>
+                <a:tint val="73000"/>
+              </a:schemeClr>
+            </a:gs>
+            <a:gs pos="100000">
+              <a:schemeClr val="phClr">
+                <a:lumMod val="105000"/>
+                <a:satMod val="109000"/>
+                <a:tint val="81000"/>
+              </a:schemeClr>
+            </a:gs>
+          </a:gsLst>
+          <a:lin ang="5400000" scaled="0"/>
+        </a:gradFill>
+        <a:gradFill rotWithShape="1">
+          <a:gsLst>
+            <a:gs pos="0">
+              <a:schemeClr val="phClr">
+                <a:satMod val="103000"/>
+                <a:lumMod val="102000"/>
+                <a:tint val="94000"/>
+              </a:schemeClr>
+            </a:gs>
+            <a:gs pos="50000">
+              <a:schemeClr val="phClr">
+                <a:satMod val="110000"/>
+                <a:lumMod val="100000"/>
+                <a:shade val="100000"/>
+              </a:schemeClr>
+            </a:gs>
+            <a:gs pos="100000">
+              <a:schemeClr val="phClr">
+                <a:lumMod val="99000"/>
+                <a:satMod val="120000"/>
+                <a:shade val="78000"/>
+              </a:schemeClr>
+            </a:gs>
+          </a:gsLst>
+          <a:lin ang="5400000" scaled="0"/>
+        </a:gradFill>
+      </a:fillStyleLst>
+      <a:lnStyleLst>
+        <a:ln w="12700" cap="flat" cmpd="sng" algn="ctr">
+          <a:solidFill>
+            <a:schemeClr val="phClr"/>
+          </a:solidFill>
+          <a:prstDash val="solid"/>
+          <a:miter lim="800000"/>
+        </a:ln>
+        <a:ln w="19050" cap="flat" cmpd="sng" algn="ctr">
+          <a:solidFill>
+            <a:schemeClr val="phClr"/>
+          </a:solidFill>
+          <a:prstDash val="solid"/>
+          <a:miter lim="800000"/>
+        </a:ln>
+        <a:ln w="25400" cap="flat" cmpd="sng" algn="ctr">
+          <a:solidFill>
+            <a:schemeClr val="phClr"/>
+          </a:solidFill>
+          <a:prstDash val="solid"/>
+          <a:miter lim="800000"/>
+        </a:ln>
+      </a:lnStyleLst>
+      <a:effectStyleLst>
+        <a:effectStyle>
+          <a:effectLst/>
+        </a:effectStyle>
+        <a:effectStyle>
+          <a:effectLst/>
+        </a:effectStyle>
+        <a:effectStyle>
+          <a:effectLst>
+            <a:outerShdw blurRad="57150" dist="19050" dir="5400000" algn="ctr" rotWithShape="0">
+              <a:srgbClr val="000000">
+                <a:alpha val="63000"/>
+              </a:srgbClr>
+            </a:outerShdw>
+          </a:effectLst>
+        </a:effectStyle>
+      </a:effectStyleLst>
+      <a:bgFillStyleLst>
+        <a:solidFill>
+          <a:schemeClr val="phClr"/>
+        </a:solidFill>
+        <a:solidFill>
+          <a:schemeClr val="phClr">
+            <a:tint val="95000"/>
+            <a:satMod val="170000"/>
+          </a:schemeClr>
+        </a:solidFill>
+        <a:gradFill rotWithShape="1">
+          <a:gsLst>
+            <a:gs pos="0">
+              <a:schemeClr val="phClr">
+                <a:tint val="93000"/>
+                <a:satMod val="150000"/>
+                <a:shade val="98000"/>
+                <a:lumMod val="102000"/>
+              </a:schemeClr>
+            </a:gs>
+            <a:gs pos="50000">
+              <a:schemeClr val="phClr">
+                <a:tint val="98000"/>
+                <a:satMod val="130000"/>
+                <a:shade val="90000"/>
+                <a:lumMod val="103000"/>
+              </a:schemeClr>
+            </a:gs>
+            <a:gs pos="100000">
+              <a:schemeClr val="phClr">
+                <a:shade val="63000"/>
+                <a:satMod val="120000"/>
+              </a:schemeClr>
+            </a:gs>
+          </a:gsLst>
+          <a:lin ang="5400000" scaled="0"/>
+        </a:gradFill>
+      </a:bgFillStyleLst>
+    </a:fmtScheme>
+  </a:themeElements>
+  <a:objectDefaults>
+    <a:lnDef>
+      <a:spPr/>
+      <a:bodyPr/>
+      <a:lstStyle/>
+      <a:style>
+        <a:lnRef idx="2">
+          <a:schemeClr val="accent1"/>
+        </a:lnRef>
+        <a:fillRef idx="0">
+          <a:schemeClr val="accent1"/>
+        </a:fillRef>
+        <a:effectRef idx="1">
+          <a:schemeClr val="accent1"/>
+        </a:effectRef>
+        <a:fontRef idx="minor">
+          <a:schemeClr val="tx1"/>
+        </a:fontRef>
+      </a:style>
+    </a:lnDef>
+  </a:objectDefaults>
+  <a:extraClrSchemeLst/>
+  <a:extLst>
+    <a:ext uri="{05A4C25C-085E-4340-85A3-A5531E510DB2}">
+      <thm15:themeFamily xmlns:thm15="http://schemas.microsoft.com/office/thememl/2012/main" name="Office Theme" id="{2E142A2C-CD16-42D6-873A-C26D2A0506FA}" vid="{1BDDFF52-6CD6-40A5-AB3C-68EB2F1E4D0A}"/>
+    </a:ext>
+  </a:extLst>
+</a:theme>
 </file>